--- a/Freelancing/Freelance Session 2 - Services.pptx
+++ b/Freelancing/Freelance Session 2 - Services.pptx
@@ -10,25 +10,23 @@
     <p:sldId id="279" r:id="rId4"/>
     <p:sldId id="280" r:id="rId5"/>
     <p:sldId id="281" r:id="rId6"/>
-    <p:sldId id="284" r:id="rId7"/>
-    <p:sldId id="282" r:id="rId8"/>
-    <p:sldId id="283" r:id="rId9"/>
-    <p:sldId id="285" r:id="rId10"/>
-    <p:sldId id="286" r:id="rId11"/>
-    <p:sldId id="287" r:id="rId12"/>
-    <p:sldId id="288" r:id="rId13"/>
-    <p:sldId id="289" r:id="rId14"/>
-    <p:sldId id="290" r:id="rId15"/>
-    <p:sldId id="291" r:id="rId16"/>
-    <p:sldId id="292" r:id="rId17"/>
-    <p:sldId id="293" r:id="rId18"/>
-    <p:sldId id="294" r:id="rId19"/>
-    <p:sldId id="295" r:id="rId20"/>
-    <p:sldId id="296" r:id="rId21"/>
-    <p:sldId id="297" r:id="rId22"/>
-    <p:sldId id="298" r:id="rId23"/>
-    <p:sldId id="299" r:id="rId24"/>
-    <p:sldId id="300" r:id="rId25"/>
+    <p:sldId id="282" r:id="rId7"/>
+    <p:sldId id="283" r:id="rId8"/>
+    <p:sldId id="285" r:id="rId9"/>
+    <p:sldId id="286" r:id="rId10"/>
+    <p:sldId id="287" r:id="rId11"/>
+    <p:sldId id="288" r:id="rId12"/>
+    <p:sldId id="290" r:id="rId13"/>
+    <p:sldId id="291" r:id="rId14"/>
+    <p:sldId id="292" r:id="rId15"/>
+    <p:sldId id="293" r:id="rId16"/>
+    <p:sldId id="294" r:id="rId17"/>
+    <p:sldId id="295" r:id="rId18"/>
+    <p:sldId id="297" r:id="rId19"/>
+    <p:sldId id="298" r:id="rId20"/>
+    <p:sldId id="299" r:id="rId21"/>
+    <p:sldId id="300" r:id="rId22"/>
+    <p:sldId id="301" r:id="rId23"/>
   </p:sldIdLst>
   <p:sldSz cx="12192000" cy="6858000"/>
   <p:notesSz cx="6858000" cy="9144000"/>
@@ -9847,1500 +9845,6 @@
 </file>
 
 <file path=ppt/diagrams/colors21.xml><?xml version="1.0" encoding="utf-8"?>
-<dgm:colorsDef xmlns:dgm="http://schemas.openxmlformats.org/drawingml/2006/diagram" xmlns:a="http://schemas.openxmlformats.org/drawingml/2006/main" uniqueId="urn:microsoft.com/office/officeart/2005/8/colors/accent1_2">
-  <dgm:title val=""/>
-  <dgm:desc val=""/>
-  <dgm:catLst>
-    <dgm:cat type="accent1" pri="11200"/>
-  </dgm:catLst>
-  <dgm:styleLbl name="node0">
-    <dgm:fillClrLst meth="repeat">
-      <a:schemeClr val="accent1"/>
-    </dgm:fillClrLst>
-    <dgm:linClrLst meth="repeat">
-      <a:schemeClr val="lt1"/>
-    </dgm:linClrLst>
-    <dgm:effectClrLst/>
-    <dgm:txLinClrLst/>
-    <dgm:txFillClrLst/>
-    <dgm:txEffectClrLst/>
-  </dgm:styleLbl>
-  <dgm:styleLbl name="alignNode1">
-    <dgm:fillClrLst meth="repeat">
-      <a:schemeClr val="accent1"/>
-    </dgm:fillClrLst>
-    <dgm:linClrLst meth="repeat">
-      <a:schemeClr val="accent1"/>
-    </dgm:linClrLst>
-    <dgm:effectClrLst/>
-    <dgm:txLinClrLst/>
-    <dgm:txFillClrLst/>
-    <dgm:txEffectClrLst/>
-  </dgm:styleLbl>
-  <dgm:styleLbl name="node1">
-    <dgm:fillClrLst meth="repeat">
-      <a:schemeClr val="accent1"/>
-    </dgm:fillClrLst>
-    <dgm:linClrLst meth="repeat">
-      <a:schemeClr val="lt1"/>
-    </dgm:linClrLst>
-    <dgm:effectClrLst/>
-    <dgm:txLinClrLst/>
-    <dgm:txFillClrLst/>
-    <dgm:txEffectClrLst/>
-  </dgm:styleLbl>
-  <dgm:styleLbl name="lnNode1">
-    <dgm:fillClrLst meth="repeat">
-      <a:schemeClr val="accent1"/>
-    </dgm:fillClrLst>
-    <dgm:linClrLst meth="repeat">
-      <a:schemeClr val="lt1"/>
-    </dgm:linClrLst>
-    <dgm:effectClrLst/>
-    <dgm:txLinClrLst/>
-    <dgm:txFillClrLst/>
-    <dgm:txEffectClrLst/>
-  </dgm:styleLbl>
-  <dgm:styleLbl name="vennNode1">
-    <dgm:fillClrLst meth="repeat">
-      <a:schemeClr val="accent1">
-        <a:alpha val="50000"/>
-      </a:schemeClr>
-    </dgm:fillClrLst>
-    <dgm:linClrLst meth="repeat">
-      <a:schemeClr val="lt1"/>
-    </dgm:linClrLst>
-    <dgm:effectClrLst/>
-    <dgm:txLinClrLst/>
-    <dgm:txFillClrLst/>
-    <dgm:txEffectClrLst/>
-  </dgm:styleLbl>
-  <dgm:styleLbl name="node2">
-    <dgm:fillClrLst meth="repeat">
-      <a:schemeClr val="accent1"/>
-    </dgm:fillClrLst>
-    <dgm:linClrLst meth="repeat">
-      <a:schemeClr val="lt1"/>
-    </dgm:linClrLst>
-    <dgm:effectClrLst/>
-    <dgm:txLinClrLst/>
-    <dgm:txFillClrLst/>
-    <dgm:txEffectClrLst/>
-  </dgm:styleLbl>
-  <dgm:styleLbl name="node3">
-    <dgm:fillClrLst meth="repeat">
-      <a:schemeClr val="accent1"/>
-    </dgm:fillClrLst>
-    <dgm:linClrLst meth="repeat">
-      <a:schemeClr val="lt1"/>
-    </dgm:linClrLst>
-    <dgm:effectClrLst/>
-    <dgm:txLinClrLst/>
-    <dgm:txFillClrLst/>
-    <dgm:txEffectClrLst/>
-  </dgm:styleLbl>
-  <dgm:styleLbl name="node4">
-    <dgm:fillClrLst meth="repeat">
-      <a:schemeClr val="accent1"/>
-    </dgm:fillClrLst>
-    <dgm:linClrLst meth="repeat">
-      <a:schemeClr val="lt1"/>
-    </dgm:linClrLst>
-    <dgm:effectClrLst/>
-    <dgm:txLinClrLst/>
-    <dgm:txFillClrLst/>
-    <dgm:txEffectClrLst/>
-  </dgm:styleLbl>
-  <dgm:styleLbl name="fgImgPlace1">
-    <dgm:fillClrLst meth="repeat">
-      <a:schemeClr val="accent1">
-        <a:tint val="50000"/>
-      </a:schemeClr>
-    </dgm:fillClrLst>
-    <dgm:linClrLst meth="repeat">
-      <a:schemeClr val="lt1"/>
-    </dgm:linClrLst>
-    <dgm:effectClrLst/>
-    <dgm:txLinClrLst/>
-    <dgm:txFillClrLst meth="repeat">
-      <a:schemeClr val="lt1"/>
-    </dgm:txFillClrLst>
-    <dgm:txEffectClrLst/>
-  </dgm:styleLbl>
-  <dgm:styleLbl name="alignImgPlace1">
-    <dgm:fillClrLst meth="repeat">
-      <a:schemeClr val="accent1">
-        <a:tint val="50000"/>
-      </a:schemeClr>
-    </dgm:fillClrLst>
-    <dgm:linClrLst meth="repeat">
-      <a:schemeClr val="lt1"/>
-    </dgm:linClrLst>
-    <dgm:effectClrLst/>
-    <dgm:txLinClrLst/>
-    <dgm:txFillClrLst meth="repeat">
-      <a:schemeClr val="lt1"/>
-    </dgm:txFillClrLst>
-    <dgm:txEffectClrLst/>
-  </dgm:styleLbl>
-  <dgm:styleLbl name="bgImgPlace1">
-    <dgm:fillClrLst meth="repeat">
-      <a:schemeClr val="accent1">
-        <a:tint val="50000"/>
-      </a:schemeClr>
-    </dgm:fillClrLst>
-    <dgm:linClrLst meth="repeat">
-      <a:schemeClr val="lt1"/>
-    </dgm:linClrLst>
-    <dgm:effectClrLst/>
-    <dgm:txLinClrLst/>
-    <dgm:txFillClrLst meth="repeat">
-      <a:schemeClr val="lt1"/>
-    </dgm:txFillClrLst>
-    <dgm:txEffectClrLst/>
-  </dgm:styleLbl>
-  <dgm:styleLbl name="sibTrans2D1">
-    <dgm:fillClrLst meth="repeat">
-      <a:schemeClr val="accent1">
-        <a:tint val="60000"/>
-      </a:schemeClr>
-    </dgm:fillClrLst>
-    <dgm:linClrLst meth="repeat">
-      <a:schemeClr val="accent1">
-        <a:tint val="60000"/>
-      </a:schemeClr>
-    </dgm:linClrLst>
-    <dgm:effectClrLst/>
-    <dgm:txLinClrLst/>
-    <dgm:txFillClrLst/>
-    <dgm:txEffectClrLst/>
-  </dgm:styleLbl>
-  <dgm:styleLbl name="fgSibTrans2D1">
-    <dgm:fillClrLst meth="repeat">
-      <a:schemeClr val="accent1">
-        <a:tint val="60000"/>
-      </a:schemeClr>
-    </dgm:fillClrLst>
-    <dgm:linClrLst meth="repeat">
-      <a:schemeClr val="accent1">
-        <a:tint val="60000"/>
-      </a:schemeClr>
-    </dgm:linClrLst>
-    <dgm:effectClrLst/>
-    <dgm:txLinClrLst/>
-    <dgm:txFillClrLst/>
-    <dgm:txEffectClrLst/>
-  </dgm:styleLbl>
-  <dgm:styleLbl name="bgSibTrans2D1">
-    <dgm:fillClrLst meth="repeat">
-      <a:schemeClr val="accent1">
-        <a:tint val="60000"/>
-      </a:schemeClr>
-    </dgm:fillClrLst>
-    <dgm:linClrLst meth="repeat">
-      <a:schemeClr val="accent1">
-        <a:tint val="60000"/>
-      </a:schemeClr>
-    </dgm:linClrLst>
-    <dgm:effectClrLst/>
-    <dgm:txLinClrLst/>
-    <dgm:txFillClrLst/>
-    <dgm:txEffectClrLst/>
-  </dgm:styleLbl>
-  <dgm:styleLbl name="sibTrans1D1">
-    <dgm:fillClrLst meth="repeat">
-      <a:schemeClr val="accent1"/>
-    </dgm:fillClrLst>
-    <dgm:linClrLst meth="repeat">
-      <a:schemeClr val="accent1"/>
-    </dgm:linClrLst>
-    <dgm:effectClrLst/>
-    <dgm:txLinClrLst/>
-    <dgm:txFillClrLst meth="repeat">
-      <a:schemeClr val="tx1"/>
-    </dgm:txFillClrLst>
-    <dgm:txEffectClrLst/>
-  </dgm:styleLbl>
-  <dgm:styleLbl name="callout">
-    <dgm:fillClrLst meth="repeat">
-      <a:schemeClr val="accent1"/>
-    </dgm:fillClrLst>
-    <dgm:linClrLst meth="repeat">
-      <a:schemeClr val="accent1">
-        <a:tint val="50000"/>
-      </a:schemeClr>
-    </dgm:linClrLst>
-    <dgm:effectClrLst/>
-    <dgm:txLinClrLst/>
-    <dgm:txFillClrLst meth="repeat">
-      <a:schemeClr val="tx1"/>
-    </dgm:txFillClrLst>
-    <dgm:txEffectClrLst/>
-  </dgm:styleLbl>
-  <dgm:styleLbl name="asst0">
-    <dgm:fillClrLst meth="repeat">
-      <a:schemeClr val="accent1"/>
-    </dgm:fillClrLst>
-    <dgm:linClrLst meth="repeat">
-      <a:schemeClr val="lt1"/>
-    </dgm:linClrLst>
-    <dgm:effectClrLst/>
-    <dgm:txLinClrLst/>
-    <dgm:txFillClrLst/>
-    <dgm:txEffectClrLst/>
-  </dgm:styleLbl>
-  <dgm:styleLbl name="asst1">
-    <dgm:fillClrLst meth="repeat">
-      <a:schemeClr val="accent1"/>
-    </dgm:fillClrLst>
-    <dgm:linClrLst meth="repeat">
-      <a:schemeClr val="lt1"/>
-    </dgm:linClrLst>
-    <dgm:effectClrLst/>
-    <dgm:txLinClrLst/>
-    <dgm:txFillClrLst/>
-    <dgm:txEffectClrLst/>
-  </dgm:styleLbl>
-  <dgm:styleLbl name="asst2">
-    <dgm:fillClrLst meth="repeat">
-      <a:schemeClr val="accent1"/>
-    </dgm:fillClrLst>
-    <dgm:linClrLst meth="repeat">
-      <a:schemeClr val="lt1"/>
-    </dgm:linClrLst>
-    <dgm:effectClrLst/>
-    <dgm:txLinClrLst/>
-    <dgm:txFillClrLst/>
-    <dgm:txEffectClrLst/>
-  </dgm:styleLbl>
-  <dgm:styleLbl name="asst3">
-    <dgm:fillClrLst meth="repeat">
-      <a:schemeClr val="accent1"/>
-    </dgm:fillClrLst>
-    <dgm:linClrLst meth="repeat">
-      <a:schemeClr val="lt1"/>
-    </dgm:linClrLst>
-    <dgm:effectClrLst/>
-    <dgm:txLinClrLst/>
-    <dgm:txFillClrLst/>
-    <dgm:txEffectClrLst/>
-  </dgm:styleLbl>
-  <dgm:styleLbl name="asst4">
-    <dgm:fillClrLst meth="repeat">
-      <a:schemeClr val="accent1"/>
-    </dgm:fillClrLst>
-    <dgm:linClrLst meth="repeat">
-      <a:schemeClr val="lt1"/>
-    </dgm:linClrLst>
-    <dgm:effectClrLst/>
-    <dgm:txLinClrLst/>
-    <dgm:txFillClrLst/>
-    <dgm:txEffectClrLst/>
-  </dgm:styleLbl>
-  <dgm:styleLbl name="parChTrans2D1">
-    <dgm:fillClrLst meth="repeat">
-      <a:schemeClr val="accent1">
-        <a:tint val="60000"/>
-      </a:schemeClr>
-    </dgm:fillClrLst>
-    <dgm:linClrLst meth="repeat">
-      <a:schemeClr val="accent1">
-        <a:tint val="60000"/>
-      </a:schemeClr>
-    </dgm:linClrLst>
-    <dgm:effectClrLst/>
-    <dgm:txLinClrLst/>
-    <dgm:txFillClrLst meth="repeat">
-      <a:schemeClr val="lt1"/>
-    </dgm:txFillClrLst>
-    <dgm:txEffectClrLst/>
-  </dgm:styleLbl>
-  <dgm:styleLbl name="parChTrans2D2">
-    <dgm:fillClrLst meth="repeat">
-      <a:schemeClr val="accent1"/>
-    </dgm:fillClrLst>
-    <dgm:linClrLst meth="repeat">
-      <a:schemeClr val="accent1"/>
-    </dgm:linClrLst>
-    <dgm:effectClrLst/>
-    <dgm:txLinClrLst/>
-    <dgm:txFillClrLst meth="repeat">
-      <a:schemeClr val="lt1"/>
-    </dgm:txFillClrLst>
-    <dgm:txEffectClrLst/>
-  </dgm:styleLbl>
-  <dgm:styleLbl name="parChTrans2D3">
-    <dgm:fillClrLst meth="repeat">
-      <a:schemeClr val="accent1"/>
-    </dgm:fillClrLst>
-    <dgm:linClrLst meth="repeat">
-      <a:schemeClr val="accent1"/>
-    </dgm:linClrLst>
-    <dgm:effectClrLst/>
-    <dgm:txLinClrLst/>
-    <dgm:txFillClrLst meth="repeat">
-      <a:schemeClr val="lt1"/>
-    </dgm:txFillClrLst>
-    <dgm:txEffectClrLst/>
-  </dgm:styleLbl>
-  <dgm:styleLbl name="parChTrans2D4">
-    <dgm:fillClrLst meth="repeat">
-      <a:schemeClr val="accent1"/>
-    </dgm:fillClrLst>
-    <dgm:linClrLst meth="repeat">
-      <a:schemeClr val="accent1"/>
-    </dgm:linClrLst>
-    <dgm:effectClrLst/>
-    <dgm:txLinClrLst/>
-    <dgm:txFillClrLst meth="repeat">
-      <a:schemeClr val="lt1"/>
-    </dgm:txFillClrLst>
-    <dgm:txEffectClrLst/>
-  </dgm:styleLbl>
-  <dgm:styleLbl name="parChTrans1D1">
-    <dgm:fillClrLst meth="repeat">
-      <a:schemeClr val="accent1"/>
-    </dgm:fillClrLst>
-    <dgm:linClrLst meth="repeat">
-      <a:schemeClr val="accent1">
-        <a:shade val="60000"/>
-      </a:schemeClr>
-    </dgm:linClrLst>
-    <dgm:effectClrLst/>
-    <dgm:txLinClrLst/>
-    <dgm:txFillClrLst meth="repeat">
-      <a:schemeClr val="tx1"/>
-    </dgm:txFillClrLst>
-    <dgm:txEffectClrLst/>
-  </dgm:styleLbl>
-  <dgm:styleLbl name="parChTrans1D2">
-    <dgm:fillClrLst meth="repeat">
-      <a:schemeClr val="accent1"/>
-    </dgm:fillClrLst>
-    <dgm:linClrLst meth="repeat">
-      <a:schemeClr val="accent1">
-        <a:shade val="60000"/>
-      </a:schemeClr>
-    </dgm:linClrLst>
-    <dgm:effectClrLst/>
-    <dgm:txLinClrLst/>
-    <dgm:txFillClrLst meth="repeat">
-      <a:schemeClr val="tx1"/>
-    </dgm:txFillClrLst>
-    <dgm:txEffectClrLst/>
-  </dgm:styleLbl>
-  <dgm:styleLbl name="parChTrans1D3">
-    <dgm:fillClrLst meth="repeat">
-      <a:schemeClr val="accent1"/>
-    </dgm:fillClrLst>
-    <dgm:linClrLst meth="repeat">
-      <a:schemeClr val="accent1">
-        <a:shade val="80000"/>
-      </a:schemeClr>
-    </dgm:linClrLst>
-    <dgm:effectClrLst/>
-    <dgm:txLinClrLst/>
-    <dgm:txFillClrLst meth="repeat">
-      <a:schemeClr val="tx1"/>
-    </dgm:txFillClrLst>
-    <dgm:txEffectClrLst/>
-  </dgm:styleLbl>
-  <dgm:styleLbl name="parChTrans1D4">
-    <dgm:fillClrLst meth="repeat">
-      <a:schemeClr val="accent1"/>
-    </dgm:fillClrLst>
-    <dgm:linClrLst meth="repeat">
-      <a:schemeClr val="accent1">
-        <a:shade val="80000"/>
-      </a:schemeClr>
-    </dgm:linClrLst>
-    <dgm:effectClrLst/>
-    <dgm:txLinClrLst/>
-    <dgm:txFillClrLst meth="repeat">
-      <a:schemeClr val="tx1"/>
-    </dgm:txFillClrLst>
-    <dgm:txEffectClrLst/>
-  </dgm:styleLbl>
-  <dgm:styleLbl name="fgAcc1">
-    <dgm:fillClrLst meth="repeat">
-      <a:schemeClr val="lt1">
-        <a:alpha val="90000"/>
-      </a:schemeClr>
-    </dgm:fillClrLst>
-    <dgm:linClrLst meth="repeat">
-      <a:schemeClr val="accent1"/>
-    </dgm:linClrLst>
-    <dgm:effectClrLst/>
-    <dgm:txLinClrLst/>
-    <dgm:txFillClrLst meth="repeat">
-      <a:schemeClr val="dk1"/>
-    </dgm:txFillClrLst>
-    <dgm:txEffectClrLst/>
-  </dgm:styleLbl>
-  <dgm:styleLbl name="conFgAcc1">
-    <dgm:fillClrLst meth="repeat">
-      <a:schemeClr val="lt1">
-        <a:alpha val="90000"/>
-      </a:schemeClr>
-    </dgm:fillClrLst>
-    <dgm:linClrLst meth="repeat">
-      <a:schemeClr val="accent1"/>
-    </dgm:linClrLst>
-    <dgm:effectClrLst/>
-    <dgm:txLinClrLst/>
-    <dgm:txFillClrLst meth="repeat">
-      <a:schemeClr val="dk1"/>
-    </dgm:txFillClrLst>
-    <dgm:txEffectClrLst/>
-  </dgm:styleLbl>
-  <dgm:styleLbl name="alignAcc1">
-    <dgm:fillClrLst meth="repeat">
-      <a:schemeClr val="lt1">
-        <a:alpha val="90000"/>
-      </a:schemeClr>
-    </dgm:fillClrLst>
-    <dgm:linClrLst meth="repeat">
-      <a:schemeClr val="accent1"/>
-    </dgm:linClrLst>
-    <dgm:effectClrLst/>
-    <dgm:txLinClrLst/>
-    <dgm:txFillClrLst meth="repeat">
-      <a:schemeClr val="dk1"/>
-    </dgm:txFillClrLst>
-    <dgm:txEffectClrLst/>
-  </dgm:styleLbl>
-  <dgm:styleLbl name="trAlignAcc1">
-    <dgm:fillClrLst meth="repeat">
-      <a:schemeClr val="lt1">
-        <a:alpha val="40000"/>
-      </a:schemeClr>
-    </dgm:fillClrLst>
-    <dgm:linClrLst meth="repeat">
-      <a:schemeClr val="accent1"/>
-    </dgm:linClrLst>
-    <dgm:effectClrLst/>
-    <dgm:txLinClrLst/>
-    <dgm:txFillClrLst meth="repeat">
-      <a:schemeClr val="dk1"/>
-    </dgm:txFillClrLst>
-    <dgm:txEffectClrLst/>
-  </dgm:styleLbl>
-  <dgm:styleLbl name="bgAcc1">
-    <dgm:fillClrLst meth="repeat">
-      <a:schemeClr val="lt1">
-        <a:alpha val="90000"/>
-      </a:schemeClr>
-    </dgm:fillClrLst>
-    <dgm:linClrLst meth="repeat">
-      <a:schemeClr val="accent1"/>
-    </dgm:linClrLst>
-    <dgm:effectClrLst/>
-    <dgm:txLinClrLst/>
-    <dgm:txFillClrLst meth="repeat">
-      <a:schemeClr val="dk1"/>
-    </dgm:txFillClrLst>
-    <dgm:txEffectClrLst/>
-  </dgm:styleLbl>
-  <dgm:styleLbl name="solidFgAcc1">
-    <dgm:fillClrLst meth="repeat">
-      <a:schemeClr val="lt1"/>
-    </dgm:fillClrLst>
-    <dgm:linClrLst meth="repeat">
-      <a:schemeClr val="accent1"/>
-    </dgm:linClrLst>
-    <dgm:effectClrLst/>
-    <dgm:txLinClrLst/>
-    <dgm:txFillClrLst meth="repeat">
-      <a:schemeClr val="dk1"/>
-    </dgm:txFillClrLst>
-    <dgm:txEffectClrLst/>
-  </dgm:styleLbl>
-  <dgm:styleLbl name="solidAlignAcc1">
-    <dgm:fillClrLst meth="repeat">
-      <a:schemeClr val="lt1"/>
-    </dgm:fillClrLst>
-    <dgm:linClrLst meth="repeat">
-      <a:schemeClr val="accent1"/>
-    </dgm:linClrLst>
-    <dgm:effectClrLst/>
-    <dgm:txLinClrLst/>
-    <dgm:txFillClrLst meth="repeat">
-      <a:schemeClr val="dk1"/>
-    </dgm:txFillClrLst>
-    <dgm:txEffectClrLst/>
-  </dgm:styleLbl>
-  <dgm:styleLbl name="solidBgAcc1">
-    <dgm:fillClrLst meth="repeat">
-      <a:schemeClr val="lt1"/>
-    </dgm:fillClrLst>
-    <dgm:linClrLst meth="repeat">
-      <a:schemeClr val="accent1"/>
-    </dgm:linClrLst>
-    <dgm:effectClrLst/>
-    <dgm:txLinClrLst/>
-    <dgm:txFillClrLst meth="repeat">
-      <a:schemeClr val="dk1"/>
-    </dgm:txFillClrLst>
-    <dgm:txEffectClrLst/>
-  </dgm:styleLbl>
-  <dgm:styleLbl name="fgAccFollowNode1">
-    <dgm:fillClrLst meth="repeat">
-      <a:schemeClr val="accent1">
-        <a:alpha val="90000"/>
-        <a:tint val="40000"/>
-      </a:schemeClr>
-    </dgm:fillClrLst>
-    <dgm:linClrLst meth="repeat">
-      <a:schemeClr val="accent1">
-        <a:alpha val="90000"/>
-        <a:tint val="40000"/>
-      </a:schemeClr>
-    </dgm:linClrLst>
-    <dgm:effectClrLst/>
-    <dgm:txLinClrLst/>
-    <dgm:txFillClrLst meth="repeat">
-      <a:schemeClr val="dk1"/>
-    </dgm:txFillClrLst>
-    <dgm:txEffectClrLst/>
-  </dgm:styleLbl>
-  <dgm:styleLbl name="alignAccFollowNode1">
-    <dgm:fillClrLst meth="repeat">
-      <a:schemeClr val="accent1">
-        <a:alpha val="90000"/>
-        <a:tint val="40000"/>
-      </a:schemeClr>
-    </dgm:fillClrLst>
-    <dgm:linClrLst meth="repeat">
-      <a:schemeClr val="accent1">
-        <a:alpha val="90000"/>
-        <a:tint val="40000"/>
-      </a:schemeClr>
-    </dgm:linClrLst>
-    <dgm:effectClrLst/>
-    <dgm:txLinClrLst/>
-    <dgm:txFillClrLst meth="repeat">
-      <a:schemeClr val="dk1"/>
-    </dgm:txFillClrLst>
-    <dgm:txEffectClrLst/>
-  </dgm:styleLbl>
-  <dgm:styleLbl name="bgAccFollowNode1">
-    <dgm:fillClrLst meth="repeat">
-      <a:schemeClr val="accent1">
-        <a:alpha val="90000"/>
-        <a:tint val="40000"/>
-      </a:schemeClr>
-    </dgm:fillClrLst>
-    <dgm:linClrLst meth="repeat">
-      <a:schemeClr val="accent1">
-        <a:alpha val="90000"/>
-        <a:tint val="40000"/>
-      </a:schemeClr>
-    </dgm:linClrLst>
-    <dgm:effectClrLst/>
-    <dgm:txLinClrLst/>
-    <dgm:txFillClrLst meth="repeat">
-      <a:schemeClr val="dk1"/>
-    </dgm:txFillClrLst>
-    <dgm:txEffectClrLst/>
-  </dgm:styleLbl>
-  <dgm:styleLbl name="fgAcc0">
-    <dgm:fillClrLst meth="repeat">
-      <a:schemeClr val="lt1">
-        <a:alpha val="90000"/>
-      </a:schemeClr>
-    </dgm:fillClrLst>
-    <dgm:linClrLst meth="repeat">
-      <a:schemeClr val="accent1"/>
-    </dgm:linClrLst>
-    <dgm:effectClrLst/>
-    <dgm:txLinClrLst/>
-    <dgm:txFillClrLst meth="repeat">
-      <a:schemeClr val="dk1"/>
-    </dgm:txFillClrLst>
-    <dgm:txEffectClrLst/>
-  </dgm:styleLbl>
-  <dgm:styleLbl name="fgAcc2">
-    <dgm:fillClrLst meth="repeat">
-      <a:schemeClr val="lt1">
-        <a:alpha val="90000"/>
-      </a:schemeClr>
-    </dgm:fillClrLst>
-    <dgm:linClrLst meth="repeat">
-      <a:schemeClr val="accent1"/>
-    </dgm:linClrLst>
-    <dgm:effectClrLst/>
-    <dgm:txLinClrLst/>
-    <dgm:txFillClrLst meth="repeat">
-      <a:schemeClr val="dk1"/>
-    </dgm:txFillClrLst>
-    <dgm:txEffectClrLst/>
-  </dgm:styleLbl>
-  <dgm:styleLbl name="fgAcc3">
-    <dgm:fillClrLst meth="repeat">
-      <a:schemeClr val="lt1">
-        <a:alpha val="90000"/>
-      </a:schemeClr>
-    </dgm:fillClrLst>
-    <dgm:linClrLst meth="repeat">
-      <a:schemeClr val="accent1"/>
-    </dgm:linClrLst>
-    <dgm:effectClrLst/>
-    <dgm:txLinClrLst/>
-    <dgm:txFillClrLst meth="repeat">
-      <a:schemeClr val="dk1"/>
-    </dgm:txFillClrLst>
-    <dgm:txEffectClrLst/>
-  </dgm:styleLbl>
-  <dgm:styleLbl name="fgAcc4">
-    <dgm:fillClrLst meth="repeat">
-      <a:schemeClr val="lt1">
-        <a:alpha val="90000"/>
-      </a:schemeClr>
-    </dgm:fillClrLst>
-    <dgm:linClrLst meth="repeat">
-      <a:schemeClr val="accent1"/>
-    </dgm:linClrLst>
-    <dgm:effectClrLst/>
-    <dgm:txLinClrLst/>
-    <dgm:txFillClrLst meth="repeat">
-      <a:schemeClr val="dk1"/>
-    </dgm:txFillClrLst>
-    <dgm:txEffectClrLst/>
-  </dgm:styleLbl>
-  <dgm:styleLbl name="bgShp">
-    <dgm:fillClrLst meth="repeat">
-      <a:schemeClr val="accent1">
-        <a:tint val="40000"/>
-      </a:schemeClr>
-    </dgm:fillClrLst>
-    <dgm:linClrLst meth="repeat">
-      <a:schemeClr val="accent1"/>
-    </dgm:linClrLst>
-    <dgm:effectClrLst/>
-    <dgm:txLinClrLst/>
-    <dgm:txFillClrLst meth="repeat">
-      <a:schemeClr val="dk1"/>
-    </dgm:txFillClrLst>
-    <dgm:txEffectClrLst/>
-  </dgm:styleLbl>
-  <dgm:styleLbl name="dkBgShp">
-    <dgm:fillClrLst meth="repeat">
-      <a:schemeClr val="accent1">
-        <a:shade val="80000"/>
-      </a:schemeClr>
-    </dgm:fillClrLst>
-    <dgm:linClrLst meth="repeat">
-      <a:schemeClr val="accent1"/>
-    </dgm:linClrLst>
-    <dgm:effectClrLst/>
-    <dgm:txLinClrLst/>
-    <dgm:txFillClrLst meth="repeat">
-      <a:schemeClr val="lt1"/>
-    </dgm:txFillClrLst>
-    <dgm:txEffectClrLst/>
-  </dgm:styleLbl>
-  <dgm:styleLbl name="trBgShp">
-    <dgm:fillClrLst meth="repeat">
-      <a:schemeClr val="accent1">
-        <a:tint val="50000"/>
-        <a:alpha val="40000"/>
-      </a:schemeClr>
-    </dgm:fillClrLst>
-    <dgm:linClrLst meth="repeat">
-      <a:schemeClr val="accent1"/>
-    </dgm:linClrLst>
-    <dgm:effectClrLst/>
-    <dgm:txLinClrLst/>
-    <dgm:txFillClrLst meth="repeat">
-      <a:schemeClr val="lt1"/>
-    </dgm:txFillClrLst>
-    <dgm:txEffectClrLst/>
-  </dgm:styleLbl>
-  <dgm:styleLbl name="fgShp">
-    <dgm:fillClrLst meth="repeat">
-      <a:schemeClr val="accent1">
-        <a:tint val="60000"/>
-      </a:schemeClr>
-    </dgm:fillClrLst>
-    <dgm:linClrLst meth="repeat">
-      <a:schemeClr val="lt1"/>
-    </dgm:linClrLst>
-    <dgm:effectClrLst/>
-    <dgm:txLinClrLst/>
-    <dgm:txFillClrLst meth="repeat">
-      <a:schemeClr val="dk1"/>
-    </dgm:txFillClrLst>
-    <dgm:txEffectClrLst/>
-  </dgm:styleLbl>
-  <dgm:styleLbl name="revTx">
-    <dgm:fillClrLst meth="repeat">
-      <a:schemeClr val="lt1">
-        <a:alpha val="0"/>
-      </a:schemeClr>
-    </dgm:fillClrLst>
-    <dgm:linClrLst meth="repeat">
-      <a:schemeClr val="dk1">
-        <a:alpha val="0"/>
-      </a:schemeClr>
-    </dgm:linClrLst>
-    <dgm:effectClrLst/>
-    <dgm:txLinClrLst/>
-    <dgm:txFillClrLst meth="repeat">
-      <a:schemeClr val="tx1"/>
-    </dgm:txFillClrLst>
-    <dgm:txEffectClrLst/>
-  </dgm:styleLbl>
-</dgm:colorsDef>
-</file>
-
-<file path=ppt/diagrams/colors22.xml><?xml version="1.0" encoding="utf-8"?>
-<dgm:colorsDef xmlns:dgm="http://schemas.openxmlformats.org/drawingml/2006/diagram" xmlns:a="http://schemas.openxmlformats.org/drawingml/2006/main" uniqueId="urn:microsoft.com/office/officeart/2005/8/colors/accent1_2">
-  <dgm:title val=""/>
-  <dgm:desc val=""/>
-  <dgm:catLst>
-    <dgm:cat type="accent1" pri="11200"/>
-  </dgm:catLst>
-  <dgm:styleLbl name="node0">
-    <dgm:fillClrLst meth="repeat">
-      <a:schemeClr val="accent1"/>
-    </dgm:fillClrLst>
-    <dgm:linClrLst meth="repeat">
-      <a:schemeClr val="lt1"/>
-    </dgm:linClrLst>
-    <dgm:effectClrLst/>
-    <dgm:txLinClrLst/>
-    <dgm:txFillClrLst/>
-    <dgm:txEffectClrLst/>
-  </dgm:styleLbl>
-  <dgm:styleLbl name="alignNode1">
-    <dgm:fillClrLst meth="repeat">
-      <a:schemeClr val="accent1"/>
-    </dgm:fillClrLst>
-    <dgm:linClrLst meth="repeat">
-      <a:schemeClr val="accent1"/>
-    </dgm:linClrLst>
-    <dgm:effectClrLst/>
-    <dgm:txLinClrLst/>
-    <dgm:txFillClrLst/>
-    <dgm:txEffectClrLst/>
-  </dgm:styleLbl>
-  <dgm:styleLbl name="node1">
-    <dgm:fillClrLst meth="repeat">
-      <a:schemeClr val="accent1"/>
-    </dgm:fillClrLst>
-    <dgm:linClrLst meth="repeat">
-      <a:schemeClr val="lt1"/>
-    </dgm:linClrLst>
-    <dgm:effectClrLst/>
-    <dgm:txLinClrLst/>
-    <dgm:txFillClrLst/>
-    <dgm:txEffectClrLst/>
-  </dgm:styleLbl>
-  <dgm:styleLbl name="lnNode1">
-    <dgm:fillClrLst meth="repeat">
-      <a:schemeClr val="accent1"/>
-    </dgm:fillClrLst>
-    <dgm:linClrLst meth="repeat">
-      <a:schemeClr val="lt1"/>
-    </dgm:linClrLst>
-    <dgm:effectClrLst/>
-    <dgm:txLinClrLst/>
-    <dgm:txFillClrLst/>
-    <dgm:txEffectClrLst/>
-  </dgm:styleLbl>
-  <dgm:styleLbl name="vennNode1">
-    <dgm:fillClrLst meth="repeat">
-      <a:schemeClr val="accent1">
-        <a:alpha val="50000"/>
-      </a:schemeClr>
-    </dgm:fillClrLst>
-    <dgm:linClrLst meth="repeat">
-      <a:schemeClr val="lt1"/>
-    </dgm:linClrLst>
-    <dgm:effectClrLst/>
-    <dgm:txLinClrLst/>
-    <dgm:txFillClrLst/>
-    <dgm:txEffectClrLst/>
-  </dgm:styleLbl>
-  <dgm:styleLbl name="node2">
-    <dgm:fillClrLst meth="repeat">
-      <a:schemeClr val="accent1"/>
-    </dgm:fillClrLst>
-    <dgm:linClrLst meth="repeat">
-      <a:schemeClr val="lt1"/>
-    </dgm:linClrLst>
-    <dgm:effectClrLst/>
-    <dgm:txLinClrLst/>
-    <dgm:txFillClrLst/>
-    <dgm:txEffectClrLst/>
-  </dgm:styleLbl>
-  <dgm:styleLbl name="node3">
-    <dgm:fillClrLst meth="repeat">
-      <a:schemeClr val="accent1"/>
-    </dgm:fillClrLst>
-    <dgm:linClrLst meth="repeat">
-      <a:schemeClr val="lt1"/>
-    </dgm:linClrLst>
-    <dgm:effectClrLst/>
-    <dgm:txLinClrLst/>
-    <dgm:txFillClrLst/>
-    <dgm:txEffectClrLst/>
-  </dgm:styleLbl>
-  <dgm:styleLbl name="node4">
-    <dgm:fillClrLst meth="repeat">
-      <a:schemeClr val="accent1"/>
-    </dgm:fillClrLst>
-    <dgm:linClrLst meth="repeat">
-      <a:schemeClr val="lt1"/>
-    </dgm:linClrLst>
-    <dgm:effectClrLst/>
-    <dgm:txLinClrLst/>
-    <dgm:txFillClrLst/>
-    <dgm:txEffectClrLst/>
-  </dgm:styleLbl>
-  <dgm:styleLbl name="fgImgPlace1">
-    <dgm:fillClrLst meth="repeat">
-      <a:schemeClr val="accent1">
-        <a:tint val="50000"/>
-      </a:schemeClr>
-    </dgm:fillClrLst>
-    <dgm:linClrLst meth="repeat">
-      <a:schemeClr val="lt1"/>
-    </dgm:linClrLst>
-    <dgm:effectClrLst/>
-    <dgm:txLinClrLst/>
-    <dgm:txFillClrLst meth="repeat">
-      <a:schemeClr val="lt1"/>
-    </dgm:txFillClrLst>
-    <dgm:txEffectClrLst/>
-  </dgm:styleLbl>
-  <dgm:styleLbl name="alignImgPlace1">
-    <dgm:fillClrLst meth="repeat">
-      <a:schemeClr val="accent1">
-        <a:tint val="50000"/>
-      </a:schemeClr>
-    </dgm:fillClrLst>
-    <dgm:linClrLst meth="repeat">
-      <a:schemeClr val="lt1"/>
-    </dgm:linClrLst>
-    <dgm:effectClrLst/>
-    <dgm:txLinClrLst/>
-    <dgm:txFillClrLst meth="repeat">
-      <a:schemeClr val="lt1"/>
-    </dgm:txFillClrLst>
-    <dgm:txEffectClrLst/>
-  </dgm:styleLbl>
-  <dgm:styleLbl name="bgImgPlace1">
-    <dgm:fillClrLst meth="repeat">
-      <a:schemeClr val="accent1">
-        <a:tint val="50000"/>
-      </a:schemeClr>
-    </dgm:fillClrLst>
-    <dgm:linClrLst meth="repeat">
-      <a:schemeClr val="lt1"/>
-    </dgm:linClrLst>
-    <dgm:effectClrLst/>
-    <dgm:txLinClrLst/>
-    <dgm:txFillClrLst meth="repeat">
-      <a:schemeClr val="lt1"/>
-    </dgm:txFillClrLst>
-    <dgm:txEffectClrLst/>
-  </dgm:styleLbl>
-  <dgm:styleLbl name="sibTrans2D1">
-    <dgm:fillClrLst meth="repeat">
-      <a:schemeClr val="accent1">
-        <a:tint val="60000"/>
-      </a:schemeClr>
-    </dgm:fillClrLst>
-    <dgm:linClrLst meth="repeat">
-      <a:schemeClr val="accent1">
-        <a:tint val="60000"/>
-      </a:schemeClr>
-    </dgm:linClrLst>
-    <dgm:effectClrLst/>
-    <dgm:txLinClrLst/>
-    <dgm:txFillClrLst/>
-    <dgm:txEffectClrLst/>
-  </dgm:styleLbl>
-  <dgm:styleLbl name="fgSibTrans2D1">
-    <dgm:fillClrLst meth="repeat">
-      <a:schemeClr val="accent1">
-        <a:tint val="60000"/>
-      </a:schemeClr>
-    </dgm:fillClrLst>
-    <dgm:linClrLst meth="repeat">
-      <a:schemeClr val="accent1">
-        <a:tint val="60000"/>
-      </a:schemeClr>
-    </dgm:linClrLst>
-    <dgm:effectClrLst/>
-    <dgm:txLinClrLst/>
-    <dgm:txFillClrLst/>
-    <dgm:txEffectClrLst/>
-  </dgm:styleLbl>
-  <dgm:styleLbl name="bgSibTrans2D1">
-    <dgm:fillClrLst meth="repeat">
-      <a:schemeClr val="accent1">
-        <a:tint val="60000"/>
-      </a:schemeClr>
-    </dgm:fillClrLst>
-    <dgm:linClrLst meth="repeat">
-      <a:schemeClr val="accent1">
-        <a:tint val="60000"/>
-      </a:schemeClr>
-    </dgm:linClrLst>
-    <dgm:effectClrLst/>
-    <dgm:txLinClrLst/>
-    <dgm:txFillClrLst/>
-    <dgm:txEffectClrLst/>
-  </dgm:styleLbl>
-  <dgm:styleLbl name="sibTrans1D1">
-    <dgm:fillClrLst meth="repeat">
-      <a:schemeClr val="accent1"/>
-    </dgm:fillClrLst>
-    <dgm:linClrLst meth="repeat">
-      <a:schemeClr val="accent1"/>
-    </dgm:linClrLst>
-    <dgm:effectClrLst/>
-    <dgm:txLinClrLst/>
-    <dgm:txFillClrLst meth="repeat">
-      <a:schemeClr val="tx1"/>
-    </dgm:txFillClrLst>
-    <dgm:txEffectClrLst/>
-  </dgm:styleLbl>
-  <dgm:styleLbl name="callout">
-    <dgm:fillClrLst meth="repeat">
-      <a:schemeClr val="accent1"/>
-    </dgm:fillClrLst>
-    <dgm:linClrLst meth="repeat">
-      <a:schemeClr val="accent1">
-        <a:tint val="50000"/>
-      </a:schemeClr>
-    </dgm:linClrLst>
-    <dgm:effectClrLst/>
-    <dgm:txLinClrLst/>
-    <dgm:txFillClrLst meth="repeat">
-      <a:schemeClr val="tx1"/>
-    </dgm:txFillClrLst>
-    <dgm:txEffectClrLst/>
-  </dgm:styleLbl>
-  <dgm:styleLbl name="asst0">
-    <dgm:fillClrLst meth="repeat">
-      <a:schemeClr val="accent1"/>
-    </dgm:fillClrLst>
-    <dgm:linClrLst meth="repeat">
-      <a:schemeClr val="lt1"/>
-    </dgm:linClrLst>
-    <dgm:effectClrLst/>
-    <dgm:txLinClrLst/>
-    <dgm:txFillClrLst/>
-    <dgm:txEffectClrLst/>
-  </dgm:styleLbl>
-  <dgm:styleLbl name="asst1">
-    <dgm:fillClrLst meth="repeat">
-      <a:schemeClr val="accent1"/>
-    </dgm:fillClrLst>
-    <dgm:linClrLst meth="repeat">
-      <a:schemeClr val="lt1"/>
-    </dgm:linClrLst>
-    <dgm:effectClrLst/>
-    <dgm:txLinClrLst/>
-    <dgm:txFillClrLst/>
-    <dgm:txEffectClrLst/>
-  </dgm:styleLbl>
-  <dgm:styleLbl name="asst2">
-    <dgm:fillClrLst meth="repeat">
-      <a:schemeClr val="accent1"/>
-    </dgm:fillClrLst>
-    <dgm:linClrLst meth="repeat">
-      <a:schemeClr val="lt1"/>
-    </dgm:linClrLst>
-    <dgm:effectClrLst/>
-    <dgm:txLinClrLst/>
-    <dgm:txFillClrLst/>
-    <dgm:txEffectClrLst/>
-  </dgm:styleLbl>
-  <dgm:styleLbl name="asst3">
-    <dgm:fillClrLst meth="repeat">
-      <a:schemeClr val="accent1"/>
-    </dgm:fillClrLst>
-    <dgm:linClrLst meth="repeat">
-      <a:schemeClr val="lt1"/>
-    </dgm:linClrLst>
-    <dgm:effectClrLst/>
-    <dgm:txLinClrLst/>
-    <dgm:txFillClrLst/>
-    <dgm:txEffectClrLst/>
-  </dgm:styleLbl>
-  <dgm:styleLbl name="asst4">
-    <dgm:fillClrLst meth="repeat">
-      <a:schemeClr val="accent1"/>
-    </dgm:fillClrLst>
-    <dgm:linClrLst meth="repeat">
-      <a:schemeClr val="lt1"/>
-    </dgm:linClrLst>
-    <dgm:effectClrLst/>
-    <dgm:txLinClrLst/>
-    <dgm:txFillClrLst/>
-    <dgm:txEffectClrLst/>
-  </dgm:styleLbl>
-  <dgm:styleLbl name="parChTrans2D1">
-    <dgm:fillClrLst meth="repeat">
-      <a:schemeClr val="accent1">
-        <a:tint val="60000"/>
-      </a:schemeClr>
-    </dgm:fillClrLst>
-    <dgm:linClrLst meth="repeat">
-      <a:schemeClr val="accent1">
-        <a:tint val="60000"/>
-      </a:schemeClr>
-    </dgm:linClrLst>
-    <dgm:effectClrLst/>
-    <dgm:txLinClrLst/>
-    <dgm:txFillClrLst meth="repeat">
-      <a:schemeClr val="lt1"/>
-    </dgm:txFillClrLst>
-    <dgm:txEffectClrLst/>
-  </dgm:styleLbl>
-  <dgm:styleLbl name="parChTrans2D2">
-    <dgm:fillClrLst meth="repeat">
-      <a:schemeClr val="accent1"/>
-    </dgm:fillClrLst>
-    <dgm:linClrLst meth="repeat">
-      <a:schemeClr val="accent1"/>
-    </dgm:linClrLst>
-    <dgm:effectClrLst/>
-    <dgm:txLinClrLst/>
-    <dgm:txFillClrLst meth="repeat">
-      <a:schemeClr val="lt1"/>
-    </dgm:txFillClrLst>
-    <dgm:txEffectClrLst/>
-  </dgm:styleLbl>
-  <dgm:styleLbl name="parChTrans2D3">
-    <dgm:fillClrLst meth="repeat">
-      <a:schemeClr val="accent1"/>
-    </dgm:fillClrLst>
-    <dgm:linClrLst meth="repeat">
-      <a:schemeClr val="accent1"/>
-    </dgm:linClrLst>
-    <dgm:effectClrLst/>
-    <dgm:txLinClrLst/>
-    <dgm:txFillClrLst meth="repeat">
-      <a:schemeClr val="lt1"/>
-    </dgm:txFillClrLst>
-    <dgm:txEffectClrLst/>
-  </dgm:styleLbl>
-  <dgm:styleLbl name="parChTrans2D4">
-    <dgm:fillClrLst meth="repeat">
-      <a:schemeClr val="accent1"/>
-    </dgm:fillClrLst>
-    <dgm:linClrLst meth="repeat">
-      <a:schemeClr val="accent1"/>
-    </dgm:linClrLst>
-    <dgm:effectClrLst/>
-    <dgm:txLinClrLst/>
-    <dgm:txFillClrLst meth="repeat">
-      <a:schemeClr val="lt1"/>
-    </dgm:txFillClrLst>
-    <dgm:txEffectClrLst/>
-  </dgm:styleLbl>
-  <dgm:styleLbl name="parChTrans1D1">
-    <dgm:fillClrLst meth="repeat">
-      <a:schemeClr val="accent1"/>
-    </dgm:fillClrLst>
-    <dgm:linClrLst meth="repeat">
-      <a:schemeClr val="accent1">
-        <a:shade val="60000"/>
-      </a:schemeClr>
-    </dgm:linClrLst>
-    <dgm:effectClrLst/>
-    <dgm:txLinClrLst/>
-    <dgm:txFillClrLst meth="repeat">
-      <a:schemeClr val="tx1"/>
-    </dgm:txFillClrLst>
-    <dgm:txEffectClrLst/>
-  </dgm:styleLbl>
-  <dgm:styleLbl name="parChTrans1D2">
-    <dgm:fillClrLst meth="repeat">
-      <a:schemeClr val="accent1"/>
-    </dgm:fillClrLst>
-    <dgm:linClrLst meth="repeat">
-      <a:schemeClr val="accent1">
-        <a:shade val="60000"/>
-      </a:schemeClr>
-    </dgm:linClrLst>
-    <dgm:effectClrLst/>
-    <dgm:txLinClrLst/>
-    <dgm:txFillClrLst meth="repeat">
-      <a:schemeClr val="tx1"/>
-    </dgm:txFillClrLst>
-    <dgm:txEffectClrLst/>
-  </dgm:styleLbl>
-  <dgm:styleLbl name="parChTrans1D3">
-    <dgm:fillClrLst meth="repeat">
-      <a:schemeClr val="accent1"/>
-    </dgm:fillClrLst>
-    <dgm:linClrLst meth="repeat">
-      <a:schemeClr val="accent1">
-        <a:shade val="80000"/>
-      </a:schemeClr>
-    </dgm:linClrLst>
-    <dgm:effectClrLst/>
-    <dgm:txLinClrLst/>
-    <dgm:txFillClrLst meth="repeat">
-      <a:schemeClr val="tx1"/>
-    </dgm:txFillClrLst>
-    <dgm:txEffectClrLst/>
-  </dgm:styleLbl>
-  <dgm:styleLbl name="parChTrans1D4">
-    <dgm:fillClrLst meth="repeat">
-      <a:schemeClr val="accent1"/>
-    </dgm:fillClrLst>
-    <dgm:linClrLst meth="repeat">
-      <a:schemeClr val="accent1">
-        <a:shade val="80000"/>
-      </a:schemeClr>
-    </dgm:linClrLst>
-    <dgm:effectClrLst/>
-    <dgm:txLinClrLst/>
-    <dgm:txFillClrLst meth="repeat">
-      <a:schemeClr val="tx1"/>
-    </dgm:txFillClrLst>
-    <dgm:txEffectClrLst/>
-  </dgm:styleLbl>
-  <dgm:styleLbl name="fgAcc1">
-    <dgm:fillClrLst meth="repeat">
-      <a:schemeClr val="lt1">
-        <a:alpha val="90000"/>
-      </a:schemeClr>
-    </dgm:fillClrLst>
-    <dgm:linClrLst meth="repeat">
-      <a:schemeClr val="accent1"/>
-    </dgm:linClrLst>
-    <dgm:effectClrLst/>
-    <dgm:txLinClrLst/>
-    <dgm:txFillClrLst meth="repeat">
-      <a:schemeClr val="dk1"/>
-    </dgm:txFillClrLst>
-    <dgm:txEffectClrLst/>
-  </dgm:styleLbl>
-  <dgm:styleLbl name="conFgAcc1">
-    <dgm:fillClrLst meth="repeat">
-      <a:schemeClr val="lt1">
-        <a:alpha val="90000"/>
-      </a:schemeClr>
-    </dgm:fillClrLst>
-    <dgm:linClrLst meth="repeat">
-      <a:schemeClr val="accent1"/>
-    </dgm:linClrLst>
-    <dgm:effectClrLst/>
-    <dgm:txLinClrLst/>
-    <dgm:txFillClrLst meth="repeat">
-      <a:schemeClr val="dk1"/>
-    </dgm:txFillClrLst>
-    <dgm:txEffectClrLst/>
-  </dgm:styleLbl>
-  <dgm:styleLbl name="alignAcc1">
-    <dgm:fillClrLst meth="repeat">
-      <a:schemeClr val="lt1">
-        <a:alpha val="90000"/>
-      </a:schemeClr>
-    </dgm:fillClrLst>
-    <dgm:linClrLst meth="repeat">
-      <a:schemeClr val="accent1"/>
-    </dgm:linClrLst>
-    <dgm:effectClrLst/>
-    <dgm:txLinClrLst/>
-    <dgm:txFillClrLst meth="repeat">
-      <a:schemeClr val="dk1"/>
-    </dgm:txFillClrLst>
-    <dgm:txEffectClrLst/>
-  </dgm:styleLbl>
-  <dgm:styleLbl name="trAlignAcc1">
-    <dgm:fillClrLst meth="repeat">
-      <a:schemeClr val="lt1">
-        <a:alpha val="40000"/>
-      </a:schemeClr>
-    </dgm:fillClrLst>
-    <dgm:linClrLst meth="repeat">
-      <a:schemeClr val="accent1"/>
-    </dgm:linClrLst>
-    <dgm:effectClrLst/>
-    <dgm:txLinClrLst/>
-    <dgm:txFillClrLst meth="repeat">
-      <a:schemeClr val="dk1"/>
-    </dgm:txFillClrLst>
-    <dgm:txEffectClrLst/>
-  </dgm:styleLbl>
-  <dgm:styleLbl name="bgAcc1">
-    <dgm:fillClrLst meth="repeat">
-      <a:schemeClr val="lt1">
-        <a:alpha val="90000"/>
-      </a:schemeClr>
-    </dgm:fillClrLst>
-    <dgm:linClrLst meth="repeat">
-      <a:schemeClr val="accent1"/>
-    </dgm:linClrLst>
-    <dgm:effectClrLst/>
-    <dgm:txLinClrLst/>
-    <dgm:txFillClrLst meth="repeat">
-      <a:schemeClr val="dk1"/>
-    </dgm:txFillClrLst>
-    <dgm:txEffectClrLst/>
-  </dgm:styleLbl>
-  <dgm:styleLbl name="solidFgAcc1">
-    <dgm:fillClrLst meth="repeat">
-      <a:schemeClr val="lt1"/>
-    </dgm:fillClrLst>
-    <dgm:linClrLst meth="repeat">
-      <a:schemeClr val="accent1"/>
-    </dgm:linClrLst>
-    <dgm:effectClrLst/>
-    <dgm:txLinClrLst/>
-    <dgm:txFillClrLst meth="repeat">
-      <a:schemeClr val="dk1"/>
-    </dgm:txFillClrLst>
-    <dgm:txEffectClrLst/>
-  </dgm:styleLbl>
-  <dgm:styleLbl name="solidAlignAcc1">
-    <dgm:fillClrLst meth="repeat">
-      <a:schemeClr val="lt1"/>
-    </dgm:fillClrLst>
-    <dgm:linClrLst meth="repeat">
-      <a:schemeClr val="accent1"/>
-    </dgm:linClrLst>
-    <dgm:effectClrLst/>
-    <dgm:txLinClrLst/>
-    <dgm:txFillClrLst meth="repeat">
-      <a:schemeClr val="dk1"/>
-    </dgm:txFillClrLst>
-    <dgm:txEffectClrLst/>
-  </dgm:styleLbl>
-  <dgm:styleLbl name="solidBgAcc1">
-    <dgm:fillClrLst meth="repeat">
-      <a:schemeClr val="lt1"/>
-    </dgm:fillClrLst>
-    <dgm:linClrLst meth="repeat">
-      <a:schemeClr val="accent1"/>
-    </dgm:linClrLst>
-    <dgm:effectClrLst/>
-    <dgm:txLinClrLst/>
-    <dgm:txFillClrLst meth="repeat">
-      <a:schemeClr val="dk1"/>
-    </dgm:txFillClrLst>
-    <dgm:txEffectClrLst/>
-  </dgm:styleLbl>
-  <dgm:styleLbl name="fgAccFollowNode1">
-    <dgm:fillClrLst meth="repeat">
-      <a:schemeClr val="accent1">
-        <a:alpha val="90000"/>
-        <a:tint val="40000"/>
-      </a:schemeClr>
-    </dgm:fillClrLst>
-    <dgm:linClrLst meth="repeat">
-      <a:schemeClr val="accent1">
-        <a:alpha val="90000"/>
-        <a:tint val="40000"/>
-      </a:schemeClr>
-    </dgm:linClrLst>
-    <dgm:effectClrLst/>
-    <dgm:txLinClrLst/>
-    <dgm:txFillClrLst meth="repeat">
-      <a:schemeClr val="dk1"/>
-    </dgm:txFillClrLst>
-    <dgm:txEffectClrLst/>
-  </dgm:styleLbl>
-  <dgm:styleLbl name="alignAccFollowNode1">
-    <dgm:fillClrLst meth="repeat">
-      <a:schemeClr val="accent1">
-        <a:alpha val="90000"/>
-        <a:tint val="40000"/>
-      </a:schemeClr>
-    </dgm:fillClrLst>
-    <dgm:linClrLst meth="repeat">
-      <a:schemeClr val="accent1">
-        <a:alpha val="90000"/>
-        <a:tint val="40000"/>
-      </a:schemeClr>
-    </dgm:linClrLst>
-    <dgm:effectClrLst/>
-    <dgm:txLinClrLst/>
-    <dgm:txFillClrLst meth="repeat">
-      <a:schemeClr val="dk1"/>
-    </dgm:txFillClrLst>
-    <dgm:txEffectClrLst/>
-  </dgm:styleLbl>
-  <dgm:styleLbl name="bgAccFollowNode1">
-    <dgm:fillClrLst meth="repeat">
-      <a:schemeClr val="accent1">
-        <a:alpha val="90000"/>
-        <a:tint val="40000"/>
-      </a:schemeClr>
-    </dgm:fillClrLst>
-    <dgm:linClrLst meth="repeat">
-      <a:schemeClr val="accent1">
-        <a:alpha val="90000"/>
-        <a:tint val="40000"/>
-      </a:schemeClr>
-    </dgm:linClrLst>
-    <dgm:effectClrLst/>
-    <dgm:txLinClrLst/>
-    <dgm:txFillClrLst meth="repeat">
-      <a:schemeClr val="dk1"/>
-    </dgm:txFillClrLst>
-    <dgm:txEffectClrLst/>
-  </dgm:styleLbl>
-  <dgm:styleLbl name="fgAcc0">
-    <dgm:fillClrLst meth="repeat">
-      <a:schemeClr val="lt1">
-        <a:alpha val="90000"/>
-      </a:schemeClr>
-    </dgm:fillClrLst>
-    <dgm:linClrLst meth="repeat">
-      <a:schemeClr val="accent1"/>
-    </dgm:linClrLst>
-    <dgm:effectClrLst/>
-    <dgm:txLinClrLst/>
-    <dgm:txFillClrLst meth="repeat">
-      <a:schemeClr val="dk1"/>
-    </dgm:txFillClrLst>
-    <dgm:txEffectClrLst/>
-  </dgm:styleLbl>
-  <dgm:styleLbl name="fgAcc2">
-    <dgm:fillClrLst meth="repeat">
-      <a:schemeClr val="lt1">
-        <a:alpha val="90000"/>
-      </a:schemeClr>
-    </dgm:fillClrLst>
-    <dgm:linClrLst meth="repeat">
-      <a:schemeClr val="accent1"/>
-    </dgm:linClrLst>
-    <dgm:effectClrLst/>
-    <dgm:txLinClrLst/>
-    <dgm:txFillClrLst meth="repeat">
-      <a:schemeClr val="dk1"/>
-    </dgm:txFillClrLst>
-    <dgm:txEffectClrLst/>
-  </dgm:styleLbl>
-  <dgm:styleLbl name="fgAcc3">
-    <dgm:fillClrLst meth="repeat">
-      <a:schemeClr val="lt1">
-        <a:alpha val="90000"/>
-      </a:schemeClr>
-    </dgm:fillClrLst>
-    <dgm:linClrLst meth="repeat">
-      <a:schemeClr val="accent1"/>
-    </dgm:linClrLst>
-    <dgm:effectClrLst/>
-    <dgm:txLinClrLst/>
-    <dgm:txFillClrLst meth="repeat">
-      <a:schemeClr val="dk1"/>
-    </dgm:txFillClrLst>
-    <dgm:txEffectClrLst/>
-  </dgm:styleLbl>
-  <dgm:styleLbl name="fgAcc4">
-    <dgm:fillClrLst meth="repeat">
-      <a:schemeClr val="lt1">
-        <a:alpha val="90000"/>
-      </a:schemeClr>
-    </dgm:fillClrLst>
-    <dgm:linClrLst meth="repeat">
-      <a:schemeClr val="accent1"/>
-    </dgm:linClrLst>
-    <dgm:effectClrLst/>
-    <dgm:txLinClrLst/>
-    <dgm:txFillClrLst meth="repeat">
-      <a:schemeClr val="dk1"/>
-    </dgm:txFillClrLst>
-    <dgm:txEffectClrLst/>
-  </dgm:styleLbl>
-  <dgm:styleLbl name="bgShp">
-    <dgm:fillClrLst meth="repeat">
-      <a:schemeClr val="accent1">
-        <a:tint val="40000"/>
-      </a:schemeClr>
-    </dgm:fillClrLst>
-    <dgm:linClrLst meth="repeat">
-      <a:schemeClr val="accent1"/>
-    </dgm:linClrLst>
-    <dgm:effectClrLst/>
-    <dgm:txLinClrLst/>
-    <dgm:txFillClrLst meth="repeat">
-      <a:schemeClr val="dk1"/>
-    </dgm:txFillClrLst>
-    <dgm:txEffectClrLst/>
-  </dgm:styleLbl>
-  <dgm:styleLbl name="dkBgShp">
-    <dgm:fillClrLst meth="repeat">
-      <a:schemeClr val="accent1">
-        <a:shade val="80000"/>
-      </a:schemeClr>
-    </dgm:fillClrLst>
-    <dgm:linClrLst meth="repeat">
-      <a:schemeClr val="accent1"/>
-    </dgm:linClrLst>
-    <dgm:effectClrLst/>
-    <dgm:txLinClrLst/>
-    <dgm:txFillClrLst meth="repeat">
-      <a:schemeClr val="lt1"/>
-    </dgm:txFillClrLst>
-    <dgm:txEffectClrLst/>
-  </dgm:styleLbl>
-  <dgm:styleLbl name="trBgShp">
-    <dgm:fillClrLst meth="repeat">
-      <a:schemeClr val="accent1">
-        <a:tint val="50000"/>
-        <a:alpha val="40000"/>
-      </a:schemeClr>
-    </dgm:fillClrLst>
-    <dgm:linClrLst meth="repeat">
-      <a:schemeClr val="accent1"/>
-    </dgm:linClrLst>
-    <dgm:effectClrLst/>
-    <dgm:txLinClrLst/>
-    <dgm:txFillClrLst meth="repeat">
-      <a:schemeClr val="lt1"/>
-    </dgm:txFillClrLst>
-    <dgm:txEffectClrLst/>
-  </dgm:styleLbl>
-  <dgm:styleLbl name="fgShp">
-    <dgm:fillClrLst meth="repeat">
-      <a:schemeClr val="accent1">
-        <a:tint val="60000"/>
-      </a:schemeClr>
-    </dgm:fillClrLst>
-    <dgm:linClrLst meth="repeat">
-      <a:schemeClr val="lt1"/>
-    </dgm:linClrLst>
-    <dgm:effectClrLst/>
-    <dgm:txLinClrLst/>
-    <dgm:txFillClrLst meth="repeat">
-      <a:schemeClr val="dk1"/>
-    </dgm:txFillClrLst>
-    <dgm:txEffectClrLst/>
-  </dgm:styleLbl>
-  <dgm:styleLbl name="revTx">
-    <dgm:fillClrLst meth="repeat">
-      <a:schemeClr val="lt1">
-        <a:alpha val="0"/>
-      </a:schemeClr>
-    </dgm:fillClrLst>
-    <dgm:linClrLst meth="repeat">
-      <a:schemeClr val="dk1">
-        <a:alpha val="0"/>
-      </a:schemeClr>
-    </dgm:linClrLst>
-    <dgm:effectClrLst/>
-    <dgm:txLinClrLst/>
-    <dgm:txFillClrLst meth="repeat">
-      <a:schemeClr val="tx1"/>
-    </dgm:txFillClrLst>
-    <dgm:txEffectClrLst/>
-  </dgm:styleLbl>
-</dgm:colorsDef>
-</file>
-
-<file path=ppt/diagrams/colors23.xml><?xml version="1.0" encoding="utf-8"?>
 <dgm:colorsDef xmlns:dgm="http://schemas.openxmlformats.org/drawingml/2006/diagram" xmlns:a="http://schemas.openxmlformats.org/drawingml/2006/main" uniqueId="urn:microsoft.com/office/officeart/2005/8/colors/accent1_2">
   <dgm:title val=""/>
   <dgm:desc val=""/>
@@ -18040,80 +16544,6 @@
 </dgm:dataModel>
 </file>
 
-<file path=ppt/diagrams/data22.xml><?xml version="1.0" encoding="utf-8"?>
-<dgm:dataModel xmlns:dgm="http://schemas.openxmlformats.org/drawingml/2006/diagram" xmlns:a="http://schemas.openxmlformats.org/drawingml/2006/main">
-  <dgm:ptLst>
-    <dgm:pt modelId="{480BFB1A-5604-4D44-9784-3B4A05BAD4FE}" type="doc">
-      <dgm:prSet loTypeId="urn:microsoft.com/office/officeart/2005/8/layout/vList2" loCatId="list" qsTypeId="urn:microsoft.com/office/officeart/2005/8/quickstyle/simple1" qsCatId="simple" csTypeId="urn:microsoft.com/office/officeart/2005/8/colors/accent1_2" csCatId="accent1" phldr="1"/>
-      <dgm:spPr/>
-      <dgm:t>
-        <a:bodyPr/>
-        <a:lstStyle/>
-        <a:p>
-          <a:endParaRPr lang="fr-FR"/>
-        </a:p>
-      </dgm:t>
-    </dgm:pt>
-    <dgm:pt modelId="{CE27D942-1C2B-45A6-B11D-102CB7AC984B}" type="pres">
-      <dgm:prSet presAssocID="{480BFB1A-5604-4D44-9784-3B4A05BAD4FE}" presName="linear" presStyleCnt="0">
-        <dgm:presLayoutVars>
-          <dgm:animLvl val="lvl"/>
-          <dgm:resizeHandles val="exact"/>
-        </dgm:presLayoutVars>
-      </dgm:prSet>
-      <dgm:spPr/>
-    </dgm:pt>
-  </dgm:ptLst>
-  <dgm:cxnLst>
-    <dgm:cxn modelId="{CF8C74B1-D478-4888-A784-E86E72EE08FC}" type="presOf" srcId="{480BFB1A-5604-4D44-9784-3B4A05BAD4FE}" destId="{CE27D942-1C2B-45A6-B11D-102CB7AC984B}" srcOrd="0" destOrd="0" presId="urn:microsoft.com/office/officeart/2005/8/layout/vList2"/>
-  </dgm:cxnLst>
-  <dgm:bg/>
-  <dgm:whole/>
-  <dgm:extLst>
-    <a:ext uri="http://schemas.microsoft.com/office/drawing/2008/diagram">
-      <dsp:dataModelExt xmlns:dsp="http://schemas.microsoft.com/office/drawing/2008/diagram" relId="rId6" minVer="http://schemas.openxmlformats.org/drawingml/2006/diagram"/>
-    </a:ext>
-  </dgm:extLst>
-</dgm:dataModel>
-</file>
-
-<file path=ppt/diagrams/data23.xml><?xml version="1.0" encoding="utf-8"?>
-<dgm:dataModel xmlns:dgm="http://schemas.openxmlformats.org/drawingml/2006/diagram" xmlns:a="http://schemas.openxmlformats.org/drawingml/2006/main">
-  <dgm:ptLst>
-    <dgm:pt modelId="{480BFB1A-5604-4D44-9784-3B4A05BAD4FE}" type="doc">
-      <dgm:prSet loTypeId="urn:microsoft.com/office/officeart/2005/8/layout/vList2" loCatId="list" qsTypeId="urn:microsoft.com/office/officeart/2005/8/quickstyle/simple1" qsCatId="simple" csTypeId="urn:microsoft.com/office/officeart/2005/8/colors/accent1_2" csCatId="accent1" phldr="1"/>
-      <dgm:spPr/>
-      <dgm:t>
-        <a:bodyPr/>
-        <a:lstStyle/>
-        <a:p>
-          <a:endParaRPr lang="fr-FR"/>
-        </a:p>
-      </dgm:t>
-    </dgm:pt>
-    <dgm:pt modelId="{CE27D942-1C2B-45A6-B11D-102CB7AC984B}" type="pres">
-      <dgm:prSet presAssocID="{480BFB1A-5604-4D44-9784-3B4A05BAD4FE}" presName="linear" presStyleCnt="0">
-        <dgm:presLayoutVars>
-          <dgm:animLvl val="lvl"/>
-          <dgm:resizeHandles val="exact"/>
-        </dgm:presLayoutVars>
-      </dgm:prSet>
-      <dgm:spPr/>
-    </dgm:pt>
-  </dgm:ptLst>
-  <dgm:cxnLst>
-    <dgm:cxn modelId="{CF8C74B1-D478-4888-A784-E86E72EE08FC}" type="presOf" srcId="{480BFB1A-5604-4D44-9784-3B4A05BAD4FE}" destId="{CE27D942-1C2B-45A6-B11D-102CB7AC984B}" srcOrd="0" destOrd="0" presId="urn:microsoft.com/office/officeart/2005/8/layout/vList2"/>
-  </dgm:cxnLst>
-  <dgm:bg/>
-  <dgm:whole/>
-  <dgm:extLst>
-    <a:ext uri="http://schemas.microsoft.com/office/drawing/2008/diagram">
-      <dsp:dataModelExt xmlns:dsp="http://schemas.microsoft.com/office/drawing/2008/diagram" relId="rId6" minVer="http://schemas.openxmlformats.org/drawingml/2006/diagram"/>
-    </a:ext>
-  </dgm:extLst>
-</dgm:dataModel>
-</file>
-
 <file path=ppt/diagrams/data3.xml><?xml version="1.0" encoding="utf-8"?>
 <dgm:dataModel xmlns:dgm="http://schemas.openxmlformats.org/drawingml/2006/diagram" xmlns:a="http://schemas.openxmlformats.org/drawingml/2006/main">
   <dgm:ptLst>
@@ -18354,43 +16784,6 @@
         </a:p>
       </dgm:t>
     </dgm:pt>
-    <dgm:pt modelId="{9A9F0A5B-1D22-4C9C-96F5-54C166950CB0}">
-      <dgm:prSet/>
-      <dgm:spPr/>
-      <dgm:t>
-        <a:bodyPr/>
-        <a:lstStyle/>
-        <a:p>
-          <a:r>
-            <a:rPr lang="en-GB" dirty="0"/>
-            <a:t>Windows form apps</a:t>
-          </a:r>
-          <a:endParaRPr lang="fr-FR" dirty="0"/>
-        </a:p>
-      </dgm:t>
-    </dgm:pt>
-    <dgm:pt modelId="{6B1D9538-00F6-40C3-B0F8-50E91F855EE1}" type="parTrans" cxnId="{12927AAB-4012-4C68-BE29-B9E194F1A5B1}">
-      <dgm:prSet/>
-      <dgm:spPr/>
-      <dgm:t>
-        <a:bodyPr/>
-        <a:lstStyle/>
-        <a:p>
-          <a:endParaRPr lang="fr-FR"/>
-        </a:p>
-      </dgm:t>
-    </dgm:pt>
-    <dgm:pt modelId="{1BC491A8-D085-4174-A1D4-6A2F8FF7C64E}" type="sibTrans" cxnId="{12927AAB-4012-4C68-BE29-B9E194F1A5B1}">
-      <dgm:prSet/>
-      <dgm:spPr/>
-      <dgm:t>
-        <a:bodyPr/>
-        <a:lstStyle/>
-        <a:p>
-          <a:endParaRPr lang="fr-FR"/>
-        </a:p>
-      </dgm:t>
-    </dgm:pt>
     <dgm:pt modelId="{CE27D942-1C2B-45A6-B11D-102CB7AC984B}" type="pres">
       <dgm:prSet presAssocID="{480BFB1A-5604-4D44-9784-3B4A05BAD4FE}" presName="linear" presStyleCnt="0">
         <dgm:presLayoutVars>
@@ -18400,21 +16793,9 @@
       </dgm:prSet>
       <dgm:spPr/>
     </dgm:pt>
-    <dgm:pt modelId="{864661BD-8D3B-40AA-AA4E-51AE89D9B126}" type="pres">
-      <dgm:prSet presAssocID="{9A9F0A5B-1D22-4C9C-96F5-54C166950CB0}" presName="parentText" presStyleLbl="node1" presStyleIdx="0" presStyleCnt="1">
-        <dgm:presLayoutVars>
-          <dgm:chMax val="0"/>
-          <dgm:bulletEnabled val="1"/>
-        </dgm:presLayoutVars>
-      </dgm:prSet>
-      <dgm:spPr/>
-    </dgm:pt>
   </dgm:ptLst>
   <dgm:cxnLst>
-    <dgm:cxn modelId="{12927AAB-4012-4C68-BE29-B9E194F1A5B1}" srcId="{480BFB1A-5604-4D44-9784-3B4A05BAD4FE}" destId="{9A9F0A5B-1D22-4C9C-96F5-54C166950CB0}" srcOrd="0" destOrd="0" parTransId="{6B1D9538-00F6-40C3-B0F8-50E91F855EE1}" sibTransId="{1BC491A8-D085-4174-A1D4-6A2F8FF7C64E}"/>
     <dgm:cxn modelId="{CF8C74B1-D478-4888-A784-E86E72EE08FC}" type="presOf" srcId="{480BFB1A-5604-4D44-9784-3B4A05BAD4FE}" destId="{CE27D942-1C2B-45A6-B11D-102CB7AC984B}" srcOrd="0" destOrd="0" presId="urn:microsoft.com/office/officeart/2005/8/layout/vList2"/>
-    <dgm:cxn modelId="{7666E9FF-1721-421F-A6AD-42C0F43AF019}" type="presOf" srcId="{9A9F0A5B-1D22-4C9C-96F5-54C166950CB0}" destId="{864661BD-8D3B-40AA-AA4E-51AE89D9B126}" srcOrd="0" destOrd="0" presId="urn:microsoft.com/office/officeart/2005/8/layout/vList2"/>
-    <dgm:cxn modelId="{FC094008-6865-4774-A149-CE9DEDDDA5DD}" type="presParOf" srcId="{CE27D942-1C2B-45A6-B11D-102CB7AC984B}" destId="{864661BD-8D3B-40AA-AA4E-51AE89D9B126}" srcOrd="0" destOrd="0" presId="urn:microsoft.com/office/officeart/2005/8/layout/vList2"/>
   </dgm:cxnLst>
   <dgm:bg/>
   <dgm:whole/>
@@ -19054,30 +17435,6 @@
 </dsp:drawing>
 </file>
 
-<file path=ppt/diagrams/drawing22.xml><?xml version="1.0" encoding="utf-8"?>
-<dsp:drawing xmlns:dgm="http://schemas.openxmlformats.org/drawingml/2006/diagram" xmlns:dsp="http://schemas.microsoft.com/office/drawing/2008/diagram" xmlns:a="http://schemas.openxmlformats.org/drawingml/2006/main">
-  <dsp:spTree>
-    <dsp:nvGrpSpPr>
-      <dsp:cNvPr id="0" name=""/>
-      <dsp:cNvGrpSpPr/>
-    </dsp:nvGrpSpPr>
-    <dsp:grpSpPr/>
-  </dsp:spTree>
-</dsp:drawing>
-</file>
-
-<file path=ppt/diagrams/drawing23.xml><?xml version="1.0" encoding="utf-8"?>
-<dsp:drawing xmlns:dgm="http://schemas.openxmlformats.org/drawingml/2006/diagram" xmlns:dsp="http://schemas.microsoft.com/office/drawing/2008/diagram" xmlns:a="http://schemas.openxmlformats.org/drawingml/2006/main">
-  <dsp:spTree>
-    <dsp:nvGrpSpPr>
-      <dsp:cNvPr id="0" name=""/>
-      <dsp:cNvGrpSpPr/>
-    </dsp:nvGrpSpPr>
-    <dsp:grpSpPr/>
-  </dsp:spTree>
-</dsp:drawing>
-</file>
-
 <file path=ppt/diagrams/drawing3.xml><?xml version="1.0" encoding="utf-8"?>
 <dsp:drawing xmlns:dgm="http://schemas.openxmlformats.org/drawingml/2006/diagram" xmlns:dsp="http://schemas.microsoft.com/office/drawing/2008/diagram" xmlns:a="http://schemas.openxmlformats.org/drawingml/2006/main">
   <dsp:spTree>
@@ -19344,84 +17701,6 @@
       <dsp:cNvGrpSpPr/>
     </dsp:nvGrpSpPr>
     <dsp:grpSpPr/>
-    <dsp:sp modelId="{864661BD-8D3B-40AA-AA4E-51AE89D9B126}">
-      <dsp:nvSpPr>
-        <dsp:cNvPr id="0" name=""/>
-        <dsp:cNvSpPr/>
-      </dsp:nvSpPr>
-      <dsp:spPr>
-        <a:xfrm>
-          <a:off x="0" y="3908"/>
-          <a:ext cx="4663440" cy="623610"/>
-        </a:xfrm>
-        <a:prstGeom prst="roundRect">
-          <a:avLst/>
-        </a:prstGeom>
-        <a:solidFill>
-          <a:schemeClr val="accent1">
-            <a:hueOff val="0"/>
-            <a:satOff val="0"/>
-            <a:lumOff val="0"/>
-            <a:alphaOff val="0"/>
-          </a:schemeClr>
-        </a:solidFill>
-        <a:ln w="15875" cap="flat" cmpd="sng" algn="ctr">
-          <a:solidFill>
-            <a:schemeClr val="lt1">
-              <a:hueOff val="0"/>
-              <a:satOff val="0"/>
-              <a:lumOff val="0"/>
-              <a:alphaOff val="0"/>
-            </a:schemeClr>
-          </a:solidFill>
-          <a:prstDash val="solid"/>
-        </a:ln>
-        <a:effectLst/>
-      </dsp:spPr>
-      <dsp:style>
-        <a:lnRef idx="2">
-          <a:scrgbClr r="0" g="0" b="0"/>
-        </a:lnRef>
-        <a:fillRef idx="1">
-          <a:scrgbClr r="0" g="0" b="0"/>
-        </a:fillRef>
-        <a:effectRef idx="0">
-          <a:scrgbClr r="0" g="0" b="0"/>
-        </a:effectRef>
-        <a:fontRef idx="minor">
-          <a:schemeClr val="lt1"/>
-        </a:fontRef>
-      </dsp:style>
-      <dsp:txBody>
-        <a:bodyPr spcFirstLastPara="0" vert="horz" wrap="square" lIns="99060" tIns="99060" rIns="99060" bIns="99060" numCol="1" spcCol="1270" anchor="ctr" anchorCtr="0">
-          <a:noAutofit/>
-        </a:bodyPr>
-        <a:lstStyle/>
-        <a:p>
-          <a:pPr marL="0" lvl="0" indent="0" algn="l" defTabSz="1155700">
-            <a:lnSpc>
-              <a:spcPct val="90000"/>
-            </a:lnSpc>
-            <a:spcBef>
-              <a:spcPct val="0"/>
-            </a:spcBef>
-            <a:spcAft>
-              <a:spcPct val="35000"/>
-            </a:spcAft>
-            <a:buNone/>
-          </a:pPr>
-          <a:r>
-            <a:rPr lang="en-GB" sz="2600" kern="1200" dirty="0"/>
-            <a:t>Windows form apps</a:t>
-          </a:r>
-          <a:endParaRPr lang="fr-FR" sz="2600" kern="1200" dirty="0"/>
-        </a:p>
-      </dsp:txBody>
-      <dsp:txXfrm>
-        <a:off x="30442" y="34350"/>
-        <a:ext cx="4602556" cy="562726"/>
-      </dsp:txXfrm>
-    </dsp:sp>
   </dsp:spTree>
 </dsp:drawing>
 </file>
@@ -21812,340 +20091,6 @@
 </dgm:layoutDef>
 </file>
 
-<file path=ppt/diagrams/layout22.xml><?xml version="1.0" encoding="utf-8"?>
-<dgm:layoutDef xmlns:dgm="http://schemas.openxmlformats.org/drawingml/2006/diagram" xmlns:a="http://schemas.openxmlformats.org/drawingml/2006/main" uniqueId="urn:microsoft.com/office/officeart/2005/8/layout/vList2">
-  <dgm:title val=""/>
-  <dgm:desc val=""/>
-  <dgm:catLst>
-    <dgm:cat type="list" pri="3000"/>
-    <dgm:cat type="convert" pri="1000"/>
-  </dgm:catLst>
-  <dgm:sampData>
-    <dgm:dataModel>
-      <dgm:ptLst>
-        <dgm:pt modelId="0" type="doc"/>
-        <dgm:pt modelId="1">
-          <dgm:prSet phldr="1"/>
-        </dgm:pt>
-        <dgm:pt modelId="11">
-          <dgm:prSet phldr="1"/>
-        </dgm:pt>
-        <dgm:pt modelId="2">
-          <dgm:prSet phldr="1"/>
-        </dgm:pt>
-        <dgm:pt modelId="21">
-          <dgm:prSet phldr="1"/>
-        </dgm:pt>
-      </dgm:ptLst>
-      <dgm:cxnLst>
-        <dgm:cxn modelId="4" srcId="0" destId="1" srcOrd="0" destOrd="0"/>
-        <dgm:cxn modelId="5" srcId="0" destId="2" srcOrd="1" destOrd="0"/>
-        <dgm:cxn modelId="12" srcId="1" destId="11" srcOrd="0" destOrd="0"/>
-        <dgm:cxn modelId="23" srcId="2" destId="21" srcOrd="0" destOrd="0"/>
-      </dgm:cxnLst>
-      <dgm:bg/>
-      <dgm:whole/>
-    </dgm:dataModel>
-  </dgm:sampData>
-  <dgm:styleData>
-    <dgm:dataModel>
-      <dgm:ptLst>
-        <dgm:pt modelId="0" type="doc"/>
-        <dgm:pt modelId="1"/>
-        <dgm:pt modelId="2"/>
-      </dgm:ptLst>
-      <dgm:cxnLst>
-        <dgm:cxn modelId="3" srcId="0" destId="1" srcOrd="0" destOrd="0"/>
-        <dgm:cxn modelId="4" srcId="0" destId="2" srcOrd="1" destOrd="0"/>
-      </dgm:cxnLst>
-      <dgm:bg/>
-      <dgm:whole/>
-    </dgm:dataModel>
-  </dgm:styleData>
-  <dgm:clrData>
-    <dgm:dataModel>
-      <dgm:ptLst>
-        <dgm:pt modelId="0" type="doc"/>
-        <dgm:pt modelId="1"/>
-        <dgm:pt modelId="2"/>
-        <dgm:pt modelId="3"/>
-        <dgm:pt modelId="4"/>
-      </dgm:ptLst>
-      <dgm:cxnLst>
-        <dgm:cxn modelId="5" srcId="0" destId="1" srcOrd="0" destOrd="0"/>
-        <dgm:cxn modelId="6" srcId="0" destId="2" srcOrd="1" destOrd="0"/>
-        <dgm:cxn modelId="7" srcId="0" destId="3" srcOrd="2" destOrd="0"/>
-        <dgm:cxn modelId="8" srcId="0" destId="4" srcOrd="3" destOrd="0"/>
-      </dgm:cxnLst>
-      <dgm:bg/>
-      <dgm:whole/>
-    </dgm:dataModel>
-  </dgm:clrData>
-  <dgm:layoutNode name="linear">
-    <dgm:varLst>
-      <dgm:animLvl val="lvl"/>
-      <dgm:resizeHandles val="exact"/>
-    </dgm:varLst>
-    <dgm:alg type="lin">
-      <dgm:param type="linDir" val="fromT"/>
-      <dgm:param type="vertAlign" val="mid"/>
-    </dgm:alg>
-    <dgm:shape xmlns:r="http://schemas.openxmlformats.org/officeDocument/2006/relationships" r:blip="">
-      <dgm:adjLst/>
-    </dgm:shape>
-    <dgm:presOf/>
-    <dgm:constrLst>
-      <dgm:constr type="w" for="ch" forName="parentText" refType="w"/>
-      <dgm:constr type="h" for="ch" forName="parentText" refType="primFontSz" refFor="ch" refForName="parentText" fact="0.52"/>
-      <dgm:constr type="w" for="ch" forName="childText" refType="w"/>
-      <dgm:constr type="h" for="ch" forName="childText" refType="primFontSz" refFor="ch" refForName="parentText" fact="0.46"/>
-      <dgm:constr type="h" for="ch" forName="parentText" op="equ"/>
-      <dgm:constr type="primFontSz" for="ch" forName="parentText" op="equ" val="65"/>
-      <dgm:constr type="primFontSz" for="ch" forName="childText" refType="primFontSz" refFor="ch" refForName="parentText" op="equ"/>
-      <dgm:constr type="h" for="ch" forName="spacer" refType="primFontSz" refFor="ch" refForName="parentText" fact="0.08"/>
-    </dgm:constrLst>
-    <dgm:ruleLst>
-      <dgm:rule type="primFontSz" for="ch" forName="parentText" val="5" fact="NaN" max="NaN"/>
-    </dgm:ruleLst>
-    <dgm:forEach name="Name0" axis="ch" ptType="node">
-      <dgm:layoutNode name="parentText" styleLbl="node1">
-        <dgm:varLst>
-          <dgm:chMax val="0"/>
-          <dgm:bulletEnabled val="1"/>
-        </dgm:varLst>
-        <dgm:alg type="tx">
-          <dgm:param type="parTxLTRAlign" val="l"/>
-          <dgm:param type="parTxRTLAlign" val="r"/>
-        </dgm:alg>
-        <dgm:shape xmlns:r="http://schemas.openxmlformats.org/officeDocument/2006/relationships" type="roundRect" r:blip="">
-          <dgm:adjLst/>
-        </dgm:shape>
-        <dgm:presOf axis="self"/>
-        <dgm:constrLst>
-          <dgm:constr type="tMarg" refType="primFontSz" fact="0.3"/>
-          <dgm:constr type="bMarg" refType="primFontSz" fact="0.3"/>
-          <dgm:constr type="lMarg" refType="primFontSz" fact="0.3"/>
-          <dgm:constr type="rMarg" refType="primFontSz" fact="0.3"/>
-        </dgm:constrLst>
-        <dgm:ruleLst>
-          <dgm:rule type="h" val="INF" fact="NaN" max="NaN"/>
-        </dgm:ruleLst>
-      </dgm:layoutNode>
-      <dgm:choose name="Name1">
-        <dgm:if name="Name2" axis="ch" ptType="node" func="cnt" op="gte" val="1">
-          <dgm:layoutNode name="childText" styleLbl="revTx">
-            <dgm:varLst>
-              <dgm:bulletEnabled val="1"/>
-            </dgm:varLst>
-            <dgm:alg type="tx">
-              <dgm:param type="stBulletLvl" val="1"/>
-              <dgm:param type="lnSpAfChP" val="20"/>
-            </dgm:alg>
-            <dgm:shape xmlns:r="http://schemas.openxmlformats.org/officeDocument/2006/relationships" type="rect" r:blip="">
-              <dgm:adjLst/>
-            </dgm:shape>
-            <dgm:presOf axis="des" ptType="node"/>
-            <dgm:constrLst>
-              <dgm:constr type="tMarg" refType="primFontSz" fact="0.1"/>
-              <dgm:constr type="bMarg" refType="primFontSz" fact="0.1"/>
-              <dgm:constr type="lMarg" refType="w" fact="0.09"/>
-            </dgm:constrLst>
-            <dgm:ruleLst>
-              <dgm:rule type="h" val="INF" fact="NaN" max="NaN"/>
-            </dgm:ruleLst>
-          </dgm:layoutNode>
-        </dgm:if>
-        <dgm:else name="Name3">
-          <dgm:choose name="Name4">
-            <dgm:if name="Name5" axis="par ch" ptType="doc node" func="cnt" op="gte" val="2">
-              <dgm:forEach name="Name6" axis="followSib" ptType="sibTrans" cnt="1">
-                <dgm:layoutNode name="spacer">
-                  <dgm:alg type="sp"/>
-                  <dgm:shape xmlns:r="http://schemas.openxmlformats.org/officeDocument/2006/relationships" r:blip="">
-                    <dgm:adjLst/>
-                  </dgm:shape>
-                  <dgm:presOf/>
-                  <dgm:constrLst/>
-                  <dgm:ruleLst/>
-                </dgm:layoutNode>
-              </dgm:forEach>
-            </dgm:if>
-            <dgm:else name="Name7"/>
-          </dgm:choose>
-        </dgm:else>
-      </dgm:choose>
-    </dgm:forEach>
-  </dgm:layoutNode>
-</dgm:layoutDef>
-</file>
-
-<file path=ppt/diagrams/layout23.xml><?xml version="1.0" encoding="utf-8"?>
-<dgm:layoutDef xmlns:dgm="http://schemas.openxmlformats.org/drawingml/2006/diagram" xmlns:a="http://schemas.openxmlformats.org/drawingml/2006/main" uniqueId="urn:microsoft.com/office/officeart/2005/8/layout/vList2">
-  <dgm:title val=""/>
-  <dgm:desc val=""/>
-  <dgm:catLst>
-    <dgm:cat type="list" pri="3000"/>
-    <dgm:cat type="convert" pri="1000"/>
-  </dgm:catLst>
-  <dgm:sampData>
-    <dgm:dataModel>
-      <dgm:ptLst>
-        <dgm:pt modelId="0" type="doc"/>
-        <dgm:pt modelId="1">
-          <dgm:prSet phldr="1"/>
-        </dgm:pt>
-        <dgm:pt modelId="11">
-          <dgm:prSet phldr="1"/>
-        </dgm:pt>
-        <dgm:pt modelId="2">
-          <dgm:prSet phldr="1"/>
-        </dgm:pt>
-        <dgm:pt modelId="21">
-          <dgm:prSet phldr="1"/>
-        </dgm:pt>
-      </dgm:ptLst>
-      <dgm:cxnLst>
-        <dgm:cxn modelId="4" srcId="0" destId="1" srcOrd="0" destOrd="0"/>
-        <dgm:cxn modelId="5" srcId="0" destId="2" srcOrd="1" destOrd="0"/>
-        <dgm:cxn modelId="12" srcId="1" destId="11" srcOrd="0" destOrd="0"/>
-        <dgm:cxn modelId="23" srcId="2" destId="21" srcOrd="0" destOrd="0"/>
-      </dgm:cxnLst>
-      <dgm:bg/>
-      <dgm:whole/>
-    </dgm:dataModel>
-  </dgm:sampData>
-  <dgm:styleData>
-    <dgm:dataModel>
-      <dgm:ptLst>
-        <dgm:pt modelId="0" type="doc"/>
-        <dgm:pt modelId="1"/>
-        <dgm:pt modelId="2"/>
-      </dgm:ptLst>
-      <dgm:cxnLst>
-        <dgm:cxn modelId="3" srcId="0" destId="1" srcOrd="0" destOrd="0"/>
-        <dgm:cxn modelId="4" srcId="0" destId="2" srcOrd="1" destOrd="0"/>
-      </dgm:cxnLst>
-      <dgm:bg/>
-      <dgm:whole/>
-    </dgm:dataModel>
-  </dgm:styleData>
-  <dgm:clrData>
-    <dgm:dataModel>
-      <dgm:ptLst>
-        <dgm:pt modelId="0" type="doc"/>
-        <dgm:pt modelId="1"/>
-        <dgm:pt modelId="2"/>
-        <dgm:pt modelId="3"/>
-        <dgm:pt modelId="4"/>
-      </dgm:ptLst>
-      <dgm:cxnLst>
-        <dgm:cxn modelId="5" srcId="0" destId="1" srcOrd="0" destOrd="0"/>
-        <dgm:cxn modelId="6" srcId="0" destId="2" srcOrd="1" destOrd="0"/>
-        <dgm:cxn modelId="7" srcId="0" destId="3" srcOrd="2" destOrd="0"/>
-        <dgm:cxn modelId="8" srcId="0" destId="4" srcOrd="3" destOrd="0"/>
-      </dgm:cxnLst>
-      <dgm:bg/>
-      <dgm:whole/>
-    </dgm:dataModel>
-  </dgm:clrData>
-  <dgm:layoutNode name="linear">
-    <dgm:varLst>
-      <dgm:animLvl val="lvl"/>
-      <dgm:resizeHandles val="exact"/>
-    </dgm:varLst>
-    <dgm:alg type="lin">
-      <dgm:param type="linDir" val="fromT"/>
-      <dgm:param type="vertAlign" val="mid"/>
-    </dgm:alg>
-    <dgm:shape xmlns:r="http://schemas.openxmlformats.org/officeDocument/2006/relationships" r:blip="">
-      <dgm:adjLst/>
-    </dgm:shape>
-    <dgm:presOf/>
-    <dgm:constrLst>
-      <dgm:constr type="w" for="ch" forName="parentText" refType="w"/>
-      <dgm:constr type="h" for="ch" forName="parentText" refType="primFontSz" refFor="ch" refForName="parentText" fact="0.52"/>
-      <dgm:constr type="w" for="ch" forName="childText" refType="w"/>
-      <dgm:constr type="h" for="ch" forName="childText" refType="primFontSz" refFor="ch" refForName="parentText" fact="0.46"/>
-      <dgm:constr type="h" for="ch" forName="parentText" op="equ"/>
-      <dgm:constr type="primFontSz" for="ch" forName="parentText" op="equ" val="65"/>
-      <dgm:constr type="primFontSz" for="ch" forName="childText" refType="primFontSz" refFor="ch" refForName="parentText" op="equ"/>
-      <dgm:constr type="h" for="ch" forName="spacer" refType="primFontSz" refFor="ch" refForName="parentText" fact="0.08"/>
-    </dgm:constrLst>
-    <dgm:ruleLst>
-      <dgm:rule type="primFontSz" for="ch" forName="parentText" val="5" fact="NaN" max="NaN"/>
-    </dgm:ruleLst>
-    <dgm:forEach name="Name0" axis="ch" ptType="node">
-      <dgm:layoutNode name="parentText" styleLbl="node1">
-        <dgm:varLst>
-          <dgm:chMax val="0"/>
-          <dgm:bulletEnabled val="1"/>
-        </dgm:varLst>
-        <dgm:alg type="tx">
-          <dgm:param type="parTxLTRAlign" val="l"/>
-          <dgm:param type="parTxRTLAlign" val="r"/>
-        </dgm:alg>
-        <dgm:shape xmlns:r="http://schemas.openxmlformats.org/officeDocument/2006/relationships" type="roundRect" r:blip="">
-          <dgm:adjLst/>
-        </dgm:shape>
-        <dgm:presOf axis="self"/>
-        <dgm:constrLst>
-          <dgm:constr type="tMarg" refType="primFontSz" fact="0.3"/>
-          <dgm:constr type="bMarg" refType="primFontSz" fact="0.3"/>
-          <dgm:constr type="lMarg" refType="primFontSz" fact="0.3"/>
-          <dgm:constr type="rMarg" refType="primFontSz" fact="0.3"/>
-        </dgm:constrLst>
-        <dgm:ruleLst>
-          <dgm:rule type="h" val="INF" fact="NaN" max="NaN"/>
-        </dgm:ruleLst>
-      </dgm:layoutNode>
-      <dgm:choose name="Name1">
-        <dgm:if name="Name2" axis="ch" ptType="node" func="cnt" op="gte" val="1">
-          <dgm:layoutNode name="childText" styleLbl="revTx">
-            <dgm:varLst>
-              <dgm:bulletEnabled val="1"/>
-            </dgm:varLst>
-            <dgm:alg type="tx">
-              <dgm:param type="stBulletLvl" val="1"/>
-              <dgm:param type="lnSpAfChP" val="20"/>
-            </dgm:alg>
-            <dgm:shape xmlns:r="http://schemas.openxmlformats.org/officeDocument/2006/relationships" type="rect" r:blip="">
-              <dgm:adjLst/>
-            </dgm:shape>
-            <dgm:presOf axis="des" ptType="node"/>
-            <dgm:constrLst>
-              <dgm:constr type="tMarg" refType="primFontSz" fact="0.1"/>
-              <dgm:constr type="bMarg" refType="primFontSz" fact="0.1"/>
-              <dgm:constr type="lMarg" refType="w" fact="0.09"/>
-            </dgm:constrLst>
-            <dgm:ruleLst>
-              <dgm:rule type="h" val="INF" fact="NaN" max="NaN"/>
-            </dgm:ruleLst>
-          </dgm:layoutNode>
-        </dgm:if>
-        <dgm:else name="Name3">
-          <dgm:choose name="Name4">
-            <dgm:if name="Name5" axis="par ch" ptType="doc node" func="cnt" op="gte" val="2">
-              <dgm:forEach name="Name6" axis="followSib" ptType="sibTrans" cnt="1">
-                <dgm:layoutNode name="spacer">
-                  <dgm:alg type="sp"/>
-                  <dgm:shape xmlns:r="http://schemas.openxmlformats.org/officeDocument/2006/relationships" r:blip="">
-                    <dgm:adjLst/>
-                  </dgm:shape>
-                  <dgm:presOf/>
-                  <dgm:constrLst/>
-                  <dgm:ruleLst/>
-                </dgm:layoutNode>
-              </dgm:forEach>
-            </dgm:if>
-            <dgm:else name="Name7"/>
-          </dgm:choose>
-        </dgm:else>
-      </dgm:choose>
-    </dgm:forEach>
-  </dgm:layoutNode>
-</dgm:layoutDef>
-</file>
-
 <file path=ppt/diagrams/layout3.xml><?xml version="1.0" encoding="utf-8"?>
 <dgm:layoutDef xmlns:dgm="http://schemas.openxmlformats.org/drawingml/2006/diagram" xmlns:a="http://schemas.openxmlformats.org/drawingml/2006/main" uniqueId="urn:microsoft.com/office/officeart/2005/8/layout/vList2">
   <dgm:title val=""/>
@@ -36758,2074 +34703,6 @@
 </file>
 
 <file path=ppt/diagrams/quickStyle21.xml><?xml version="1.0" encoding="utf-8"?>
-<dgm:styleDef xmlns:dgm="http://schemas.openxmlformats.org/drawingml/2006/diagram" xmlns:a="http://schemas.openxmlformats.org/drawingml/2006/main" uniqueId="urn:microsoft.com/office/officeart/2005/8/quickstyle/simple1">
-  <dgm:title val=""/>
-  <dgm:desc val=""/>
-  <dgm:catLst>
-    <dgm:cat type="simple" pri="10100"/>
-  </dgm:catLst>
-  <dgm:scene3d>
-    <a:camera prst="orthographicFront"/>
-    <a:lightRig rig="threePt" dir="t"/>
-  </dgm:scene3d>
-  <dgm:styleLbl name="node0">
-    <dgm:scene3d>
-      <a:camera prst="orthographicFront"/>
-      <a:lightRig rig="threePt" dir="t"/>
-    </dgm:scene3d>
-    <dgm:sp3d/>
-    <dgm:txPr/>
-    <dgm:style>
-      <a:lnRef idx="2">
-        <a:scrgbClr r="0" g="0" b="0"/>
-      </a:lnRef>
-      <a:fillRef idx="1">
-        <a:scrgbClr r="0" g="0" b="0"/>
-      </a:fillRef>
-      <a:effectRef idx="0">
-        <a:scrgbClr r="0" g="0" b="0"/>
-      </a:effectRef>
-      <a:fontRef idx="minor">
-        <a:schemeClr val="lt1"/>
-      </a:fontRef>
-    </dgm:style>
-  </dgm:styleLbl>
-  <dgm:styleLbl name="lnNode1">
-    <dgm:scene3d>
-      <a:camera prst="orthographicFront"/>
-      <a:lightRig rig="threePt" dir="t"/>
-    </dgm:scene3d>
-    <dgm:sp3d/>
-    <dgm:txPr/>
-    <dgm:style>
-      <a:lnRef idx="2">
-        <a:scrgbClr r="0" g="0" b="0"/>
-      </a:lnRef>
-      <a:fillRef idx="1">
-        <a:scrgbClr r="0" g="0" b="0"/>
-      </a:fillRef>
-      <a:effectRef idx="0">
-        <a:scrgbClr r="0" g="0" b="0"/>
-      </a:effectRef>
-      <a:fontRef idx="minor">
-        <a:schemeClr val="lt1"/>
-      </a:fontRef>
-    </dgm:style>
-  </dgm:styleLbl>
-  <dgm:styleLbl name="vennNode1">
-    <dgm:scene3d>
-      <a:camera prst="orthographicFront"/>
-      <a:lightRig rig="threePt" dir="t"/>
-    </dgm:scene3d>
-    <dgm:sp3d/>
-    <dgm:txPr/>
-    <dgm:style>
-      <a:lnRef idx="2">
-        <a:scrgbClr r="0" g="0" b="0"/>
-      </a:lnRef>
-      <a:fillRef idx="1">
-        <a:scrgbClr r="0" g="0" b="0"/>
-      </a:fillRef>
-      <a:effectRef idx="0">
-        <a:scrgbClr r="0" g="0" b="0"/>
-      </a:effectRef>
-      <a:fontRef idx="minor">
-        <a:schemeClr val="tx1"/>
-      </a:fontRef>
-    </dgm:style>
-  </dgm:styleLbl>
-  <dgm:styleLbl name="alignNode1">
-    <dgm:scene3d>
-      <a:camera prst="orthographicFront"/>
-      <a:lightRig rig="threePt" dir="t"/>
-    </dgm:scene3d>
-    <dgm:sp3d/>
-    <dgm:txPr/>
-    <dgm:style>
-      <a:lnRef idx="2">
-        <a:scrgbClr r="0" g="0" b="0"/>
-      </a:lnRef>
-      <a:fillRef idx="1">
-        <a:scrgbClr r="0" g="0" b="0"/>
-      </a:fillRef>
-      <a:effectRef idx="0">
-        <a:scrgbClr r="0" g="0" b="0"/>
-      </a:effectRef>
-      <a:fontRef idx="minor">
-        <a:schemeClr val="lt1"/>
-      </a:fontRef>
-    </dgm:style>
-  </dgm:styleLbl>
-  <dgm:styleLbl name="node1">
-    <dgm:scene3d>
-      <a:camera prst="orthographicFront"/>
-      <a:lightRig rig="threePt" dir="t"/>
-    </dgm:scene3d>
-    <dgm:sp3d/>
-    <dgm:txPr/>
-    <dgm:style>
-      <a:lnRef idx="2">
-        <a:scrgbClr r="0" g="0" b="0"/>
-      </a:lnRef>
-      <a:fillRef idx="1">
-        <a:scrgbClr r="0" g="0" b="0"/>
-      </a:fillRef>
-      <a:effectRef idx="0">
-        <a:scrgbClr r="0" g="0" b="0"/>
-      </a:effectRef>
-      <a:fontRef idx="minor">
-        <a:schemeClr val="lt1"/>
-      </a:fontRef>
-    </dgm:style>
-  </dgm:styleLbl>
-  <dgm:styleLbl name="node2">
-    <dgm:scene3d>
-      <a:camera prst="orthographicFront"/>
-      <a:lightRig rig="threePt" dir="t"/>
-    </dgm:scene3d>
-    <dgm:sp3d/>
-    <dgm:txPr/>
-    <dgm:style>
-      <a:lnRef idx="2">
-        <a:scrgbClr r="0" g="0" b="0"/>
-      </a:lnRef>
-      <a:fillRef idx="1">
-        <a:scrgbClr r="0" g="0" b="0"/>
-      </a:fillRef>
-      <a:effectRef idx="0">
-        <a:scrgbClr r="0" g="0" b="0"/>
-      </a:effectRef>
-      <a:fontRef idx="minor">
-        <a:schemeClr val="lt1"/>
-      </a:fontRef>
-    </dgm:style>
-  </dgm:styleLbl>
-  <dgm:styleLbl name="node3">
-    <dgm:scene3d>
-      <a:camera prst="orthographicFront"/>
-      <a:lightRig rig="threePt" dir="t"/>
-    </dgm:scene3d>
-    <dgm:sp3d/>
-    <dgm:txPr/>
-    <dgm:style>
-      <a:lnRef idx="2">
-        <a:scrgbClr r="0" g="0" b="0"/>
-      </a:lnRef>
-      <a:fillRef idx="1">
-        <a:scrgbClr r="0" g="0" b="0"/>
-      </a:fillRef>
-      <a:effectRef idx="0">
-        <a:scrgbClr r="0" g="0" b="0"/>
-      </a:effectRef>
-      <a:fontRef idx="minor">
-        <a:schemeClr val="lt1"/>
-      </a:fontRef>
-    </dgm:style>
-  </dgm:styleLbl>
-  <dgm:styleLbl name="node4">
-    <dgm:scene3d>
-      <a:camera prst="orthographicFront"/>
-      <a:lightRig rig="threePt" dir="t"/>
-    </dgm:scene3d>
-    <dgm:sp3d/>
-    <dgm:txPr/>
-    <dgm:style>
-      <a:lnRef idx="2">
-        <a:scrgbClr r="0" g="0" b="0"/>
-      </a:lnRef>
-      <a:fillRef idx="1">
-        <a:scrgbClr r="0" g="0" b="0"/>
-      </a:fillRef>
-      <a:effectRef idx="0">
-        <a:scrgbClr r="0" g="0" b="0"/>
-      </a:effectRef>
-      <a:fontRef idx="minor">
-        <a:schemeClr val="lt1"/>
-      </a:fontRef>
-    </dgm:style>
-  </dgm:styleLbl>
-  <dgm:styleLbl name="fgImgPlace1">
-    <dgm:scene3d>
-      <a:camera prst="orthographicFront"/>
-      <a:lightRig rig="threePt" dir="t"/>
-    </dgm:scene3d>
-    <dgm:sp3d/>
-    <dgm:txPr/>
-    <dgm:style>
-      <a:lnRef idx="2">
-        <a:scrgbClr r="0" g="0" b="0"/>
-      </a:lnRef>
-      <a:fillRef idx="1">
-        <a:scrgbClr r="0" g="0" b="0"/>
-      </a:fillRef>
-      <a:effectRef idx="0">
-        <a:scrgbClr r="0" g="0" b="0"/>
-      </a:effectRef>
-      <a:fontRef idx="minor"/>
-    </dgm:style>
-  </dgm:styleLbl>
-  <dgm:styleLbl name="alignImgPlace1">
-    <dgm:scene3d>
-      <a:camera prst="orthographicFront"/>
-      <a:lightRig rig="threePt" dir="t"/>
-    </dgm:scene3d>
-    <dgm:sp3d/>
-    <dgm:txPr/>
-    <dgm:style>
-      <a:lnRef idx="2">
-        <a:scrgbClr r="0" g="0" b="0"/>
-      </a:lnRef>
-      <a:fillRef idx="1">
-        <a:scrgbClr r="0" g="0" b="0"/>
-      </a:fillRef>
-      <a:effectRef idx="0">
-        <a:scrgbClr r="0" g="0" b="0"/>
-      </a:effectRef>
-      <a:fontRef idx="minor"/>
-    </dgm:style>
-  </dgm:styleLbl>
-  <dgm:styleLbl name="bgImgPlace1">
-    <dgm:scene3d>
-      <a:camera prst="orthographicFront"/>
-      <a:lightRig rig="threePt" dir="t"/>
-    </dgm:scene3d>
-    <dgm:sp3d/>
-    <dgm:txPr/>
-    <dgm:style>
-      <a:lnRef idx="2">
-        <a:scrgbClr r="0" g="0" b="0"/>
-      </a:lnRef>
-      <a:fillRef idx="1">
-        <a:scrgbClr r="0" g="0" b="0"/>
-      </a:fillRef>
-      <a:effectRef idx="0">
-        <a:scrgbClr r="0" g="0" b="0"/>
-      </a:effectRef>
-      <a:fontRef idx="minor"/>
-    </dgm:style>
-  </dgm:styleLbl>
-  <dgm:styleLbl name="sibTrans2D1">
-    <dgm:scene3d>
-      <a:camera prst="orthographicFront"/>
-      <a:lightRig rig="threePt" dir="t"/>
-    </dgm:scene3d>
-    <dgm:sp3d/>
-    <dgm:txPr/>
-    <dgm:style>
-      <a:lnRef idx="0">
-        <a:scrgbClr r="0" g="0" b="0"/>
-      </a:lnRef>
-      <a:fillRef idx="1">
-        <a:scrgbClr r="0" g="0" b="0"/>
-      </a:fillRef>
-      <a:effectRef idx="0">
-        <a:scrgbClr r="0" g="0" b="0"/>
-      </a:effectRef>
-      <a:fontRef idx="minor">
-        <a:schemeClr val="lt1"/>
-      </a:fontRef>
-    </dgm:style>
-  </dgm:styleLbl>
-  <dgm:styleLbl name="fgSibTrans2D1">
-    <dgm:scene3d>
-      <a:camera prst="orthographicFront"/>
-      <a:lightRig rig="threePt" dir="t"/>
-    </dgm:scene3d>
-    <dgm:sp3d/>
-    <dgm:txPr/>
-    <dgm:style>
-      <a:lnRef idx="0">
-        <a:scrgbClr r="0" g="0" b="0"/>
-      </a:lnRef>
-      <a:fillRef idx="1">
-        <a:scrgbClr r="0" g="0" b="0"/>
-      </a:fillRef>
-      <a:effectRef idx="0">
-        <a:scrgbClr r="0" g="0" b="0"/>
-      </a:effectRef>
-      <a:fontRef idx="minor">
-        <a:schemeClr val="lt1"/>
-      </a:fontRef>
-    </dgm:style>
-  </dgm:styleLbl>
-  <dgm:styleLbl name="bgSibTrans2D1">
-    <dgm:scene3d>
-      <a:camera prst="orthographicFront"/>
-      <a:lightRig rig="threePt" dir="t"/>
-    </dgm:scene3d>
-    <dgm:sp3d/>
-    <dgm:txPr/>
-    <dgm:style>
-      <a:lnRef idx="0">
-        <a:scrgbClr r="0" g="0" b="0"/>
-      </a:lnRef>
-      <a:fillRef idx="1">
-        <a:scrgbClr r="0" g="0" b="0"/>
-      </a:fillRef>
-      <a:effectRef idx="0">
-        <a:scrgbClr r="0" g="0" b="0"/>
-      </a:effectRef>
-      <a:fontRef idx="minor">
-        <a:schemeClr val="lt1"/>
-      </a:fontRef>
-    </dgm:style>
-  </dgm:styleLbl>
-  <dgm:styleLbl name="sibTrans1D1">
-    <dgm:scene3d>
-      <a:camera prst="orthographicFront"/>
-      <a:lightRig rig="threePt" dir="t"/>
-    </dgm:scene3d>
-    <dgm:sp3d/>
-    <dgm:txPr/>
-    <dgm:style>
-      <a:lnRef idx="1">
-        <a:scrgbClr r="0" g="0" b="0"/>
-      </a:lnRef>
-      <a:fillRef idx="0">
-        <a:scrgbClr r="0" g="0" b="0"/>
-      </a:fillRef>
-      <a:effectRef idx="0">
-        <a:scrgbClr r="0" g="0" b="0"/>
-      </a:effectRef>
-      <a:fontRef idx="minor"/>
-    </dgm:style>
-  </dgm:styleLbl>
-  <dgm:styleLbl name="callout">
-    <dgm:scene3d>
-      <a:camera prst="orthographicFront"/>
-      <a:lightRig rig="threePt" dir="t"/>
-    </dgm:scene3d>
-    <dgm:sp3d/>
-    <dgm:txPr/>
-    <dgm:style>
-      <a:lnRef idx="2">
-        <a:scrgbClr r="0" g="0" b="0"/>
-      </a:lnRef>
-      <a:fillRef idx="1">
-        <a:scrgbClr r="0" g="0" b="0"/>
-      </a:fillRef>
-      <a:effectRef idx="0">
-        <a:scrgbClr r="0" g="0" b="0"/>
-      </a:effectRef>
-      <a:fontRef idx="minor"/>
-    </dgm:style>
-  </dgm:styleLbl>
-  <dgm:styleLbl name="asst0">
-    <dgm:scene3d>
-      <a:camera prst="orthographicFront"/>
-      <a:lightRig rig="threePt" dir="t"/>
-    </dgm:scene3d>
-    <dgm:sp3d/>
-    <dgm:txPr/>
-    <dgm:style>
-      <a:lnRef idx="2">
-        <a:scrgbClr r="0" g="0" b="0"/>
-      </a:lnRef>
-      <a:fillRef idx="1">
-        <a:scrgbClr r="0" g="0" b="0"/>
-      </a:fillRef>
-      <a:effectRef idx="0">
-        <a:scrgbClr r="0" g="0" b="0"/>
-      </a:effectRef>
-      <a:fontRef idx="minor">
-        <a:schemeClr val="lt1"/>
-      </a:fontRef>
-    </dgm:style>
-  </dgm:styleLbl>
-  <dgm:styleLbl name="asst1">
-    <dgm:scene3d>
-      <a:camera prst="orthographicFront"/>
-      <a:lightRig rig="threePt" dir="t"/>
-    </dgm:scene3d>
-    <dgm:sp3d/>
-    <dgm:txPr/>
-    <dgm:style>
-      <a:lnRef idx="2">
-        <a:scrgbClr r="0" g="0" b="0"/>
-      </a:lnRef>
-      <a:fillRef idx="1">
-        <a:scrgbClr r="0" g="0" b="0"/>
-      </a:fillRef>
-      <a:effectRef idx="0">
-        <a:scrgbClr r="0" g="0" b="0"/>
-      </a:effectRef>
-      <a:fontRef idx="minor">
-        <a:schemeClr val="lt1"/>
-      </a:fontRef>
-    </dgm:style>
-  </dgm:styleLbl>
-  <dgm:styleLbl name="asst2">
-    <dgm:scene3d>
-      <a:camera prst="orthographicFront"/>
-      <a:lightRig rig="threePt" dir="t"/>
-    </dgm:scene3d>
-    <dgm:sp3d/>
-    <dgm:txPr/>
-    <dgm:style>
-      <a:lnRef idx="2">
-        <a:scrgbClr r="0" g="0" b="0"/>
-      </a:lnRef>
-      <a:fillRef idx="1">
-        <a:scrgbClr r="0" g="0" b="0"/>
-      </a:fillRef>
-      <a:effectRef idx="0">
-        <a:scrgbClr r="0" g="0" b="0"/>
-      </a:effectRef>
-      <a:fontRef idx="minor">
-        <a:schemeClr val="lt1"/>
-      </a:fontRef>
-    </dgm:style>
-  </dgm:styleLbl>
-  <dgm:styleLbl name="asst3">
-    <dgm:scene3d>
-      <a:camera prst="orthographicFront"/>
-      <a:lightRig rig="threePt" dir="t"/>
-    </dgm:scene3d>
-    <dgm:sp3d/>
-    <dgm:txPr/>
-    <dgm:style>
-      <a:lnRef idx="2">
-        <a:scrgbClr r="0" g="0" b="0"/>
-      </a:lnRef>
-      <a:fillRef idx="1">
-        <a:scrgbClr r="0" g="0" b="0"/>
-      </a:fillRef>
-      <a:effectRef idx="0">
-        <a:scrgbClr r="0" g="0" b="0"/>
-      </a:effectRef>
-      <a:fontRef idx="minor">
-        <a:schemeClr val="lt1"/>
-      </a:fontRef>
-    </dgm:style>
-  </dgm:styleLbl>
-  <dgm:styleLbl name="asst4">
-    <dgm:scene3d>
-      <a:camera prst="orthographicFront"/>
-      <a:lightRig rig="threePt" dir="t"/>
-    </dgm:scene3d>
-    <dgm:sp3d/>
-    <dgm:txPr/>
-    <dgm:style>
-      <a:lnRef idx="2">
-        <a:scrgbClr r="0" g="0" b="0"/>
-      </a:lnRef>
-      <a:fillRef idx="1">
-        <a:scrgbClr r="0" g="0" b="0"/>
-      </a:fillRef>
-      <a:effectRef idx="0">
-        <a:scrgbClr r="0" g="0" b="0"/>
-      </a:effectRef>
-      <a:fontRef idx="minor">
-        <a:schemeClr val="lt1"/>
-      </a:fontRef>
-    </dgm:style>
-  </dgm:styleLbl>
-  <dgm:styleLbl name="parChTrans2D1">
-    <dgm:scene3d>
-      <a:camera prst="orthographicFront"/>
-      <a:lightRig rig="threePt" dir="t"/>
-    </dgm:scene3d>
-    <dgm:sp3d/>
-    <dgm:txPr/>
-    <dgm:style>
-      <a:lnRef idx="2">
-        <a:scrgbClr r="0" g="0" b="0"/>
-      </a:lnRef>
-      <a:fillRef idx="1">
-        <a:scrgbClr r="0" g="0" b="0"/>
-      </a:fillRef>
-      <a:effectRef idx="0">
-        <a:scrgbClr r="0" g="0" b="0"/>
-      </a:effectRef>
-      <a:fontRef idx="minor">
-        <a:schemeClr val="lt1"/>
-      </a:fontRef>
-    </dgm:style>
-  </dgm:styleLbl>
-  <dgm:styleLbl name="parChTrans2D2">
-    <dgm:scene3d>
-      <a:camera prst="orthographicFront"/>
-      <a:lightRig rig="threePt" dir="t"/>
-    </dgm:scene3d>
-    <dgm:sp3d/>
-    <dgm:txPr/>
-    <dgm:style>
-      <a:lnRef idx="2">
-        <a:scrgbClr r="0" g="0" b="0"/>
-      </a:lnRef>
-      <a:fillRef idx="1">
-        <a:scrgbClr r="0" g="0" b="0"/>
-      </a:fillRef>
-      <a:effectRef idx="0">
-        <a:scrgbClr r="0" g="0" b="0"/>
-      </a:effectRef>
-      <a:fontRef idx="minor">
-        <a:schemeClr val="lt1"/>
-      </a:fontRef>
-    </dgm:style>
-  </dgm:styleLbl>
-  <dgm:styleLbl name="parChTrans2D3">
-    <dgm:scene3d>
-      <a:camera prst="orthographicFront"/>
-      <a:lightRig rig="threePt" dir="t"/>
-    </dgm:scene3d>
-    <dgm:sp3d/>
-    <dgm:txPr/>
-    <dgm:style>
-      <a:lnRef idx="2">
-        <a:scrgbClr r="0" g="0" b="0"/>
-      </a:lnRef>
-      <a:fillRef idx="1">
-        <a:scrgbClr r="0" g="0" b="0"/>
-      </a:fillRef>
-      <a:effectRef idx="0">
-        <a:scrgbClr r="0" g="0" b="0"/>
-      </a:effectRef>
-      <a:fontRef idx="minor">
-        <a:schemeClr val="lt1"/>
-      </a:fontRef>
-    </dgm:style>
-  </dgm:styleLbl>
-  <dgm:styleLbl name="parChTrans2D4">
-    <dgm:scene3d>
-      <a:camera prst="orthographicFront"/>
-      <a:lightRig rig="threePt" dir="t"/>
-    </dgm:scene3d>
-    <dgm:sp3d/>
-    <dgm:txPr/>
-    <dgm:style>
-      <a:lnRef idx="2">
-        <a:scrgbClr r="0" g="0" b="0"/>
-      </a:lnRef>
-      <a:fillRef idx="1">
-        <a:scrgbClr r="0" g="0" b="0"/>
-      </a:fillRef>
-      <a:effectRef idx="0">
-        <a:scrgbClr r="0" g="0" b="0"/>
-      </a:effectRef>
-      <a:fontRef idx="minor">
-        <a:schemeClr val="lt1"/>
-      </a:fontRef>
-    </dgm:style>
-  </dgm:styleLbl>
-  <dgm:styleLbl name="parChTrans1D1">
-    <dgm:scene3d>
-      <a:camera prst="orthographicFront"/>
-      <a:lightRig rig="threePt" dir="t"/>
-    </dgm:scene3d>
-    <dgm:sp3d/>
-    <dgm:txPr/>
-    <dgm:style>
-      <a:lnRef idx="2">
-        <a:scrgbClr r="0" g="0" b="0"/>
-      </a:lnRef>
-      <a:fillRef idx="0">
-        <a:scrgbClr r="0" g="0" b="0"/>
-      </a:fillRef>
-      <a:effectRef idx="0">
-        <a:scrgbClr r="0" g="0" b="0"/>
-      </a:effectRef>
-      <a:fontRef idx="minor"/>
-    </dgm:style>
-  </dgm:styleLbl>
-  <dgm:styleLbl name="parChTrans1D2">
-    <dgm:scene3d>
-      <a:camera prst="orthographicFront"/>
-      <a:lightRig rig="threePt" dir="t"/>
-    </dgm:scene3d>
-    <dgm:sp3d/>
-    <dgm:txPr/>
-    <dgm:style>
-      <a:lnRef idx="2">
-        <a:scrgbClr r="0" g="0" b="0"/>
-      </a:lnRef>
-      <a:fillRef idx="0">
-        <a:scrgbClr r="0" g="0" b="0"/>
-      </a:fillRef>
-      <a:effectRef idx="0">
-        <a:scrgbClr r="0" g="0" b="0"/>
-      </a:effectRef>
-      <a:fontRef idx="minor"/>
-    </dgm:style>
-  </dgm:styleLbl>
-  <dgm:styleLbl name="parChTrans1D3">
-    <dgm:scene3d>
-      <a:camera prst="orthographicFront"/>
-      <a:lightRig rig="threePt" dir="t"/>
-    </dgm:scene3d>
-    <dgm:sp3d/>
-    <dgm:txPr/>
-    <dgm:style>
-      <a:lnRef idx="2">
-        <a:scrgbClr r="0" g="0" b="0"/>
-      </a:lnRef>
-      <a:fillRef idx="0">
-        <a:scrgbClr r="0" g="0" b="0"/>
-      </a:fillRef>
-      <a:effectRef idx="0">
-        <a:scrgbClr r="0" g="0" b="0"/>
-      </a:effectRef>
-      <a:fontRef idx="minor"/>
-    </dgm:style>
-  </dgm:styleLbl>
-  <dgm:styleLbl name="parChTrans1D4">
-    <dgm:scene3d>
-      <a:camera prst="orthographicFront"/>
-      <a:lightRig rig="threePt" dir="t"/>
-    </dgm:scene3d>
-    <dgm:sp3d/>
-    <dgm:txPr/>
-    <dgm:style>
-      <a:lnRef idx="2">
-        <a:scrgbClr r="0" g="0" b="0"/>
-      </a:lnRef>
-      <a:fillRef idx="0">
-        <a:scrgbClr r="0" g="0" b="0"/>
-      </a:fillRef>
-      <a:effectRef idx="0">
-        <a:scrgbClr r="0" g="0" b="0"/>
-      </a:effectRef>
-      <a:fontRef idx="minor"/>
-    </dgm:style>
-  </dgm:styleLbl>
-  <dgm:styleLbl name="fgAcc1">
-    <dgm:scene3d>
-      <a:camera prst="orthographicFront"/>
-      <a:lightRig rig="threePt" dir="t"/>
-    </dgm:scene3d>
-    <dgm:sp3d/>
-    <dgm:txPr/>
-    <dgm:style>
-      <a:lnRef idx="2">
-        <a:scrgbClr r="0" g="0" b="0"/>
-      </a:lnRef>
-      <a:fillRef idx="1">
-        <a:scrgbClr r="0" g="0" b="0"/>
-      </a:fillRef>
-      <a:effectRef idx="0">
-        <a:scrgbClr r="0" g="0" b="0"/>
-      </a:effectRef>
-      <a:fontRef idx="minor"/>
-    </dgm:style>
-  </dgm:styleLbl>
-  <dgm:styleLbl name="conFgAcc1">
-    <dgm:scene3d>
-      <a:camera prst="orthographicFront"/>
-      <a:lightRig rig="threePt" dir="t"/>
-    </dgm:scene3d>
-    <dgm:sp3d/>
-    <dgm:txPr/>
-    <dgm:style>
-      <a:lnRef idx="2">
-        <a:scrgbClr r="0" g="0" b="0"/>
-      </a:lnRef>
-      <a:fillRef idx="1">
-        <a:scrgbClr r="0" g="0" b="0"/>
-      </a:fillRef>
-      <a:effectRef idx="0">
-        <a:scrgbClr r="0" g="0" b="0"/>
-      </a:effectRef>
-      <a:fontRef idx="minor"/>
-    </dgm:style>
-  </dgm:styleLbl>
-  <dgm:styleLbl name="alignAcc1">
-    <dgm:scene3d>
-      <a:camera prst="orthographicFront"/>
-      <a:lightRig rig="threePt" dir="t"/>
-    </dgm:scene3d>
-    <dgm:sp3d/>
-    <dgm:txPr/>
-    <dgm:style>
-      <a:lnRef idx="2">
-        <a:scrgbClr r="0" g="0" b="0"/>
-      </a:lnRef>
-      <a:fillRef idx="1">
-        <a:scrgbClr r="0" g="0" b="0"/>
-      </a:fillRef>
-      <a:effectRef idx="0">
-        <a:scrgbClr r="0" g="0" b="0"/>
-      </a:effectRef>
-      <a:fontRef idx="minor"/>
-    </dgm:style>
-  </dgm:styleLbl>
-  <dgm:styleLbl name="trAlignAcc1">
-    <dgm:scene3d>
-      <a:camera prst="orthographicFront"/>
-      <a:lightRig rig="threePt" dir="t"/>
-    </dgm:scene3d>
-    <dgm:sp3d/>
-    <dgm:txPr/>
-    <dgm:style>
-      <a:lnRef idx="1">
-        <a:scrgbClr r="0" g="0" b="0"/>
-      </a:lnRef>
-      <a:fillRef idx="1">
-        <a:scrgbClr r="0" g="0" b="0"/>
-      </a:fillRef>
-      <a:effectRef idx="0">
-        <a:scrgbClr r="0" g="0" b="0"/>
-      </a:effectRef>
-      <a:fontRef idx="minor"/>
-    </dgm:style>
-  </dgm:styleLbl>
-  <dgm:styleLbl name="bgAcc1">
-    <dgm:scene3d>
-      <a:camera prst="orthographicFront"/>
-      <a:lightRig rig="threePt" dir="t"/>
-    </dgm:scene3d>
-    <dgm:sp3d/>
-    <dgm:txPr/>
-    <dgm:style>
-      <a:lnRef idx="2">
-        <a:scrgbClr r="0" g="0" b="0"/>
-      </a:lnRef>
-      <a:fillRef idx="1">
-        <a:scrgbClr r="0" g="0" b="0"/>
-      </a:fillRef>
-      <a:effectRef idx="0">
-        <a:scrgbClr r="0" g="0" b="0"/>
-      </a:effectRef>
-      <a:fontRef idx="minor"/>
-    </dgm:style>
-  </dgm:styleLbl>
-  <dgm:styleLbl name="solidFgAcc1">
-    <dgm:scene3d>
-      <a:camera prst="orthographicFront"/>
-      <a:lightRig rig="threePt" dir="t"/>
-    </dgm:scene3d>
-    <dgm:sp3d/>
-    <dgm:txPr/>
-    <dgm:style>
-      <a:lnRef idx="2">
-        <a:scrgbClr r="0" g="0" b="0"/>
-      </a:lnRef>
-      <a:fillRef idx="1">
-        <a:scrgbClr r="0" g="0" b="0"/>
-      </a:fillRef>
-      <a:effectRef idx="0">
-        <a:scrgbClr r="0" g="0" b="0"/>
-      </a:effectRef>
-      <a:fontRef idx="minor"/>
-    </dgm:style>
-  </dgm:styleLbl>
-  <dgm:styleLbl name="solidAlignAcc1">
-    <dgm:scene3d>
-      <a:camera prst="orthographicFront"/>
-      <a:lightRig rig="threePt" dir="t"/>
-    </dgm:scene3d>
-    <dgm:sp3d/>
-    <dgm:txPr/>
-    <dgm:style>
-      <a:lnRef idx="2">
-        <a:scrgbClr r="0" g="0" b="0"/>
-      </a:lnRef>
-      <a:fillRef idx="1">
-        <a:scrgbClr r="0" g="0" b="0"/>
-      </a:fillRef>
-      <a:effectRef idx="0">
-        <a:scrgbClr r="0" g="0" b="0"/>
-      </a:effectRef>
-      <a:fontRef idx="minor"/>
-    </dgm:style>
-  </dgm:styleLbl>
-  <dgm:styleLbl name="solidBgAcc1">
-    <dgm:scene3d>
-      <a:camera prst="orthographicFront"/>
-      <a:lightRig rig="threePt" dir="t"/>
-    </dgm:scene3d>
-    <dgm:sp3d/>
-    <dgm:txPr/>
-    <dgm:style>
-      <a:lnRef idx="2">
-        <a:scrgbClr r="0" g="0" b="0"/>
-      </a:lnRef>
-      <a:fillRef idx="1">
-        <a:scrgbClr r="0" g="0" b="0"/>
-      </a:fillRef>
-      <a:effectRef idx="0">
-        <a:scrgbClr r="0" g="0" b="0"/>
-      </a:effectRef>
-      <a:fontRef idx="minor"/>
-    </dgm:style>
-  </dgm:styleLbl>
-  <dgm:styleLbl name="fgAccFollowNode1">
-    <dgm:scene3d>
-      <a:camera prst="orthographicFront"/>
-      <a:lightRig rig="threePt" dir="t"/>
-    </dgm:scene3d>
-    <dgm:sp3d/>
-    <dgm:txPr/>
-    <dgm:style>
-      <a:lnRef idx="2">
-        <a:scrgbClr r="0" g="0" b="0"/>
-      </a:lnRef>
-      <a:fillRef idx="1">
-        <a:scrgbClr r="0" g="0" b="0"/>
-      </a:fillRef>
-      <a:effectRef idx="0">
-        <a:scrgbClr r="0" g="0" b="0"/>
-      </a:effectRef>
-      <a:fontRef idx="minor"/>
-    </dgm:style>
-  </dgm:styleLbl>
-  <dgm:styleLbl name="alignAccFollowNode1">
-    <dgm:scene3d>
-      <a:camera prst="orthographicFront"/>
-      <a:lightRig rig="threePt" dir="t"/>
-    </dgm:scene3d>
-    <dgm:sp3d/>
-    <dgm:txPr/>
-    <dgm:style>
-      <a:lnRef idx="2">
-        <a:scrgbClr r="0" g="0" b="0"/>
-      </a:lnRef>
-      <a:fillRef idx="1">
-        <a:scrgbClr r="0" g="0" b="0"/>
-      </a:fillRef>
-      <a:effectRef idx="0">
-        <a:scrgbClr r="0" g="0" b="0"/>
-      </a:effectRef>
-      <a:fontRef idx="minor"/>
-    </dgm:style>
-  </dgm:styleLbl>
-  <dgm:styleLbl name="bgAccFollowNode1">
-    <dgm:scene3d>
-      <a:camera prst="orthographicFront"/>
-      <a:lightRig rig="threePt" dir="t"/>
-    </dgm:scene3d>
-    <dgm:sp3d/>
-    <dgm:txPr/>
-    <dgm:style>
-      <a:lnRef idx="2">
-        <a:scrgbClr r="0" g="0" b="0"/>
-      </a:lnRef>
-      <a:fillRef idx="1">
-        <a:scrgbClr r="0" g="0" b="0"/>
-      </a:fillRef>
-      <a:effectRef idx="0">
-        <a:scrgbClr r="0" g="0" b="0"/>
-      </a:effectRef>
-      <a:fontRef idx="minor"/>
-    </dgm:style>
-  </dgm:styleLbl>
-  <dgm:styleLbl name="fgAcc0">
-    <dgm:scene3d>
-      <a:camera prst="orthographicFront"/>
-      <a:lightRig rig="threePt" dir="t"/>
-    </dgm:scene3d>
-    <dgm:sp3d/>
-    <dgm:txPr/>
-    <dgm:style>
-      <a:lnRef idx="2">
-        <a:scrgbClr r="0" g="0" b="0"/>
-      </a:lnRef>
-      <a:fillRef idx="1">
-        <a:scrgbClr r="0" g="0" b="0"/>
-      </a:fillRef>
-      <a:effectRef idx="0">
-        <a:scrgbClr r="0" g="0" b="0"/>
-      </a:effectRef>
-      <a:fontRef idx="minor"/>
-    </dgm:style>
-  </dgm:styleLbl>
-  <dgm:styleLbl name="fgAcc2">
-    <dgm:scene3d>
-      <a:camera prst="orthographicFront"/>
-      <a:lightRig rig="threePt" dir="t"/>
-    </dgm:scene3d>
-    <dgm:sp3d/>
-    <dgm:txPr/>
-    <dgm:style>
-      <a:lnRef idx="2">
-        <a:scrgbClr r="0" g="0" b="0"/>
-      </a:lnRef>
-      <a:fillRef idx="1">
-        <a:scrgbClr r="0" g="0" b="0"/>
-      </a:fillRef>
-      <a:effectRef idx="0">
-        <a:scrgbClr r="0" g="0" b="0"/>
-      </a:effectRef>
-      <a:fontRef idx="minor"/>
-    </dgm:style>
-  </dgm:styleLbl>
-  <dgm:styleLbl name="fgAcc3">
-    <dgm:scene3d>
-      <a:camera prst="orthographicFront"/>
-      <a:lightRig rig="threePt" dir="t"/>
-    </dgm:scene3d>
-    <dgm:sp3d/>
-    <dgm:txPr/>
-    <dgm:style>
-      <a:lnRef idx="2">
-        <a:scrgbClr r="0" g="0" b="0"/>
-      </a:lnRef>
-      <a:fillRef idx="1">
-        <a:scrgbClr r="0" g="0" b="0"/>
-      </a:fillRef>
-      <a:effectRef idx="0">
-        <a:scrgbClr r="0" g="0" b="0"/>
-      </a:effectRef>
-      <a:fontRef idx="minor"/>
-    </dgm:style>
-  </dgm:styleLbl>
-  <dgm:styleLbl name="fgAcc4">
-    <dgm:scene3d>
-      <a:camera prst="orthographicFront"/>
-      <a:lightRig rig="threePt" dir="t"/>
-    </dgm:scene3d>
-    <dgm:sp3d/>
-    <dgm:txPr/>
-    <dgm:style>
-      <a:lnRef idx="2">
-        <a:scrgbClr r="0" g="0" b="0"/>
-      </a:lnRef>
-      <a:fillRef idx="1">
-        <a:scrgbClr r="0" g="0" b="0"/>
-      </a:fillRef>
-      <a:effectRef idx="0">
-        <a:scrgbClr r="0" g="0" b="0"/>
-      </a:effectRef>
-      <a:fontRef idx="minor"/>
-    </dgm:style>
-  </dgm:styleLbl>
-  <dgm:styleLbl name="bgShp">
-    <dgm:scene3d>
-      <a:camera prst="orthographicFront"/>
-      <a:lightRig rig="threePt" dir="t"/>
-    </dgm:scene3d>
-    <dgm:sp3d/>
-    <dgm:txPr/>
-    <dgm:style>
-      <a:lnRef idx="0">
-        <a:scrgbClr r="0" g="0" b="0"/>
-      </a:lnRef>
-      <a:fillRef idx="1">
-        <a:scrgbClr r="0" g="0" b="0"/>
-      </a:fillRef>
-      <a:effectRef idx="0">
-        <a:scrgbClr r="0" g="0" b="0"/>
-      </a:effectRef>
-      <a:fontRef idx="minor"/>
-    </dgm:style>
-  </dgm:styleLbl>
-  <dgm:styleLbl name="dkBgShp">
-    <dgm:scene3d>
-      <a:camera prst="orthographicFront"/>
-      <a:lightRig rig="threePt" dir="t"/>
-    </dgm:scene3d>
-    <dgm:sp3d/>
-    <dgm:txPr/>
-    <dgm:style>
-      <a:lnRef idx="0">
-        <a:scrgbClr r="0" g="0" b="0"/>
-      </a:lnRef>
-      <a:fillRef idx="1">
-        <a:scrgbClr r="0" g="0" b="0"/>
-      </a:fillRef>
-      <a:effectRef idx="0">
-        <a:scrgbClr r="0" g="0" b="0"/>
-      </a:effectRef>
-      <a:fontRef idx="minor"/>
-    </dgm:style>
-  </dgm:styleLbl>
-  <dgm:styleLbl name="trBgShp">
-    <dgm:scene3d>
-      <a:camera prst="orthographicFront"/>
-      <a:lightRig rig="threePt" dir="t"/>
-    </dgm:scene3d>
-    <dgm:sp3d/>
-    <dgm:txPr/>
-    <dgm:style>
-      <a:lnRef idx="0">
-        <a:scrgbClr r="0" g="0" b="0"/>
-      </a:lnRef>
-      <a:fillRef idx="1">
-        <a:scrgbClr r="0" g="0" b="0"/>
-      </a:fillRef>
-      <a:effectRef idx="0">
-        <a:scrgbClr r="0" g="0" b="0"/>
-      </a:effectRef>
-      <a:fontRef idx="minor"/>
-    </dgm:style>
-  </dgm:styleLbl>
-  <dgm:styleLbl name="fgShp">
-    <dgm:scene3d>
-      <a:camera prst="orthographicFront"/>
-      <a:lightRig rig="threePt" dir="t"/>
-    </dgm:scene3d>
-    <dgm:sp3d/>
-    <dgm:txPr/>
-    <dgm:style>
-      <a:lnRef idx="2">
-        <a:scrgbClr r="0" g="0" b="0"/>
-      </a:lnRef>
-      <a:fillRef idx="1">
-        <a:scrgbClr r="0" g="0" b="0"/>
-      </a:fillRef>
-      <a:effectRef idx="0">
-        <a:scrgbClr r="0" g="0" b="0"/>
-      </a:effectRef>
-      <a:fontRef idx="minor"/>
-    </dgm:style>
-  </dgm:styleLbl>
-  <dgm:styleLbl name="revTx">
-    <dgm:scene3d>
-      <a:camera prst="orthographicFront"/>
-      <a:lightRig rig="threePt" dir="t"/>
-    </dgm:scene3d>
-    <dgm:sp3d/>
-    <dgm:txPr/>
-    <dgm:style>
-      <a:lnRef idx="0">
-        <a:scrgbClr r="0" g="0" b="0"/>
-      </a:lnRef>
-      <a:fillRef idx="0">
-        <a:scrgbClr r="0" g="0" b="0"/>
-      </a:fillRef>
-      <a:effectRef idx="0">
-        <a:scrgbClr r="0" g="0" b="0"/>
-      </a:effectRef>
-      <a:fontRef idx="minor"/>
-    </dgm:style>
-  </dgm:styleLbl>
-</dgm:styleDef>
-</file>
-
-<file path=ppt/diagrams/quickStyle22.xml><?xml version="1.0" encoding="utf-8"?>
-<dgm:styleDef xmlns:dgm="http://schemas.openxmlformats.org/drawingml/2006/diagram" xmlns:a="http://schemas.openxmlformats.org/drawingml/2006/main" uniqueId="urn:microsoft.com/office/officeart/2005/8/quickstyle/simple1">
-  <dgm:title val=""/>
-  <dgm:desc val=""/>
-  <dgm:catLst>
-    <dgm:cat type="simple" pri="10100"/>
-  </dgm:catLst>
-  <dgm:scene3d>
-    <a:camera prst="orthographicFront"/>
-    <a:lightRig rig="threePt" dir="t"/>
-  </dgm:scene3d>
-  <dgm:styleLbl name="node0">
-    <dgm:scene3d>
-      <a:camera prst="orthographicFront"/>
-      <a:lightRig rig="threePt" dir="t"/>
-    </dgm:scene3d>
-    <dgm:sp3d/>
-    <dgm:txPr/>
-    <dgm:style>
-      <a:lnRef idx="2">
-        <a:scrgbClr r="0" g="0" b="0"/>
-      </a:lnRef>
-      <a:fillRef idx="1">
-        <a:scrgbClr r="0" g="0" b="0"/>
-      </a:fillRef>
-      <a:effectRef idx="0">
-        <a:scrgbClr r="0" g="0" b="0"/>
-      </a:effectRef>
-      <a:fontRef idx="minor">
-        <a:schemeClr val="lt1"/>
-      </a:fontRef>
-    </dgm:style>
-  </dgm:styleLbl>
-  <dgm:styleLbl name="lnNode1">
-    <dgm:scene3d>
-      <a:camera prst="orthographicFront"/>
-      <a:lightRig rig="threePt" dir="t"/>
-    </dgm:scene3d>
-    <dgm:sp3d/>
-    <dgm:txPr/>
-    <dgm:style>
-      <a:lnRef idx="2">
-        <a:scrgbClr r="0" g="0" b="0"/>
-      </a:lnRef>
-      <a:fillRef idx="1">
-        <a:scrgbClr r="0" g="0" b="0"/>
-      </a:fillRef>
-      <a:effectRef idx="0">
-        <a:scrgbClr r="0" g="0" b="0"/>
-      </a:effectRef>
-      <a:fontRef idx="minor">
-        <a:schemeClr val="lt1"/>
-      </a:fontRef>
-    </dgm:style>
-  </dgm:styleLbl>
-  <dgm:styleLbl name="vennNode1">
-    <dgm:scene3d>
-      <a:camera prst="orthographicFront"/>
-      <a:lightRig rig="threePt" dir="t"/>
-    </dgm:scene3d>
-    <dgm:sp3d/>
-    <dgm:txPr/>
-    <dgm:style>
-      <a:lnRef idx="2">
-        <a:scrgbClr r="0" g="0" b="0"/>
-      </a:lnRef>
-      <a:fillRef idx="1">
-        <a:scrgbClr r="0" g="0" b="0"/>
-      </a:fillRef>
-      <a:effectRef idx="0">
-        <a:scrgbClr r="0" g="0" b="0"/>
-      </a:effectRef>
-      <a:fontRef idx="minor">
-        <a:schemeClr val="tx1"/>
-      </a:fontRef>
-    </dgm:style>
-  </dgm:styleLbl>
-  <dgm:styleLbl name="alignNode1">
-    <dgm:scene3d>
-      <a:camera prst="orthographicFront"/>
-      <a:lightRig rig="threePt" dir="t"/>
-    </dgm:scene3d>
-    <dgm:sp3d/>
-    <dgm:txPr/>
-    <dgm:style>
-      <a:lnRef idx="2">
-        <a:scrgbClr r="0" g="0" b="0"/>
-      </a:lnRef>
-      <a:fillRef idx="1">
-        <a:scrgbClr r="0" g="0" b="0"/>
-      </a:fillRef>
-      <a:effectRef idx="0">
-        <a:scrgbClr r="0" g="0" b="0"/>
-      </a:effectRef>
-      <a:fontRef idx="minor">
-        <a:schemeClr val="lt1"/>
-      </a:fontRef>
-    </dgm:style>
-  </dgm:styleLbl>
-  <dgm:styleLbl name="node1">
-    <dgm:scene3d>
-      <a:camera prst="orthographicFront"/>
-      <a:lightRig rig="threePt" dir="t"/>
-    </dgm:scene3d>
-    <dgm:sp3d/>
-    <dgm:txPr/>
-    <dgm:style>
-      <a:lnRef idx="2">
-        <a:scrgbClr r="0" g="0" b="0"/>
-      </a:lnRef>
-      <a:fillRef idx="1">
-        <a:scrgbClr r="0" g="0" b="0"/>
-      </a:fillRef>
-      <a:effectRef idx="0">
-        <a:scrgbClr r="0" g="0" b="0"/>
-      </a:effectRef>
-      <a:fontRef idx="minor">
-        <a:schemeClr val="lt1"/>
-      </a:fontRef>
-    </dgm:style>
-  </dgm:styleLbl>
-  <dgm:styleLbl name="node2">
-    <dgm:scene3d>
-      <a:camera prst="orthographicFront"/>
-      <a:lightRig rig="threePt" dir="t"/>
-    </dgm:scene3d>
-    <dgm:sp3d/>
-    <dgm:txPr/>
-    <dgm:style>
-      <a:lnRef idx="2">
-        <a:scrgbClr r="0" g="0" b="0"/>
-      </a:lnRef>
-      <a:fillRef idx="1">
-        <a:scrgbClr r="0" g="0" b="0"/>
-      </a:fillRef>
-      <a:effectRef idx="0">
-        <a:scrgbClr r="0" g="0" b="0"/>
-      </a:effectRef>
-      <a:fontRef idx="minor">
-        <a:schemeClr val="lt1"/>
-      </a:fontRef>
-    </dgm:style>
-  </dgm:styleLbl>
-  <dgm:styleLbl name="node3">
-    <dgm:scene3d>
-      <a:camera prst="orthographicFront"/>
-      <a:lightRig rig="threePt" dir="t"/>
-    </dgm:scene3d>
-    <dgm:sp3d/>
-    <dgm:txPr/>
-    <dgm:style>
-      <a:lnRef idx="2">
-        <a:scrgbClr r="0" g="0" b="0"/>
-      </a:lnRef>
-      <a:fillRef idx="1">
-        <a:scrgbClr r="0" g="0" b="0"/>
-      </a:fillRef>
-      <a:effectRef idx="0">
-        <a:scrgbClr r="0" g="0" b="0"/>
-      </a:effectRef>
-      <a:fontRef idx="minor">
-        <a:schemeClr val="lt1"/>
-      </a:fontRef>
-    </dgm:style>
-  </dgm:styleLbl>
-  <dgm:styleLbl name="node4">
-    <dgm:scene3d>
-      <a:camera prst="orthographicFront"/>
-      <a:lightRig rig="threePt" dir="t"/>
-    </dgm:scene3d>
-    <dgm:sp3d/>
-    <dgm:txPr/>
-    <dgm:style>
-      <a:lnRef idx="2">
-        <a:scrgbClr r="0" g="0" b="0"/>
-      </a:lnRef>
-      <a:fillRef idx="1">
-        <a:scrgbClr r="0" g="0" b="0"/>
-      </a:fillRef>
-      <a:effectRef idx="0">
-        <a:scrgbClr r="0" g="0" b="0"/>
-      </a:effectRef>
-      <a:fontRef idx="minor">
-        <a:schemeClr val="lt1"/>
-      </a:fontRef>
-    </dgm:style>
-  </dgm:styleLbl>
-  <dgm:styleLbl name="fgImgPlace1">
-    <dgm:scene3d>
-      <a:camera prst="orthographicFront"/>
-      <a:lightRig rig="threePt" dir="t"/>
-    </dgm:scene3d>
-    <dgm:sp3d/>
-    <dgm:txPr/>
-    <dgm:style>
-      <a:lnRef idx="2">
-        <a:scrgbClr r="0" g="0" b="0"/>
-      </a:lnRef>
-      <a:fillRef idx="1">
-        <a:scrgbClr r="0" g="0" b="0"/>
-      </a:fillRef>
-      <a:effectRef idx="0">
-        <a:scrgbClr r="0" g="0" b="0"/>
-      </a:effectRef>
-      <a:fontRef idx="minor"/>
-    </dgm:style>
-  </dgm:styleLbl>
-  <dgm:styleLbl name="alignImgPlace1">
-    <dgm:scene3d>
-      <a:camera prst="orthographicFront"/>
-      <a:lightRig rig="threePt" dir="t"/>
-    </dgm:scene3d>
-    <dgm:sp3d/>
-    <dgm:txPr/>
-    <dgm:style>
-      <a:lnRef idx="2">
-        <a:scrgbClr r="0" g="0" b="0"/>
-      </a:lnRef>
-      <a:fillRef idx="1">
-        <a:scrgbClr r="0" g="0" b="0"/>
-      </a:fillRef>
-      <a:effectRef idx="0">
-        <a:scrgbClr r="0" g="0" b="0"/>
-      </a:effectRef>
-      <a:fontRef idx="minor"/>
-    </dgm:style>
-  </dgm:styleLbl>
-  <dgm:styleLbl name="bgImgPlace1">
-    <dgm:scene3d>
-      <a:camera prst="orthographicFront"/>
-      <a:lightRig rig="threePt" dir="t"/>
-    </dgm:scene3d>
-    <dgm:sp3d/>
-    <dgm:txPr/>
-    <dgm:style>
-      <a:lnRef idx="2">
-        <a:scrgbClr r="0" g="0" b="0"/>
-      </a:lnRef>
-      <a:fillRef idx="1">
-        <a:scrgbClr r="0" g="0" b="0"/>
-      </a:fillRef>
-      <a:effectRef idx="0">
-        <a:scrgbClr r="0" g="0" b="0"/>
-      </a:effectRef>
-      <a:fontRef idx="minor"/>
-    </dgm:style>
-  </dgm:styleLbl>
-  <dgm:styleLbl name="sibTrans2D1">
-    <dgm:scene3d>
-      <a:camera prst="orthographicFront"/>
-      <a:lightRig rig="threePt" dir="t"/>
-    </dgm:scene3d>
-    <dgm:sp3d/>
-    <dgm:txPr/>
-    <dgm:style>
-      <a:lnRef idx="0">
-        <a:scrgbClr r="0" g="0" b="0"/>
-      </a:lnRef>
-      <a:fillRef idx="1">
-        <a:scrgbClr r="0" g="0" b="0"/>
-      </a:fillRef>
-      <a:effectRef idx="0">
-        <a:scrgbClr r="0" g="0" b="0"/>
-      </a:effectRef>
-      <a:fontRef idx="minor">
-        <a:schemeClr val="lt1"/>
-      </a:fontRef>
-    </dgm:style>
-  </dgm:styleLbl>
-  <dgm:styleLbl name="fgSibTrans2D1">
-    <dgm:scene3d>
-      <a:camera prst="orthographicFront"/>
-      <a:lightRig rig="threePt" dir="t"/>
-    </dgm:scene3d>
-    <dgm:sp3d/>
-    <dgm:txPr/>
-    <dgm:style>
-      <a:lnRef idx="0">
-        <a:scrgbClr r="0" g="0" b="0"/>
-      </a:lnRef>
-      <a:fillRef idx="1">
-        <a:scrgbClr r="0" g="0" b="0"/>
-      </a:fillRef>
-      <a:effectRef idx="0">
-        <a:scrgbClr r="0" g="0" b="0"/>
-      </a:effectRef>
-      <a:fontRef idx="minor">
-        <a:schemeClr val="lt1"/>
-      </a:fontRef>
-    </dgm:style>
-  </dgm:styleLbl>
-  <dgm:styleLbl name="bgSibTrans2D1">
-    <dgm:scene3d>
-      <a:camera prst="orthographicFront"/>
-      <a:lightRig rig="threePt" dir="t"/>
-    </dgm:scene3d>
-    <dgm:sp3d/>
-    <dgm:txPr/>
-    <dgm:style>
-      <a:lnRef idx="0">
-        <a:scrgbClr r="0" g="0" b="0"/>
-      </a:lnRef>
-      <a:fillRef idx="1">
-        <a:scrgbClr r="0" g="0" b="0"/>
-      </a:fillRef>
-      <a:effectRef idx="0">
-        <a:scrgbClr r="0" g="0" b="0"/>
-      </a:effectRef>
-      <a:fontRef idx="minor">
-        <a:schemeClr val="lt1"/>
-      </a:fontRef>
-    </dgm:style>
-  </dgm:styleLbl>
-  <dgm:styleLbl name="sibTrans1D1">
-    <dgm:scene3d>
-      <a:camera prst="orthographicFront"/>
-      <a:lightRig rig="threePt" dir="t"/>
-    </dgm:scene3d>
-    <dgm:sp3d/>
-    <dgm:txPr/>
-    <dgm:style>
-      <a:lnRef idx="1">
-        <a:scrgbClr r="0" g="0" b="0"/>
-      </a:lnRef>
-      <a:fillRef idx="0">
-        <a:scrgbClr r="0" g="0" b="0"/>
-      </a:fillRef>
-      <a:effectRef idx="0">
-        <a:scrgbClr r="0" g="0" b="0"/>
-      </a:effectRef>
-      <a:fontRef idx="minor"/>
-    </dgm:style>
-  </dgm:styleLbl>
-  <dgm:styleLbl name="callout">
-    <dgm:scene3d>
-      <a:camera prst="orthographicFront"/>
-      <a:lightRig rig="threePt" dir="t"/>
-    </dgm:scene3d>
-    <dgm:sp3d/>
-    <dgm:txPr/>
-    <dgm:style>
-      <a:lnRef idx="2">
-        <a:scrgbClr r="0" g="0" b="0"/>
-      </a:lnRef>
-      <a:fillRef idx="1">
-        <a:scrgbClr r="0" g="0" b="0"/>
-      </a:fillRef>
-      <a:effectRef idx="0">
-        <a:scrgbClr r="0" g="0" b="0"/>
-      </a:effectRef>
-      <a:fontRef idx="minor"/>
-    </dgm:style>
-  </dgm:styleLbl>
-  <dgm:styleLbl name="asst0">
-    <dgm:scene3d>
-      <a:camera prst="orthographicFront"/>
-      <a:lightRig rig="threePt" dir="t"/>
-    </dgm:scene3d>
-    <dgm:sp3d/>
-    <dgm:txPr/>
-    <dgm:style>
-      <a:lnRef idx="2">
-        <a:scrgbClr r="0" g="0" b="0"/>
-      </a:lnRef>
-      <a:fillRef idx="1">
-        <a:scrgbClr r="0" g="0" b="0"/>
-      </a:fillRef>
-      <a:effectRef idx="0">
-        <a:scrgbClr r="0" g="0" b="0"/>
-      </a:effectRef>
-      <a:fontRef idx="minor">
-        <a:schemeClr val="lt1"/>
-      </a:fontRef>
-    </dgm:style>
-  </dgm:styleLbl>
-  <dgm:styleLbl name="asst1">
-    <dgm:scene3d>
-      <a:camera prst="orthographicFront"/>
-      <a:lightRig rig="threePt" dir="t"/>
-    </dgm:scene3d>
-    <dgm:sp3d/>
-    <dgm:txPr/>
-    <dgm:style>
-      <a:lnRef idx="2">
-        <a:scrgbClr r="0" g="0" b="0"/>
-      </a:lnRef>
-      <a:fillRef idx="1">
-        <a:scrgbClr r="0" g="0" b="0"/>
-      </a:fillRef>
-      <a:effectRef idx="0">
-        <a:scrgbClr r="0" g="0" b="0"/>
-      </a:effectRef>
-      <a:fontRef idx="minor">
-        <a:schemeClr val="lt1"/>
-      </a:fontRef>
-    </dgm:style>
-  </dgm:styleLbl>
-  <dgm:styleLbl name="asst2">
-    <dgm:scene3d>
-      <a:camera prst="orthographicFront"/>
-      <a:lightRig rig="threePt" dir="t"/>
-    </dgm:scene3d>
-    <dgm:sp3d/>
-    <dgm:txPr/>
-    <dgm:style>
-      <a:lnRef idx="2">
-        <a:scrgbClr r="0" g="0" b="0"/>
-      </a:lnRef>
-      <a:fillRef idx="1">
-        <a:scrgbClr r="0" g="0" b="0"/>
-      </a:fillRef>
-      <a:effectRef idx="0">
-        <a:scrgbClr r="0" g="0" b="0"/>
-      </a:effectRef>
-      <a:fontRef idx="minor">
-        <a:schemeClr val="lt1"/>
-      </a:fontRef>
-    </dgm:style>
-  </dgm:styleLbl>
-  <dgm:styleLbl name="asst3">
-    <dgm:scene3d>
-      <a:camera prst="orthographicFront"/>
-      <a:lightRig rig="threePt" dir="t"/>
-    </dgm:scene3d>
-    <dgm:sp3d/>
-    <dgm:txPr/>
-    <dgm:style>
-      <a:lnRef idx="2">
-        <a:scrgbClr r="0" g="0" b="0"/>
-      </a:lnRef>
-      <a:fillRef idx="1">
-        <a:scrgbClr r="0" g="0" b="0"/>
-      </a:fillRef>
-      <a:effectRef idx="0">
-        <a:scrgbClr r="0" g="0" b="0"/>
-      </a:effectRef>
-      <a:fontRef idx="minor">
-        <a:schemeClr val="lt1"/>
-      </a:fontRef>
-    </dgm:style>
-  </dgm:styleLbl>
-  <dgm:styleLbl name="asst4">
-    <dgm:scene3d>
-      <a:camera prst="orthographicFront"/>
-      <a:lightRig rig="threePt" dir="t"/>
-    </dgm:scene3d>
-    <dgm:sp3d/>
-    <dgm:txPr/>
-    <dgm:style>
-      <a:lnRef idx="2">
-        <a:scrgbClr r="0" g="0" b="0"/>
-      </a:lnRef>
-      <a:fillRef idx="1">
-        <a:scrgbClr r="0" g="0" b="0"/>
-      </a:fillRef>
-      <a:effectRef idx="0">
-        <a:scrgbClr r="0" g="0" b="0"/>
-      </a:effectRef>
-      <a:fontRef idx="minor">
-        <a:schemeClr val="lt1"/>
-      </a:fontRef>
-    </dgm:style>
-  </dgm:styleLbl>
-  <dgm:styleLbl name="parChTrans2D1">
-    <dgm:scene3d>
-      <a:camera prst="orthographicFront"/>
-      <a:lightRig rig="threePt" dir="t"/>
-    </dgm:scene3d>
-    <dgm:sp3d/>
-    <dgm:txPr/>
-    <dgm:style>
-      <a:lnRef idx="2">
-        <a:scrgbClr r="0" g="0" b="0"/>
-      </a:lnRef>
-      <a:fillRef idx="1">
-        <a:scrgbClr r="0" g="0" b="0"/>
-      </a:fillRef>
-      <a:effectRef idx="0">
-        <a:scrgbClr r="0" g="0" b="0"/>
-      </a:effectRef>
-      <a:fontRef idx="minor">
-        <a:schemeClr val="lt1"/>
-      </a:fontRef>
-    </dgm:style>
-  </dgm:styleLbl>
-  <dgm:styleLbl name="parChTrans2D2">
-    <dgm:scene3d>
-      <a:camera prst="orthographicFront"/>
-      <a:lightRig rig="threePt" dir="t"/>
-    </dgm:scene3d>
-    <dgm:sp3d/>
-    <dgm:txPr/>
-    <dgm:style>
-      <a:lnRef idx="2">
-        <a:scrgbClr r="0" g="0" b="0"/>
-      </a:lnRef>
-      <a:fillRef idx="1">
-        <a:scrgbClr r="0" g="0" b="0"/>
-      </a:fillRef>
-      <a:effectRef idx="0">
-        <a:scrgbClr r="0" g="0" b="0"/>
-      </a:effectRef>
-      <a:fontRef idx="minor">
-        <a:schemeClr val="lt1"/>
-      </a:fontRef>
-    </dgm:style>
-  </dgm:styleLbl>
-  <dgm:styleLbl name="parChTrans2D3">
-    <dgm:scene3d>
-      <a:camera prst="orthographicFront"/>
-      <a:lightRig rig="threePt" dir="t"/>
-    </dgm:scene3d>
-    <dgm:sp3d/>
-    <dgm:txPr/>
-    <dgm:style>
-      <a:lnRef idx="2">
-        <a:scrgbClr r="0" g="0" b="0"/>
-      </a:lnRef>
-      <a:fillRef idx="1">
-        <a:scrgbClr r="0" g="0" b="0"/>
-      </a:fillRef>
-      <a:effectRef idx="0">
-        <a:scrgbClr r="0" g="0" b="0"/>
-      </a:effectRef>
-      <a:fontRef idx="minor">
-        <a:schemeClr val="lt1"/>
-      </a:fontRef>
-    </dgm:style>
-  </dgm:styleLbl>
-  <dgm:styleLbl name="parChTrans2D4">
-    <dgm:scene3d>
-      <a:camera prst="orthographicFront"/>
-      <a:lightRig rig="threePt" dir="t"/>
-    </dgm:scene3d>
-    <dgm:sp3d/>
-    <dgm:txPr/>
-    <dgm:style>
-      <a:lnRef idx="2">
-        <a:scrgbClr r="0" g="0" b="0"/>
-      </a:lnRef>
-      <a:fillRef idx="1">
-        <a:scrgbClr r="0" g="0" b="0"/>
-      </a:fillRef>
-      <a:effectRef idx="0">
-        <a:scrgbClr r="0" g="0" b="0"/>
-      </a:effectRef>
-      <a:fontRef idx="minor">
-        <a:schemeClr val="lt1"/>
-      </a:fontRef>
-    </dgm:style>
-  </dgm:styleLbl>
-  <dgm:styleLbl name="parChTrans1D1">
-    <dgm:scene3d>
-      <a:camera prst="orthographicFront"/>
-      <a:lightRig rig="threePt" dir="t"/>
-    </dgm:scene3d>
-    <dgm:sp3d/>
-    <dgm:txPr/>
-    <dgm:style>
-      <a:lnRef idx="2">
-        <a:scrgbClr r="0" g="0" b="0"/>
-      </a:lnRef>
-      <a:fillRef idx="0">
-        <a:scrgbClr r="0" g="0" b="0"/>
-      </a:fillRef>
-      <a:effectRef idx="0">
-        <a:scrgbClr r="0" g="0" b="0"/>
-      </a:effectRef>
-      <a:fontRef idx="minor"/>
-    </dgm:style>
-  </dgm:styleLbl>
-  <dgm:styleLbl name="parChTrans1D2">
-    <dgm:scene3d>
-      <a:camera prst="orthographicFront"/>
-      <a:lightRig rig="threePt" dir="t"/>
-    </dgm:scene3d>
-    <dgm:sp3d/>
-    <dgm:txPr/>
-    <dgm:style>
-      <a:lnRef idx="2">
-        <a:scrgbClr r="0" g="0" b="0"/>
-      </a:lnRef>
-      <a:fillRef idx="0">
-        <a:scrgbClr r="0" g="0" b="0"/>
-      </a:fillRef>
-      <a:effectRef idx="0">
-        <a:scrgbClr r="0" g="0" b="0"/>
-      </a:effectRef>
-      <a:fontRef idx="minor"/>
-    </dgm:style>
-  </dgm:styleLbl>
-  <dgm:styleLbl name="parChTrans1D3">
-    <dgm:scene3d>
-      <a:camera prst="orthographicFront"/>
-      <a:lightRig rig="threePt" dir="t"/>
-    </dgm:scene3d>
-    <dgm:sp3d/>
-    <dgm:txPr/>
-    <dgm:style>
-      <a:lnRef idx="2">
-        <a:scrgbClr r="0" g="0" b="0"/>
-      </a:lnRef>
-      <a:fillRef idx="0">
-        <a:scrgbClr r="0" g="0" b="0"/>
-      </a:fillRef>
-      <a:effectRef idx="0">
-        <a:scrgbClr r="0" g="0" b="0"/>
-      </a:effectRef>
-      <a:fontRef idx="minor"/>
-    </dgm:style>
-  </dgm:styleLbl>
-  <dgm:styleLbl name="parChTrans1D4">
-    <dgm:scene3d>
-      <a:camera prst="orthographicFront"/>
-      <a:lightRig rig="threePt" dir="t"/>
-    </dgm:scene3d>
-    <dgm:sp3d/>
-    <dgm:txPr/>
-    <dgm:style>
-      <a:lnRef idx="2">
-        <a:scrgbClr r="0" g="0" b="0"/>
-      </a:lnRef>
-      <a:fillRef idx="0">
-        <a:scrgbClr r="0" g="0" b="0"/>
-      </a:fillRef>
-      <a:effectRef idx="0">
-        <a:scrgbClr r="0" g="0" b="0"/>
-      </a:effectRef>
-      <a:fontRef idx="minor"/>
-    </dgm:style>
-  </dgm:styleLbl>
-  <dgm:styleLbl name="fgAcc1">
-    <dgm:scene3d>
-      <a:camera prst="orthographicFront"/>
-      <a:lightRig rig="threePt" dir="t"/>
-    </dgm:scene3d>
-    <dgm:sp3d/>
-    <dgm:txPr/>
-    <dgm:style>
-      <a:lnRef idx="2">
-        <a:scrgbClr r="0" g="0" b="0"/>
-      </a:lnRef>
-      <a:fillRef idx="1">
-        <a:scrgbClr r="0" g="0" b="0"/>
-      </a:fillRef>
-      <a:effectRef idx="0">
-        <a:scrgbClr r="0" g="0" b="0"/>
-      </a:effectRef>
-      <a:fontRef idx="minor"/>
-    </dgm:style>
-  </dgm:styleLbl>
-  <dgm:styleLbl name="conFgAcc1">
-    <dgm:scene3d>
-      <a:camera prst="orthographicFront"/>
-      <a:lightRig rig="threePt" dir="t"/>
-    </dgm:scene3d>
-    <dgm:sp3d/>
-    <dgm:txPr/>
-    <dgm:style>
-      <a:lnRef idx="2">
-        <a:scrgbClr r="0" g="0" b="0"/>
-      </a:lnRef>
-      <a:fillRef idx="1">
-        <a:scrgbClr r="0" g="0" b="0"/>
-      </a:fillRef>
-      <a:effectRef idx="0">
-        <a:scrgbClr r="0" g="0" b="0"/>
-      </a:effectRef>
-      <a:fontRef idx="minor"/>
-    </dgm:style>
-  </dgm:styleLbl>
-  <dgm:styleLbl name="alignAcc1">
-    <dgm:scene3d>
-      <a:camera prst="orthographicFront"/>
-      <a:lightRig rig="threePt" dir="t"/>
-    </dgm:scene3d>
-    <dgm:sp3d/>
-    <dgm:txPr/>
-    <dgm:style>
-      <a:lnRef idx="2">
-        <a:scrgbClr r="0" g="0" b="0"/>
-      </a:lnRef>
-      <a:fillRef idx="1">
-        <a:scrgbClr r="0" g="0" b="0"/>
-      </a:fillRef>
-      <a:effectRef idx="0">
-        <a:scrgbClr r="0" g="0" b="0"/>
-      </a:effectRef>
-      <a:fontRef idx="minor"/>
-    </dgm:style>
-  </dgm:styleLbl>
-  <dgm:styleLbl name="trAlignAcc1">
-    <dgm:scene3d>
-      <a:camera prst="orthographicFront"/>
-      <a:lightRig rig="threePt" dir="t"/>
-    </dgm:scene3d>
-    <dgm:sp3d/>
-    <dgm:txPr/>
-    <dgm:style>
-      <a:lnRef idx="1">
-        <a:scrgbClr r="0" g="0" b="0"/>
-      </a:lnRef>
-      <a:fillRef idx="1">
-        <a:scrgbClr r="0" g="0" b="0"/>
-      </a:fillRef>
-      <a:effectRef idx="0">
-        <a:scrgbClr r="0" g="0" b="0"/>
-      </a:effectRef>
-      <a:fontRef idx="minor"/>
-    </dgm:style>
-  </dgm:styleLbl>
-  <dgm:styleLbl name="bgAcc1">
-    <dgm:scene3d>
-      <a:camera prst="orthographicFront"/>
-      <a:lightRig rig="threePt" dir="t"/>
-    </dgm:scene3d>
-    <dgm:sp3d/>
-    <dgm:txPr/>
-    <dgm:style>
-      <a:lnRef idx="2">
-        <a:scrgbClr r="0" g="0" b="0"/>
-      </a:lnRef>
-      <a:fillRef idx="1">
-        <a:scrgbClr r="0" g="0" b="0"/>
-      </a:fillRef>
-      <a:effectRef idx="0">
-        <a:scrgbClr r="0" g="0" b="0"/>
-      </a:effectRef>
-      <a:fontRef idx="minor"/>
-    </dgm:style>
-  </dgm:styleLbl>
-  <dgm:styleLbl name="solidFgAcc1">
-    <dgm:scene3d>
-      <a:camera prst="orthographicFront"/>
-      <a:lightRig rig="threePt" dir="t"/>
-    </dgm:scene3d>
-    <dgm:sp3d/>
-    <dgm:txPr/>
-    <dgm:style>
-      <a:lnRef idx="2">
-        <a:scrgbClr r="0" g="0" b="0"/>
-      </a:lnRef>
-      <a:fillRef idx="1">
-        <a:scrgbClr r="0" g="0" b="0"/>
-      </a:fillRef>
-      <a:effectRef idx="0">
-        <a:scrgbClr r="0" g="0" b="0"/>
-      </a:effectRef>
-      <a:fontRef idx="minor"/>
-    </dgm:style>
-  </dgm:styleLbl>
-  <dgm:styleLbl name="solidAlignAcc1">
-    <dgm:scene3d>
-      <a:camera prst="orthographicFront"/>
-      <a:lightRig rig="threePt" dir="t"/>
-    </dgm:scene3d>
-    <dgm:sp3d/>
-    <dgm:txPr/>
-    <dgm:style>
-      <a:lnRef idx="2">
-        <a:scrgbClr r="0" g="0" b="0"/>
-      </a:lnRef>
-      <a:fillRef idx="1">
-        <a:scrgbClr r="0" g="0" b="0"/>
-      </a:fillRef>
-      <a:effectRef idx="0">
-        <a:scrgbClr r="0" g="0" b="0"/>
-      </a:effectRef>
-      <a:fontRef idx="minor"/>
-    </dgm:style>
-  </dgm:styleLbl>
-  <dgm:styleLbl name="solidBgAcc1">
-    <dgm:scene3d>
-      <a:camera prst="orthographicFront"/>
-      <a:lightRig rig="threePt" dir="t"/>
-    </dgm:scene3d>
-    <dgm:sp3d/>
-    <dgm:txPr/>
-    <dgm:style>
-      <a:lnRef idx="2">
-        <a:scrgbClr r="0" g="0" b="0"/>
-      </a:lnRef>
-      <a:fillRef idx="1">
-        <a:scrgbClr r="0" g="0" b="0"/>
-      </a:fillRef>
-      <a:effectRef idx="0">
-        <a:scrgbClr r="0" g="0" b="0"/>
-      </a:effectRef>
-      <a:fontRef idx="minor"/>
-    </dgm:style>
-  </dgm:styleLbl>
-  <dgm:styleLbl name="fgAccFollowNode1">
-    <dgm:scene3d>
-      <a:camera prst="orthographicFront"/>
-      <a:lightRig rig="threePt" dir="t"/>
-    </dgm:scene3d>
-    <dgm:sp3d/>
-    <dgm:txPr/>
-    <dgm:style>
-      <a:lnRef idx="2">
-        <a:scrgbClr r="0" g="0" b="0"/>
-      </a:lnRef>
-      <a:fillRef idx="1">
-        <a:scrgbClr r="0" g="0" b="0"/>
-      </a:fillRef>
-      <a:effectRef idx="0">
-        <a:scrgbClr r="0" g="0" b="0"/>
-      </a:effectRef>
-      <a:fontRef idx="minor"/>
-    </dgm:style>
-  </dgm:styleLbl>
-  <dgm:styleLbl name="alignAccFollowNode1">
-    <dgm:scene3d>
-      <a:camera prst="orthographicFront"/>
-      <a:lightRig rig="threePt" dir="t"/>
-    </dgm:scene3d>
-    <dgm:sp3d/>
-    <dgm:txPr/>
-    <dgm:style>
-      <a:lnRef idx="2">
-        <a:scrgbClr r="0" g="0" b="0"/>
-      </a:lnRef>
-      <a:fillRef idx="1">
-        <a:scrgbClr r="0" g="0" b="0"/>
-      </a:fillRef>
-      <a:effectRef idx="0">
-        <a:scrgbClr r="0" g="0" b="0"/>
-      </a:effectRef>
-      <a:fontRef idx="minor"/>
-    </dgm:style>
-  </dgm:styleLbl>
-  <dgm:styleLbl name="bgAccFollowNode1">
-    <dgm:scene3d>
-      <a:camera prst="orthographicFront"/>
-      <a:lightRig rig="threePt" dir="t"/>
-    </dgm:scene3d>
-    <dgm:sp3d/>
-    <dgm:txPr/>
-    <dgm:style>
-      <a:lnRef idx="2">
-        <a:scrgbClr r="0" g="0" b="0"/>
-      </a:lnRef>
-      <a:fillRef idx="1">
-        <a:scrgbClr r="0" g="0" b="0"/>
-      </a:fillRef>
-      <a:effectRef idx="0">
-        <a:scrgbClr r="0" g="0" b="0"/>
-      </a:effectRef>
-      <a:fontRef idx="minor"/>
-    </dgm:style>
-  </dgm:styleLbl>
-  <dgm:styleLbl name="fgAcc0">
-    <dgm:scene3d>
-      <a:camera prst="orthographicFront"/>
-      <a:lightRig rig="threePt" dir="t"/>
-    </dgm:scene3d>
-    <dgm:sp3d/>
-    <dgm:txPr/>
-    <dgm:style>
-      <a:lnRef idx="2">
-        <a:scrgbClr r="0" g="0" b="0"/>
-      </a:lnRef>
-      <a:fillRef idx="1">
-        <a:scrgbClr r="0" g="0" b="0"/>
-      </a:fillRef>
-      <a:effectRef idx="0">
-        <a:scrgbClr r="0" g="0" b="0"/>
-      </a:effectRef>
-      <a:fontRef idx="minor"/>
-    </dgm:style>
-  </dgm:styleLbl>
-  <dgm:styleLbl name="fgAcc2">
-    <dgm:scene3d>
-      <a:camera prst="orthographicFront"/>
-      <a:lightRig rig="threePt" dir="t"/>
-    </dgm:scene3d>
-    <dgm:sp3d/>
-    <dgm:txPr/>
-    <dgm:style>
-      <a:lnRef idx="2">
-        <a:scrgbClr r="0" g="0" b="0"/>
-      </a:lnRef>
-      <a:fillRef idx="1">
-        <a:scrgbClr r="0" g="0" b="0"/>
-      </a:fillRef>
-      <a:effectRef idx="0">
-        <a:scrgbClr r="0" g="0" b="0"/>
-      </a:effectRef>
-      <a:fontRef idx="minor"/>
-    </dgm:style>
-  </dgm:styleLbl>
-  <dgm:styleLbl name="fgAcc3">
-    <dgm:scene3d>
-      <a:camera prst="orthographicFront"/>
-      <a:lightRig rig="threePt" dir="t"/>
-    </dgm:scene3d>
-    <dgm:sp3d/>
-    <dgm:txPr/>
-    <dgm:style>
-      <a:lnRef idx="2">
-        <a:scrgbClr r="0" g="0" b="0"/>
-      </a:lnRef>
-      <a:fillRef idx="1">
-        <a:scrgbClr r="0" g="0" b="0"/>
-      </a:fillRef>
-      <a:effectRef idx="0">
-        <a:scrgbClr r="0" g="0" b="0"/>
-      </a:effectRef>
-      <a:fontRef idx="minor"/>
-    </dgm:style>
-  </dgm:styleLbl>
-  <dgm:styleLbl name="fgAcc4">
-    <dgm:scene3d>
-      <a:camera prst="orthographicFront"/>
-      <a:lightRig rig="threePt" dir="t"/>
-    </dgm:scene3d>
-    <dgm:sp3d/>
-    <dgm:txPr/>
-    <dgm:style>
-      <a:lnRef idx="2">
-        <a:scrgbClr r="0" g="0" b="0"/>
-      </a:lnRef>
-      <a:fillRef idx="1">
-        <a:scrgbClr r="0" g="0" b="0"/>
-      </a:fillRef>
-      <a:effectRef idx="0">
-        <a:scrgbClr r="0" g="0" b="0"/>
-      </a:effectRef>
-      <a:fontRef idx="minor"/>
-    </dgm:style>
-  </dgm:styleLbl>
-  <dgm:styleLbl name="bgShp">
-    <dgm:scene3d>
-      <a:camera prst="orthographicFront"/>
-      <a:lightRig rig="threePt" dir="t"/>
-    </dgm:scene3d>
-    <dgm:sp3d/>
-    <dgm:txPr/>
-    <dgm:style>
-      <a:lnRef idx="0">
-        <a:scrgbClr r="0" g="0" b="0"/>
-      </a:lnRef>
-      <a:fillRef idx="1">
-        <a:scrgbClr r="0" g="0" b="0"/>
-      </a:fillRef>
-      <a:effectRef idx="0">
-        <a:scrgbClr r="0" g="0" b="0"/>
-      </a:effectRef>
-      <a:fontRef idx="minor"/>
-    </dgm:style>
-  </dgm:styleLbl>
-  <dgm:styleLbl name="dkBgShp">
-    <dgm:scene3d>
-      <a:camera prst="orthographicFront"/>
-      <a:lightRig rig="threePt" dir="t"/>
-    </dgm:scene3d>
-    <dgm:sp3d/>
-    <dgm:txPr/>
-    <dgm:style>
-      <a:lnRef idx="0">
-        <a:scrgbClr r="0" g="0" b="0"/>
-      </a:lnRef>
-      <a:fillRef idx="1">
-        <a:scrgbClr r="0" g="0" b="0"/>
-      </a:fillRef>
-      <a:effectRef idx="0">
-        <a:scrgbClr r="0" g="0" b="0"/>
-      </a:effectRef>
-      <a:fontRef idx="minor"/>
-    </dgm:style>
-  </dgm:styleLbl>
-  <dgm:styleLbl name="trBgShp">
-    <dgm:scene3d>
-      <a:camera prst="orthographicFront"/>
-      <a:lightRig rig="threePt" dir="t"/>
-    </dgm:scene3d>
-    <dgm:sp3d/>
-    <dgm:txPr/>
-    <dgm:style>
-      <a:lnRef idx="0">
-        <a:scrgbClr r="0" g="0" b="0"/>
-      </a:lnRef>
-      <a:fillRef idx="1">
-        <a:scrgbClr r="0" g="0" b="0"/>
-      </a:fillRef>
-      <a:effectRef idx="0">
-        <a:scrgbClr r="0" g="0" b="0"/>
-      </a:effectRef>
-      <a:fontRef idx="minor"/>
-    </dgm:style>
-  </dgm:styleLbl>
-  <dgm:styleLbl name="fgShp">
-    <dgm:scene3d>
-      <a:camera prst="orthographicFront"/>
-      <a:lightRig rig="threePt" dir="t"/>
-    </dgm:scene3d>
-    <dgm:sp3d/>
-    <dgm:txPr/>
-    <dgm:style>
-      <a:lnRef idx="2">
-        <a:scrgbClr r="0" g="0" b="0"/>
-      </a:lnRef>
-      <a:fillRef idx="1">
-        <a:scrgbClr r="0" g="0" b="0"/>
-      </a:fillRef>
-      <a:effectRef idx="0">
-        <a:scrgbClr r="0" g="0" b="0"/>
-      </a:effectRef>
-      <a:fontRef idx="minor"/>
-    </dgm:style>
-  </dgm:styleLbl>
-  <dgm:styleLbl name="revTx">
-    <dgm:scene3d>
-      <a:camera prst="orthographicFront"/>
-      <a:lightRig rig="threePt" dir="t"/>
-    </dgm:scene3d>
-    <dgm:sp3d/>
-    <dgm:txPr/>
-    <dgm:style>
-      <a:lnRef idx="0">
-        <a:scrgbClr r="0" g="0" b="0"/>
-      </a:lnRef>
-      <a:fillRef idx="0">
-        <a:scrgbClr r="0" g="0" b="0"/>
-      </a:fillRef>
-      <a:effectRef idx="0">
-        <a:scrgbClr r="0" g="0" b="0"/>
-      </a:effectRef>
-      <a:fontRef idx="minor"/>
-    </dgm:style>
-  </dgm:styleLbl>
-</dgm:styleDef>
-</file>
-
-<file path=ppt/diagrams/quickStyle23.xml><?xml version="1.0" encoding="utf-8"?>
 <dgm:styleDef xmlns:dgm="http://schemas.openxmlformats.org/drawingml/2006/diagram" xmlns:a="http://schemas.openxmlformats.org/drawingml/2006/main" uniqueId="urn:microsoft.com/office/officeart/2005/8/quickstyle/simple1">
   <dgm:title val=""/>
   <dgm:desc val=""/>
@@ -50955,165 +46832,6 @@
         <p:spPr/>
         <p:txBody>
           <a:bodyPr>
-            <a:normAutofit fontScale="90000"/>
-          </a:bodyPr>
-          <a:lstStyle/>
-          <a:p>
-            <a:r>
-              <a:rPr lang="en-GB" dirty="0"/>
-              <a:t>Services –  Planning Unique App development with tasks and components required</a:t>
-            </a:r>
-            <a:endParaRPr lang="fr-FR" dirty="0"/>
-          </a:p>
-        </p:txBody>
-      </p:sp>
-      <p:graphicFrame>
-        <p:nvGraphicFramePr>
-          <p:cNvPr id="7" name="Content Placeholder 6">
-            <a:extLst>
-              <a:ext uri="{FF2B5EF4-FFF2-40B4-BE49-F238E27FC236}">
-                <a16:creationId xmlns:a16="http://schemas.microsoft.com/office/drawing/2014/main" id="{E11E0253-42B1-467D-851C-8D1ED8B716E7}"/>
-              </a:ext>
-            </a:extLst>
-          </p:cNvPr>
-          <p:cNvGraphicFramePr>
-            <a:graphicFrameLocks noGrp="1"/>
-          </p:cNvGraphicFramePr>
-          <p:nvPr>
-            <p:ph idx="1"/>
-          </p:nvPr>
-        </p:nvGraphicFramePr>
-        <p:xfrm>
-          <a:off x="1097280" y="1845734"/>
-          <a:ext cx="4663440" cy="631427"/>
-        </p:xfrm>
-        <a:graphic>
-          <a:graphicData uri="http://schemas.openxmlformats.org/drawingml/2006/diagram">
-            <dgm:relIds xmlns:dgm="http://schemas.openxmlformats.org/drawingml/2006/diagram" xmlns:r="http://schemas.openxmlformats.org/officeDocument/2006/relationships" r:dm="rId2" r:lo="rId3" r:qs="rId4" r:cs="rId5"/>
-          </a:graphicData>
-        </a:graphic>
-      </p:graphicFrame>
-      <p:sp>
-        <p:nvSpPr>
-          <p:cNvPr id="8" name="TextBox 7">
-            <a:extLst>
-              <a:ext uri="{FF2B5EF4-FFF2-40B4-BE49-F238E27FC236}">
-                <a16:creationId xmlns:a16="http://schemas.microsoft.com/office/drawing/2014/main" id="{4AF17F59-F6B8-4BA7-8A20-7D6DC6990005}"/>
-              </a:ext>
-            </a:extLst>
-          </p:cNvPr>
-          <p:cNvSpPr txBox="1"/>
-          <p:nvPr/>
-        </p:nvSpPr>
-        <p:spPr>
-          <a:xfrm>
-            <a:off x="1097280" y="6409081"/>
-            <a:ext cx="7115542" cy="369332"/>
-          </a:xfrm>
-          <a:prstGeom prst="rect">
-            <a:avLst/>
-          </a:prstGeom>
-          <a:noFill/>
-        </p:spPr>
-        <p:txBody>
-          <a:bodyPr wrap="square">
-            <a:spAutoFit/>
-          </a:bodyPr>
-          <a:lstStyle/>
-          <a:p>
-            <a:r>
-              <a:rPr lang="en-GB" dirty="0">
-                <a:solidFill>
-                  <a:schemeClr val="accent1">
-                    <a:lumMod val="50000"/>
-                  </a:schemeClr>
-                </a:solidFill>
-              </a:rPr>
-              <a:t>Freelance Sessions </a:t>
-            </a:r>
-            <a:endParaRPr lang="fr-FR" dirty="0"/>
-          </a:p>
-        </p:txBody>
-      </p:sp>
-      <p:pic>
-        <p:nvPicPr>
-          <p:cNvPr id="4" name="Picture 3">
-            <a:extLst>
-              <a:ext uri="{FF2B5EF4-FFF2-40B4-BE49-F238E27FC236}">
-                <a16:creationId xmlns:a16="http://schemas.microsoft.com/office/drawing/2014/main" id="{2663EAD3-0834-49CB-8778-1A10CC3664C7}"/>
-              </a:ext>
-            </a:extLst>
-          </p:cNvPr>
-          <p:cNvPicPr>
-            <a:picLocks noChangeAspect="1"/>
-          </p:cNvPicPr>
-          <p:nvPr/>
-        </p:nvPicPr>
-        <p:blipFill>
-          <a:blip r:embed="rId7"/>
-          <a:stretch>
-            <a:fillRect/>
-          </a:stretch>
-        </p:blipFill>
-        <p:spPr>
-          <a:xfrm>
-            <a:off x="620261" y="1983817"/>
-            <a:ext cx="11012437" cy="3439005"/>
-          </a:xfrm>
-          <a:prstGeom prst="rect">
-            <a:avLst/>
-          </a:prstGeom>
-        </p:spPr>
-      </p:pic>
-    </p:spTree>
-    <p:extLst>
-      <p:ext uri="{BB962C8B-B14F-4D97-AF65-F5344CB8AC3E}">
-        <p14:creationId xmlns:p14="http://schemas.microsoft.com/office/powerpoint/2010/main" val="2736269896"/>
-      </p:ext>
-    </p:extLst>
-  </p:cSld>
-  <p:clrMapOvr>
-    <a:masterClrMapping/>
-  </p:clrMapOvr>
-</p:sld>
-</file>
-
-<file path=ppt/slides/slide11.xml><?xml version="1.0" encoding="utf-8"?>
-<p:sld xmlns:a="http://schemas.openxmlformats.org/drawingml/2006/main" xmlns:r="http://schemas.openxmlformats.org/officeDocument/2006/relationships" xmlns:p="http://schemas.openxmlformats.org/presentationml/2006/main">
-  <p:cSld>
-    <p:spTree>
-      <p:nvGrpSpPr>
-        <p:cNvPr id="1" name=""/>
-        <p:cNvGrpSpPr/>
-        <p:nvPr/>
-      </p:nvGrpSpPr>
-      <p:grpSpPr>
-        <a:xfrm>
-          <a:off x="0" y="0"/>
-          <a:ext cx="0" cy="0"/>
-          <a:chOff x="0" y="0"/>
-          <a:chExt cx="0" cy="0"/>
-        </a:xfrm>
-      </p:grpSpPr>
-      <p:sp>
-        <p:nvSpPr>
-          <p:cNvPr id="2" name="Title 1">
-            <a:extLst>
-              <a:ext uri="{FF2B5EF4-FFF2-40B4-BE49-F238E27FC236}">
-                <a16:creationId xmlns:a16="http://schemas.microsoft.com/office/drawing/2014/main" id="{10A6E79C-7337-425C-AD7E-D6AD9FF66A06}"/>
-              </a:ext>
-            </a:extLst>
-          </p:cNvPr>
-          <p:cNvSpPr>
-            <a:spLocks noGrp="1"/>
-          </p:cNvSpPr>
-          <p:nvPr>
-            <p:ph type="title"/>
-          </p:nvPr>
-        </p:nvSpPr>
-        <p:spPr/>
-        <p:txBody>
-          <a:bodyPr>
             <a:normAutofit/>
           </a:bodyPr>
           <a:lstStyle/>
@@ -51237,7 +46955,7 @@
 </p:sld>
 </file>
 
-<file path=ppt/slides/slide12.xml><?xml version="1.0" encoding="utf-8"?>
+<file path=ppt/slides/slide11.xml><?xml version="1.0" encoding="utf-8"?>
 <p:sld xmlns:a="http://schemas.openxmlformats.org/drawingml/2006/main" xmlns:r="http://schemas.openxmlformats.org/officeDocument/2006/relationships" xmlns:p="http://schemas.openxmlformats.org/presentationml/2006/main">
   <p:cSld>
     <p:spTree>
@@ -51396,166 +47114,7 @@
 </p:sld>
 </file>
 
-<file path=ppt/slides/slide13.xml><?xml version="1.0" encoding="utf-8"?>
-<p:sld xmlns:a="http://schemas.openxmlformats.org/drawingml/2006/main" xmlns:r="http://schemas.openxmlformats.org/officeDocument/2006/relationships" xmlns:p="http://schemas.openxmlformats.org/presentationml/2006/main">
-  <p:cSld>
-    <p:spTree>
-      <p:nvGrpSpPr>
-        <p:cNvPr id="1" name=""/>
-        <p:cNvGrpSpPr/>
-        <p:nvPr/>
-      </p:nvGrpSpPr>
-      <p:grpSpPr>
-        <a:xfrm>
-          <a:off x="0" y="0"/>
-          <a:ext cx="0" cy="0"/>
-          <a:chOff x="0" y="0"/>
-          <a:chExt cx="0" cy="0"/>
-        </a:xfrm>
-      </p:grpSpPr>
-      <p:sp>
-        <p:nvSpPr>
-          <p:cNvPr id="2" name="Title 1">
-            <a:extLst>
-              <a:ext uri="{FF2B5EF4-FFF2-40B4-BE49-F238E27FC236}">
-                <a16:creationId xmlns:a16="http://schemas.microsoft.com/office/drawing/2014/main" id="{10A6E79C-7337-425C-AD7E-D6AD9FF66A06}"/>
-              </a:ext>
-            </a:extLst>
-          </p:cNvPr>
-          <p:cNvSpPr>
-            <a:spLocks noGrp="1"/>
-          </p:cNvSpPr>
-          <p:nvPr>
-            <p:ph type="title"/>
-          </p:nvPr>
-        </p:nvSpPr>
-        <p:spPr/>
-        <p:txBody>
-          <a:bodyPr>
-            <a:normAutofit/>
-          </a:bodyPr>
-          <a:lstStyle/>
-          <a:p>
-            <a:r>
-              <a:rPr lang="en-GB" dirty="0"/>
-              <a:t>Services – bug fixes</a:t>
-            </a:r>
-            <a:endParaRPr lang="fr-FR" dirty="0"/>
-          </a:p>
-        </p:txBody>
-      </p:sp>
-      <p:graphicFrame>
-        <p:nvGraphicFramePr>
-          <p:cNvPr id="7" name="Content Placeholder 6">
-            <a:extLst>
-              <a:ext uri="{FF2B5EF4-FFF2-40B4-BE49-F238E27FC236}">
-                <a16:creationId xmlns:a16="http://schemas.microsoft.com/office/drawing/2014/main" id="{E11E0253-42B1-467D-851C-8D1ED8B716E7}"/>
-              </a:ext>
-            </a:extLst>
-          </p:cNvPr>
-          <p:cNvGraphicFramePr>
-            <a:graphicFrameLocks noGrp="1"/>
-          </p:cNvGraphicFramePr>
-          <p:nvPr>
-            <p:ph idx="1"/>
-          </p:nvPr>
-        </p:nvGraphicFramePr>
-        <p:xfrm>
-          <a:off x="1097280" y="1845734"/>
-          <a:ext cx="4663440" cy="631427"/>
-        </p:xfrm>
-        <a:graphic>
-          <a:graphicData uri="http://schemas.openxmlformats.org/drawingml/2006/diagram">
-            <dgm:relIds xmlns:dgm="http://schemas.openxmlformats.org/drawingml/2006/diagram" xmlns:r="http://schemas.openxmlformats.org/officeDocument/2006/relationships" r:dm="rId2" r:lo="rId3" r:qs="rId4" r:cs="rId5"/>
-          </a:graphicData>
-        </a:graphic>
-      </p:graphicFrame>
-      <p:sp>
-        <p:nvSpPr>
-          <p:cNvPr id="8" name="TextBox 7">
-            <a:extLst>
-              <a:ext uri="{FF2B5EF4-FFF2-40B4-BE49-F238E27FC236}">
-                <a16:creationId xmlns:a16="http://schemas.microsoft.com/office/drawing/2014/main" id="{4AF17F59-F6B8-4BA7-8A20-7D6DC6990005}"/>
-              </a:ext>
-            </a:extLst>
-          </p:cNvPr>
-          <p:cNvSpPr txBox="1"/>
-          <p:nvPr/>
-        </p:nvSpPr>
-        <p:spPr>
-          <a:xfrm>
-            <a:off x="1097280" y="6409081"/>
-            <a:ext cx="7115542" cy="369332"/>
-          </a:xfrm>
-          <a:prstGeom prst="rect">
-            <a:avLst/>
-          </a:prstGeom>
-          <a:noFill/>
-        </p:spPr>
-        <p:txBody>
-          <a:bodyPr wrap="square">
-            <a:spAutoFit/>
-          </a:bodyPr>
-          <a:lstStyle/>
-          <a:p>
-            <a:r>
-              <a:rPr lang="en-GB" dirty="0">
-                <a:solidFill>
-                  <a:schemeClr val="accent1">
-                    <a:lumMod val="50000"/>
-                  </a:schemeClr>
-                </a:solidFill>
-              </a:rPr>
-              <a:t>Freelance Sessions </a:t>
-            </a:r>
-            <a:endParaRPr lang="fr-FR" dirty="0"/>
-          </a:p>
-        </p:txBody>
-      </p:sp>
-      <p:pic>
-        <p:nvPicPr>
-          <p:cNvPr id="4" name="Picture 3">
-            <a:extLst>
-              <a:ext uri="{FF2B5EF4-FFF2-40B4-BE49-F238E27FC236}">
-                <a16:creationId xmlns:a16="http://schemas.microsoft.com/office/drawing/2014/main" id="{33AF45CF-7F80-47F9-BD77-17F0944FFD8B}"/>
-              </a:ext>
-            </a:extLst>
-          </p:cNvPr>
-          <p:cNvPicPr>
-            <a:picLocks noChangeAspect="1"/>
-          </p:cNvPicPr>
-          <p:nvPr/>
-        </p:nvPicPr>
-        <p:blipFill>
-          <a:blip r:embed="rId7"/>
-          <a:stretch>
-            <a:fillRect/>
-          </a:stretch>
-        </p:blipFill>
-        <p:spPr>
-          <a:xfrm>
-            <a:off x="1315495" y="1883165"/>
-            <a:ext cx="8890449" cy="5119912"/>
-          </a:xfrm>
-          <a:prstGeom prst="rect">
-            <a:avLst/>
-          </a:prstGeom>
-        </p:spPr>
-      </p:pic>
-    </p:spTree>
-    <p:extLst>
-      <p:ext uri="{BB962C8B-B14F-4D97-AF65-F5344CB8AC3E}">
-        <p14:creationId xmlns:p14="http://schemas.microsoft.com/office/powerpoint/2010/main" val="2020650838"/>
-      </p:ext>
-    </p:extLst>
-  </p:cSld>
-  <p:clrMapOvr>
-    <a:masterClrMapping/>
-  </p:clrMapOvr>
-</p:sld>
-</file>
-
-<file path=ppt/slides/slide14.xml><?xml version="1.0" encoding="utf-8"?>
+<file path=ppt/slides/slide12.xml><?xml version="1.0" encoding="utf-8"?>
 <p:sld xmlns:a="http://schemas.openxmlformats.org/drawingml/2006/main" xmlns:r="http://schemas.openxmlformats.org/officeDocument/2006/relationships" xmlns:p="http://schemas.openxmlformats.org/presentationml/2006/main">
   <p:cSld>
     <p:spTree>
@@ -51714,7 +47273,7 @@
 </p:sld>
 </file>
 
-<file path=ppt/slides/slide15.xml><?xml version="1.0" encoding="utf-8"?>
+<file path=ppt/slides/slide13.xml><?xml version="1.0" encoding="utf-8"?>
 <p:sld xmlns:a="http://schemas.openxmlformats.org/drawingml/2006/main" xmlns:r="http://schemas.openxmlformats.org/officeDocument/2006/relationships" xmlns:p="http://schemas.openxmlformats.org/presentationml/2006/main">
   <p:cSld>
     <p:spTree>
@@ -51873,7 +47432,7 @@
 </p:sld>
 </file>
 
-<file path=ppt/slides/slide16.xml><?xml version="1.0" encoding="utf-8"?>
+<file path=ppt/slides/slide14.xml><?xml version="1.0" encoding="utf-8"?>
 <p:sld xmlns:a="http://schemas.openxmlformats.org/drawingml/2006/main" xmlns:r="http://schemas.openxmlformats.org/officeDocument/2006/relationships" xmlns:p="http://schemas.openxmlformats.org/presentationml/2006/main">
   <p:cSld>
     <p:spTree>
@@ -52032,7 +47591,7 @@
 </p:sld>
 </file>
 
-<file path=ppt/slides/slide17.xml><?xml version="1.0" encoding="utf-8"?>
+<file path=ppt/slides/slide15.xml><?xml version="1.0" encoding="utf-8"?>
 <p:sld xmlns:a="http://schemas.openxmlformats.org/drawingml/2006/main" xmlns:r="http://schemas.openxmlformats.org/officeDocument/2006/relationships" xmlns:p="http://schemas.openxmlformats.org/presentationml/2006/main">
   <p:cSld>
     <p:spTree>
@@ -52191,7 +47750,7 @@
 </p:sld>
 </file>
 
-<file path=ppt/slides/slide18.xml><?xml version="1.0" encoding="utf-8"?>
+<file path=ppt/slides/slide16.xml><?xml version="1.0" encoding="utf-8"?>
 <p:sld xmlns:a="http://schemas.openxmlformats.org/drawingml/2006/main" xmlns:r="http://schemas.openxmlformats.org/officeDocument/2006/relationships" xmlns:p="http://schemas.openxmlformats.org/presentationml/2006/main">
   <p:cSld>
     <p:spTree>
@@ -52233,11 +47792,7 @@
           <a:p>
             <a:r>
               <a:rPr lang="en-GB" dirty="0"/>
-              <a:t>Services –  Chrome </a:t>
-            </a:r>
-            <a:r>
-              <a:rPr lang="en-GB" dirty="0" err="1"/>
-              <a:t>extentions</a:t>
+              <a:t>Services –  Chrome extensions</a:t>
             </a:r>
             <a:endParaRPr lang="fr-FR" dirty="0"/>
           </a:p>
@@ -52354,7 +47909,7 @@
 </p:sld>
 </file>
 
-<file path=ppt/slides/slide19.xml><?xml version="1.0" encoding="utf-8"?>
+<file path=ppt/slides/slide17.xml><?xml version="1.0" encoding="utf-8"?>
 <p:sld xmlns:a="http://schemas.openxmlformats.org/drawingml/2006/main" xmlns:r="http://schemas.openxmlformats.org/officeDocument/2006/relationships" xmlns:p="http://schemas.openxmlformats.org/presentationml/2006/main">
   <p:cSld>
     <p:spTree>
@@ -52504,6 +48059,324 @@
     <p:extLst>
       <p:ext uri="{BB962C8B-B14F-4D97-AF65-F5344CB8AC3E}">
         <p14:creationId xmlns:p14="http://schemas.microsoft.com/office/powerpoint/2010/main" val="3481753856"/>
+      </p:ext>
+    </p:extLst>
+  </p:cSld>
+  <p:clrMapOvr>
+    <a:masterClrMapping/>
+  </p:clrMapOvr>
+</p:sld>
+</file>
+
+<file path=ppt/slides/slide18.xml><?xml version="1.0" encoding="utf-8"?>
+<p:sld xmlns:a="http://schemas.openxmlformats.org/drawingml/2006/main" xmlns:r="http://schemas.openxmlformats.org/officeDocument/2006/relationships" xmlns:p="http://schemas.openxmlformats.org/presentationml/2006/main">
+  <p:cSld>
+    <p:spTree>
+      <p:nvGrpSpPr>
+        <p:cNvPr id="1" name=""/>
+        <p:cNvGrpSpPr/>
+        <p:nvPr/>
+      </p:nvGrpSpPr>
+      <p:grpSpPr>
+        <a:xfrm>
+          <a:off x="0" y="0"/>
+          <a:ext cx="0" cy="0"/>
+          <a:chOff x="0" y="0"/>
+          <a:chExt cx="0" cy="0"/>
+        </a:xfrm>
+      </p:grpSpPr>
+      <p:sp>
+        <p:nvSpPr>
+          <p:cNvPr id="2" name="Title 1">
+            <a:extLst>
+              <a:ext uri="{FF2B5EF4-FFF2-40B4-BE49-F238E27FC236}">
+                <a16:creationId xmlns:a16="http://schemas.microsoft.com/office/drawing/2014/main" id="{10A6E79C-7337-425C-AD7E-D6AD9FF66A06}"/>
+              </a:ext>
+            </a:extLst>
+          </p:cNvPr>
+          <p:cNvSpPr>
+            <a:spLocks noGrp="1"/>
+          </p:cNvSpPr>
+          <p:nvPr>
+            <p:ph type="title"/>
+          </p:nvPr>
+        </p:nvSpPr>
+        <p:spPr/>
+        <p:txBody>
+          <a:bodyPr>
+            <a:normAutofit/>
+          </a:bodyPr>
+          <a:lstStyle/>
+          <a:p>
+            <a:r>
+              <a:rPr lang="en-GB" dirty="0"/>
+              <a:t>Services –  UI Design</a:t>
+            </a:r>
+            <a:endParaRPr lang="fr-FR" dirty="0"/>
+          </a:p>
+        </p:txBody>
+      </p:sp>
+      <p:graphicFrame>
+        <p:nvGraphicFramePr>
+          <p:cNvPr id="7" name="Content Placeholder 6">
+            <a:extLst>
+              <a:ext uri="{FF2B5EF4-FFF2-40B4-BE49-F238E27FC236}">
+                <a16:creationId xmlns:a16="http://schemas.microsoft.com/office/drawing/2014/main" id="{E11E0253-42B1-467D-851C-8D1ED8B716E7}"/>
+              </a:ext>
+            </a:extLst>
+          </p:cNvPr>
+          <p:cNvGraphicFramePr>
+            <a:graphicFrameLocks noGrp="1"/>
+          </p:cNvGraphicFramePr>
+          <p:nvPr>
+            <p:ph idx="1"/>
+          </p:nvPr>
+        </p:nvGraphicFramePr>
+        <p:xfrm>
+          <a:off x="1097280" y="1845734"/>
+          <a:ext cx="4663440" cy="631427"/>
+        </p:xfrm>
+        <a:graphic>
+          <a:graphicData uri="http://schemas.openxmlformats.org/drawingml/2006/diagram">
+            <dgm:relIds xmlns:dgm="http://schemas.openxmlformats.org/drawingml/2006/diagram" xmlns:r="http://schemas.openxmlformats.org/officeDocument/2006/relationships" r:dm="rId2" r:lo="rId3" r:qs="rId4" r:cs="rId5"/>
+          </a:graphicData>
+        </a:graphic>
+      </p:graphicFrame>
+      <p:sp>
+        <p:nvSpPr>
+          <p:cNvPr id="8" name="TextBox 7">
+            <a:extLst>
+              <a:ext uri="{FF2B5EF4-FFF2-40B4-BE49-F238E27FC236}">
+                <a16:creationId xmlns:a16="http://schemas.microsoft.com/office/drawing/2014/main" id="{4AF17F59-F6B8-4BA7-8A20-7D6DC6990005}"/>
+              </a:ext>
+            </a:extLst>
+          </p:cNvPr>
+          <p:cNvSpPr txBox="1"/>
+          <p:nvPr/>
+        </p:nvSpPr>
+        <p:spPr>
+          <a:xfrm>
+            <a:off x="1097280" y="6409081"/>
+            <a:ext cx="7115542" cy="369332"/>
+          </a:xfrm>
+          <a:prstGeom prst="rect">
+            <a:avLst/>
+          </a:prstGeom>
+          <a:noFill/>
+        </p:spPr>
+        <p:txBody>
+          <a:bodyPr wrap="square">
+            <a:spAutoFit/>
+          </a:bodyPr>
+          <a:lstStyle/>
+          <a:p>
+            <a:r>
+              <a:rPr lang="en-GB" dirty="0">
+                <a:solidFill>
+                  <a:schemeClr val="accent1">
+                    <a:lumMod val="50000"/>
+                  </a:schemeClr>
+                </a:solidFill>
+              </a:rPr>
+              <a:t>Freelance Sessions </a:t>
+            </a:r>
+            <a:endParaRPr lang="fr-FR" dirty="0"/>
+          </a:p>
+        </p:txBody>
+      </p:sp>
+      <p:pic>
+        <p:nvPicPr>
+          <p:cNvPr id="5" name="Picture 4">
+            <a:extLst>
+              <a:ext uri="{FF2B5EF4-FFF2-40B4-BE49-F238E27FC236}">
+                <a16:creationId xmlns:a16="http://schemas.microsoft.com/office/drawing/2014/main" id="{C423C194-6916-423B-A2B6-48C695849A05}"/>
+              </a:ext>
+            </a:extLst>
+          </p:cNvPr>
+          <p:cNvPicPr>
+            <a:picLocks noChangeAspect="1"/>
+          </p:cNvPicPr>
+          <p:nvPr/>
+        </p:nvPicPr>
+        <p:blipFill>
+          <a:blip r:embed="rId7"/>
+          <a:stretch>
+            <a:fillRect/>
+          </a:stretch>
+        </p:blipFill>
+        <p:spPr>
+          <a:xfrm>
+            <a:off x="1196340" y="1740812"/>
+            <a:ext cx="8671560" cy="4776075"/>
+          </a:xfrm>
+          <a:prstGeom prst="rect">
+            <a:avLst/>
+          </a:prstGeom>
+        </p:spPr>
+      </p:pic>
+    </p:spTree>
+    <p:extLst>
+      <p:ext uri="{BB962C8B-B14F-4D97-AF65-F5344CB8AC3E}">
+        <p14:creationId xmlns:p14="http://schemas.microsoft.com/office/powerpoint/2010/main" val="2503604789"/>
+      </p:ext>
+    </p:extLst>
+  </p:cSld>
+  <p:clrMapOvr>
+    <a:masterClrMapping/>
+  </p:clrMapOvr>
+</p:sld>
+</file>
+
+<file path=ppt/slides/slide19.xml><?xml version="1.0" encoding="utf-8"?>
+<p:sld xmlns:a="http://schemas.openxmlformats.org/drawingml/2006/main" xmlns:r="http://schemas.openxmlformats.org/officeDocument/2006/relationships" xmlns:p="http://schemas.openxmlformats.org/presentationml/2006/main">
+  <p:cSld>
+    <p:spTree>
+      <p:nvGrpSpPr>
+        <p:cNvPr id="1" name=""/>
+        <p:cNvGrpSpPr/>
+        <p:nvPr/>
+      </p:nvGrpSpPr>
+      <p:grpSpPr>
+        <a:xfrm>
+          <a:off x="0" y="0"/>
+          <a:ext cx="0" cy="0"/>
+          <a:chOff x="0" y="0"/>
+          <a:chExt cx="0" cy="0"/>
+        </a:xfrm>
+      </p:grpSpPr>
+      <p:sp>
+        <p:nvSpPr>
+          <p:cNvPr id="2" name="Title 1">
+            <a:extLst>
+              <a:ext uri="{FF2B5EF4-FFF2-40B4-BE49-F238E27FC236}">
+                <a16:creationId xmlns:a16="http://schemas.microsoft.com/office/drawing/2014/main" id="{10A6E79C-7337-425C-AD7E-D6AD9FF66A06}"/>
+              </a:ext>
+            </a:extLst>
+          </p:cNvPr>
+          <p:cNvSpPr>
+            <a:spLocks noGrp="1"/>
+          </p:cNvSpPr>
+          <p:nvPr>
+            <p:ph type="title"/>
+          </p:nvPr>
+        </p:nvSpPr>
+        <p:spPr/>
+        <p:txBody>
+          <a:bodyPr>
+            <a:normAutofit/>
+          </a:bodyPr>
+          <a:lstStyle/>
+          <a:p>
+            <a:r>
+              <a:rPr lang="en-GB" dirty="0"/>
+              <a:t>Services –  Facebook Ads</a:t>
+            </a:r>
+            <a:endParaRPr lang="fr-FR" dirty="0"/>
+          </a:p>
+        </p:txBody>
+      </p:sp>
+      <p:graphicFrame>
+        <p:nvGraphicFramePr>
+          <p:cNvPr id="7" name="Content Placeholder 6">
+            <a:extLst>
+              <a:ext uri="{FF2B5EF4-FFF2-40B4-BE49-F238E27FC236}">
+                <a16:creationId xmlns:a16="http://schemas.microsoft.com/office/drawing/2014/main" id="{E11E0253-42B1-467D-851C-8D1ED8B716E7}"/>
+              </a:ext>
+            </a:extLst>
+          </p:cNvPr>
+          <p:cNvGraphicFramePr>
+            <a:graphicFrameLocks noGrp="1"/>
+          </p:cNvGraphicFramePr>
+          <p:nvPr>
+            <p:ph idx="1"/>
+          </p:nvPr>
+        </p:nvGraphicFramePr>
+        <p:xfrm>
+          <a:off x="1097280" y="1845734"/>
+          <a:ext cx="4663440" cy="631427"/>
+        </p:xfrm>
+        <a:graphic>
+          <a:graphicData uri="http://schemas.openxmlformats.org/drawingml/2006/diagram">
+            <dgm:relIds xmlns:dgm="http://schemas.openxmlformats.org/drawingml/2006/diagram" xmlns:r="http://schemas.openxmlformats.org/officeDocument/2006/relationships" r:dm="rId2" r:lo="rId3" r:qs="rId4" r:cs="rId5"/>
+          </a:graphicData>
+        </a:graphic>
+      </p:graphicFrame>
+      <p:sp>
+        <p:nvSpPr>
+          <p:cNvPr id="8" name="TextBox 7">
+            <a:extLst>
+              <a:ext uri="{FF2B5EF4-FFF2-40B4-BE49-F238E27FC236}">
+                <a16:creationId xmlns:a16="http://schemas.microsoft.com/office/drawing/2014/main" id="{4AF17F59-F6B8-4BA7-8A20-7D6DC6990005}"/>
+              </a:ext>
+            </a:extLst>
+          </p:cNvPr>
+          <p:cNvSpPr txBox="1"/>
+          <p:nvPr/>
+        </p:nvSpPr>
+        <p:spPr>
+          <a:xfrm>
+            <a:off x="1097280" y="6409081"/>
+            <a:ext cx="7115542" cy="369332"/>
+          </a:xfrm>
+          <a:prstGeom prst="rect">
+            <a:avLst/>
+          </a:prstGeom>
+          <a:noFill/>
+        </p:spPr>
+        <p:txBody>
+          <a:bodyPr wrap="square">
+            <a:spAutoFit/>
+          </a:bodyPr>
+          <a:lstStyle/>
+          <a:p>
+            <a:r>
+              <a:rPr lang="en-GB" dirty="0">
+                <a:solidFill>
+                  <a:schemeClr val="accent1">
+                    <a:lumMod val="50000"/>
+                  </a:schemeClr>
+                </a:solidFill>
+              </a:rPr>
+              <a:t>Freelance Sessions </a:t>
+            </a:r>
+            <a:endParaRPr lang="fr-FR" dirty="0"/>
+          </a:p>
+        </p:txBody>
+      </p:sp>
+      <p:pic>
+        <p:nvPicPr>
+          <p:cNvPr id="4" name="Picture 3">
+            <a:extLst>
+              <a:ext uri="{FF2B5EF4-FFF2-40B4-BE49-F238E27FC236}">
+                <a16:creationId xmlns:a16="http://schemas.microsoft.com/office/drawing/2014/main" id="{106F3330-BA5E-4AF1-B96D-06DC8DBAA32B}"/>
+              </a:ext>
+            </a:extLst>
+          </p:cNvPr>
+          <p:cNvPicPr>
+            <a:picLocks noChangeAspect="1"/>
+          </p:cNvPicPr>
+          <p:nvPr/>
+        </p:nvPicPr>
+        <p:blipFill>
+          <a:blip r:embed="rId7"/>
+          <a:stretch>
+            <a:fillRect/>
+          </a:stretch>
+        </p:blipFill>
+        <p:spPr>
+          <a:xfrm>
+            <a:off x="1188720" y="1689660"/>
+            <a:ext cx="8638973" cy="5103804"/>
+          </a:xfrm>
+          <a:prstGeom prst="rect">
+            <a:avLst/>
+          </a:prstGeom>
+        </p:spPr>
+      </p:pic>
+    </p:spTree>
+    <p:extLst>
+      <p:ext uri="{BB962C8B-B14F-4D97-AF65-F5344CB8AC3E}">
+        <p14:creationId xmlns:p14="http://schemas.microsoft.com/office/powerpoint/2010/main" val="314039388"/>
       </p:ext>
     </p:extLst>
   </p:cSld>
@@ -52717,483 +48590,6 @@
           <a:p>
             <a:r>
               <a:rPr lang="en-GB" dirty="0"/>
-              <a:t>Services –  Chrome extensions</a:t>
-            </a:r>
-            <a:endParaRPr lang="fr-FR" dirty="0"/>
-          </a:p>
-        </p:txBody>
-      </p:sp>
-      <p:graphicFrame>
-        <p:nvGraphicFramePr>
-          <p:cNvPr id="7" name="Content Placeholder 6">
-            <a:extLst>
-              <a:ext uri="{FF2B5EF4-FFF2-40B4-BE49-F238E27FC236}">
-                <a16:creationId xmlns:a16="http://schemas.microsoft.com/office/drawing/2014/main" id="{E11E0253-42B1-467D-851C-8D1ED8B716E7}"/>
-              </a:ext>
-            </a:extLst>
-          </p:cNvPr>
-          <p:cNvGraphicFramePr>
-            <a:graphicFrameLocks noGrp="1"/>
-          </p:cNvGraphicFramePr>
-          <p:nvPr>
-            <p:ph idx="1"/>
-          </p:nvPr>
-        </p:nvGraphicFramePr>
-        <p:xfrm>
-          <a:off x="1097280" y="1845734"/>
-          <a:ext cx="4663440" cy="631427"/>
-        </p:xfrm>
-        <a:graphic>
-          <a:graphicData uri="http://schemas.openxmlformats.org/drawingml/2006/diagram">
-            <dgm:relIds xmlns:dgm="http://schemas.openxmlformats.org/drawingml/2006/diagram" xmlns:r="http://schemas.openxmlformats.org/officeDocument/2006/relationships" r:dm="rId2" r:lo="rId3" r:qs="rId4" r:cs="rId5"/>
-          </a:graphicData>
-        </a:graphic>
-      </p:graphicFrame>
-      <p:sp>
-        <p:nvSpPr>
-          <p:cNvPr id="8" name="TextBox 7">
-            <a:extLst>
-              <a:ext uri="{FF2B5EF4-FFF2-40B4-BE49-F238E27FC236}">
-                <a16:creationId xmlns:a16="http://schemas.microsoft.com/office/drawing/2014/main" id="{4AF17F59-F6B8-4BA7-8A20-7D6DC6990005}"/>
-              </a:ext>
-            </a:extLst>
-          </p:cNvPr>
-          <p:cNvSpPr txBox="1"/>
-          <p:nvPr/>
-        </p:nvSpPr>
-        <p:spPr>
-          <a:xfrm>
-            <a:off x="1097280" y="6409081"/>
-            <a:ext cx="7115542" cy="369332"/>
-          </a:xfrm>
-          <a:prstGeom prst="rect">
-            <a:avLst/>
-          </a:prstGeom>
-          <a:noFill/>
-        </p:spPr>
-        <p:txBody>
-          <a:bodyPr wrap="square">
-            <a:spAutoFit/>
-          </a:bodyPr>
-          <a:lstStyle/>
-          <a:p>
-            <a:r>
-              <a:rPr lang="en-GB" dirty="0">
-                <a:solidFill>
-                  <a:schemeClr val="accent1">
-                    <a:lumMod val="50000"/>
-                  </a:schemeClr>
-                </a:solidFill>
-              </a:rPr>
-              <a:t>Freelance Sessions </a:t>
-            </a:r>
-            <a:endParaRPr lang="fr-FR" dirty="0"/>
-          </a:p>
-        </p:txBody>
-      </p:sp>
-      <p:pic>
-        <p:nvPicPr>
-          <p:cNvPr id="4" name="Picture 3">
-            <a:extLst>
-              <a:ext uri="{FF2B5EF4-FFF2-40B4-BE49-F238E27FC236}">
-                <a16:creationId xmlns:a16="http://schemas.microsoft.com/office/drawing/2014/main" id="{7949FEF9-E9CD-4D76-9645-4F494BFBD3B9}"/>
-              </a:ext>
-            </a:extLst>
-          </p:cNvPr>
-          <p:cNvPicPr>
-            <a:picLocks noChangeAspect="1"/>
-          </p:cNvPicPr>
-          <p:nvPr/>
-        </p:nvPicPr>
-        <p:blipFill>
-          <a:blip r:embed="rId7"/>
-          <a:stretch>
-            <a:fillRect/>
-          </a:stretch>
-        </p:blipFill>
-        <p:spPr>
-          <a:xfrm>
-            <a:off x="1097280" y="1845734"/>
-            <a:ext cx="6496957" cy="4610743"/>
-          </a:xfrm>
-          <a:prstGeom prst="rect">
-            <a:avLst/>
-          </a:prstGeom>
-        </p:spPr>
-      </p:pic>
-    </p:spTree>
-    <p:extLst>
-      <p:ext uri="{BB962C8B-B14F-4D97-AF65-F5344CB8AC3E}">
-        <p14:creationId xmlns:p14="http://schemas.microsoft.com/office/powerpoint/2010/main" val="903547522"/>
-      </p:ext>
-    </p:extLst>
-  </p:cSld>
-  <p:clrMapOvr>
-    <a:masterClrMapping/>
-  </p:clrMapOvr>
-</p:sld>
-</file>
-
-<file path=ppt/slides/slide21.xml><?xml version="1.0" encoding="utf-8"?>
-<p:sld xmlns:a="http://schemas.openxmlformats.org/drawingml/2006/main" xmlns:r="http://schemas.openxmlformats.org/officeDocument/2006/relationships" xmlns:p="http://schemas.openxmlformats.org/presentationml/2006/main">
-  <p:cSld>
-    <p:spTree>
-      <p:nvGrpSpPr>
-        <p:cNvPr id="1" name=""/>
-        <p:cNvGrpSpPr/>
-        <p:nvPr/>
-      </p:nvGrpSpPr>
-      <p:grpSpPr>
-        <a:xfrm>
-          <a:off x="0" y="0"/>
-          <a:ext cx="0" cy="0"/>
-          <a:chOff x="0" y="0"/>
-          <a:chExt cx="0" cy="0"/>
-        </a:xfrm>
-      </p:grpSpPr>
-      <p:sp>
-        <p:nvSpPr>
-          <p:cNvPr id="2" name="Title 1">
-            <a:extLst>
-              <a:ext uri="{FF2B5EF4-FFF2-40B4-BE49-F238E27FC236}">
-                <a16:creationId xmlns:a16="http://schemas.microsoft.com/office/drawing/2014/main" id="{10A6E79C-7337-425C-AD7E-D6AD9FF66A06}"/>
-              </a:ext>
-            </a:extLst>
-          </p:cNvPr>
-          <p:cNvSpPr>
-            <a:spLocks noGrp="1"/>
-          </p:cNvSpPr>
-          <p:nvPr>
-            <p:ph type="title"/>
-          </p:nvPr>
-        </p:nvSpPr>
-        <p:spPr/>
-        <p:txBody>
-          <a:bodyPr>
-            <a:normAutofit/>
-          </a:bodyPr>
-          <a:lstStyle/>
-          <a:p>
-            <a:r>
-              <a:rPr lang="en-GB" dirty="0"/>
-              <a:t>Services –  UI Design</a:t>
-            </a:r>
-            <a:endParaRPr lang="fr-FR" dirty="0"/>
-          </a:p>
-        </p:txBody>
-      </p:sp>
-      <p:graphicFrame>
-        <p:nvGraphicFramePr>
-          <p:cNvPr id="7" name="Content Placeholder 6">
-            <a:extLst>
-              <a:ext uri="{FF2B5EF4-FFF2-40B4-BE49-F238E27FC236}">
-                <a16:creationId xmlns:a16="http://schemas.microsoft.com/office/drawing/2014/main" id="{E11E0253-42B1-467D-851C-8D1ED8B716E7}"/>
-              </a:ext>
-            </a:extLst>
-          </p:cNvPr>
-          <p:cNvGraphicFramePr>
-            <a:graphicFrameLocks noGrp="1"/>
-          </p:cNvGraphicFramePr>
-          <p:nvPr>
-            <p:ph idx="1"/>
-          </p:nvPr>
-        </p:nvGraphicFramePr>
-        <p:xfrm>
-          <a:off x="1097280" y="1845734"/>
-          <a:ext cx="4663440" cy="631427"/>
-        </p:xfrm>
-        <a:graphic>
-          <a:graphicData uri="http://schemas.openxmlformats.org/drawingml/2006/diagram">
-            <dgm:relIds xmlns:dgm="http://schemas.openxmlformats.org/drawingml/2006/diagram" xmlns:r="http://schemas.openxmlformats.org/officeDocument/2006/relationships" r:dm="rId2" r:lo="rId3" r:qs="rId4" r:cs="rId5"/>
-          </a:graphicData>
-        </a:graphic>
-      </p:graphicFrame>
-      <p:sp>
-        <p:nvSpPr>
-          <p:cNvPr id="8" name="TextBox 7">
-            <a:extLst>
-              <a:ext uri="{FF2B5EF4-FFF2-40B4-BE49-F238E27FC236}">
-                <a16:creationId xmlns:a16="http://schemas.microsoft.com/office/drawing/2014/main" id="{4AF17F59-F6B8-4BA7-8A20-7D6DC6990005}"/>
-              </a:ext>
-            </a:extLst>
-          </p:cNvPr>
-          <p:cNvSpPr txBox="1"/>
-          <p:nvPr/>
-        </p:nvSpPr>
-        <p:spPr>
-          <a:xfrm>
-            <a:off x="1097280" y="6409081"/>
-            <a:ext cx="7115542" cy="369332"/>
-          </a:xfrm>
-          <a:prstGeom prst="rect">
-            <a:avLst/>
-          </a:prstGeom>
-          <a:noFill/>
-        </p:spPr>
-        <p:txBody>
-          <a:bodyPr wrap="square">
-            <a:spAutoFit/>
-          </a:bodyPr>
-          <a:lstStyle/>
-          <a:p>
-            <a:r>
-              <a:rPr lang="en-GB" dirty="0">
-                <a:solidFill>
-                  <a:schemeClr val="accent1">
-                    <a:lumMod val="50000"/>
-                  </a:schemeClr>
-                </a:solidFill>
-              </a:rPr>
-              <a:t>Freelance Sessions </a:t>
-            </a:r>
-            <a:endParaRPr lang="fr-FR" dirty="0"/>
-          </a:p>
-        </p:txBody>
-      </p:sp>
-      <p:pic>
-        <p:nvPicPr>
-          <p:cNvPr id="5" name="Picture 4">
-            <a:extLst>
-              <a:ext uri="{FF2B5EF4-FFF2-40B4-BE49-F238E27FC236}">
-                <a16:creationId xmlns:a16="http://schemas.microsoft.com/office/drawing/2014/main" id="{C423C194-6916-423B-A2B6-48C695849A05}"/>
-              </a:ext>
-            </a:extLst>
-          </p:cNvPr>
-          <p:cNvPicPr>
-            <a:picLocks noChangeAspect="1"/>
-          </p:cNvPicPr>
-          <p:nvPr/>
-        </p:nvPicPr>
-        <p:blipFill>
-          <a:blip r:embed="rId7"/>
-          <a:stretch>
-            <a:fillRect/>
-          </a:stretch>
-        </p:blipFill>
-        <p:spPr>
-          <a:xfrm>
-            <a:off x="1196340" y="1740812"/>
-            <a:ext cx="8671560" cy="4776075"/>
-          </a:xfrm>
-          <a:prstGeom prst="rect">
-            <a:avLst/>
-          </a:prstGeom>
-        </p:spPr>
-      </p:pic>
-    </p:spTree>
-    <p:extLst>
-      <p:ext uri="{BB962C8B-B14F-4D97-AF65-F5344CB8AC3E}">
-        <p14:creationId xmlns:p14="http://schemas.microsoft.com/office/powerpoint/2010/main" val="2503604789"/>
-      </p:ext>
-    </p:extLst>
-  </p:cSld>
-  <p:clrMapOvr>
-    <a:masterClrMapping/>
-  </p:clrMapOvr>
-</p:sld>
-</file>
-
-<file path=ppt/slides/slide22.xml><?xml version="1.0" encoding="utf-8"?>
-<p:sld xmlns:a="http://schemas.openxmlformats.org/drawingml/2006/main" xmlns:r="http://schemas.openxmlformats.org/officeDocument/2006/relationships" xmlns:p="http://schemas.openxmlformats.org/presentationml/2006/main">
-  <p:cSld>
-    <p:spTree>
-      <p:nvGrpSpPr>
-        <p:cNvPr id="1" name=""/>
-        <p:cNvGrpSpPr/>
-        <p:nvPr/>
-      </p:nvGrpSpPr>
-      <p:grpSpPr>
-        <a:xfrm>
-          <a:off x="0" y="0"/>
-          <a:ext cx="0" cy="0"/>
-          <a:chOff x="0" y="0"/>
-          <a:chExt cx="0" cy="0"/>
-        </a:xfrm>
-      </p:grpSpPr>
-      <p:sp>
-        <p:nvSpPr>
-          <p:cNvPr id="2" name="Title 1">
-            <a:extLst>
-              <a:ext uri="{FF2B5EF4-FFF2-40B4-BE49-F238E27FC236}">
-                <a16:creationId xmlns:a16="http://schemas.microsoft.com/office/drawing/2014/main" id="{10A6E79C-7337-425C-AD7E-D6AD9FF66A06}"/>
-              </a:ext>
-            </a:extLst>
-          </p:cNvPr>
-          <p:cNvSpPr>
-            <a:spLocks noGrp="1"/>
-          </p:cNvSpPr>
-          <p:nvPr>
-            <p:ph type="title"/>
-          </p:nvPr>
-        </p:nvSpPr>
-        <p:spPr/>
-        <p:txBody>
-          <a:bodyPr>
-            <a:normAutofit/>
-          </a:bodyPr>
-          <a:lstStyle/>
-          <a:p>
-            <a:r>
-              <a:rPr lang="en-GB" dirty="0"/>
-              <a:t>Services –  Facebook Ads</a:t>
-            </a:r>
-            <a:endParaRPr lang="fr-FR" dirty="0"/>
-          </a:p>
-        </p:txBody>
-      </p:sp>
-      <p:graphicFrame>
-        <p:nvGraphicFramePr>
-          <p:cNvPr id="7" name="Content Placeholder 6">
-            <a:extLst>
-              <a:ext uri="{FF2B5EF4-FFF2-40B4-BE49-F238E27FC236}">
-                <a16:creationId xmlns:a16="http://schemas.microsoft.com/office/drawing/2014/main" id="{E11E0253-42B1-467D-851C-8D1ED8B716E7}"/>
-              </a:ext>
-            </a:extLst>
-          </p:cNvPr>
-          <p:cNvGraphicFramePr>
-            <a:graphicFrameLocks noGrp="1"/>
-          </p:cNvGraphicFramePr>
-          <p:nvPr>
-            <p:ph idx="1"/>
-          </p:nvPr>
-        </p:nvGraphicFramePr>
-        <p:xfrm>
-          <a:off x="1097280" y="1845734"/>
-          <a:ext cx="4663440" cy="631427"/>
-        </p:xfrm>
-        <a:graphic>
-          <a:graphicData uri="http://schemas.openxmlformats.org/drawingml/2006/diagram">
-            <dgm:relIds xmlns:dgm="http://schemas.openxmlformats.org/drawingml/2006/diagram" xmlns:r="http://schemas.openxmlformats.org/officeDocument/2006/relationships" r:dm="rId2" r:lo="rId3" r:qs="rId4" r:cs="rId5"/>
-          </a:graphicData>
-        </a:graphic>
-      </p:graphicFrame>
-      <p:sp>
-        <p:nvSpPr>
-          <p:cNvPr id="8" name="TextBox 7">
-            <a:extLst>
-              <a:ext uri="{FF2B5EF4-FFF2-40B4-BE49-F238E27FC236}">
-                <a16:creationId xmlns:a16="http://schemas.microsoft.com/office/drawing/2014/main" id="{4AF17F59-F6B8-4BA7-8A20-7D6DC6990005}"/>
-              </a:ext>
-            </a:extLst>
-          </p:cNvPr>
-          <p:cNvSpPr txBox="1"/>
-          <p:nvPr/>
-        </p:nvSpPr>
-        <p:spPr>
-          <a:xfrm>
-            <a:off x="1097280" y="6409081"/>
-            <a:ext cx="7115542" cy="369332"/>
-          </a:xfrm>
-          <a:prstGeom prst="rect">
-            <a:avLst/>
-          </a:prstGeom>
-          <a:noFill/>
-        </p:spPr>
-        <p:txBody>
-          <a:bodyPr wrap="square">
-            <a:spAutoFit/>
-          </a:bodyPr>
-          <a:lstStyle/>
-          <a:p>
-            <a:r>
-              <a:rPr lang="en-GB" dirty="0">
-                <a:solidFill>
-                  <a:schemeClr val="accent1">
-                    <a:lumMod val="50000"/>
-                  </a:schemeClr>
-                </a:solidFill>
-              </a:rPr>
-              <a:t>Freelance Sessions </a:t>
-            </a:r>
-            <a:endParaRPr lang="fr-FR" dirty="0"/>
-          </a:p>
-        </p:txBody>
-      </p:sp>
-      <p:pic>
-        <p:nvPicPr>
-          <p:cNvPr id="4" name="Picture 3">
-            <a:extLst>
-              <a:ext uri="{FF2B5EF4-FFF2-40B4-BE49-F238E27FC236}">
-                <a16:creationId xmlns:a16="http://schemas.microsoft.com/office/drawing/2014/main" id="{106F3330-BA5E-4AF1-B96D-06DC8DBAA32B}"/>
-              </a:ext>
-            </a:extLst>
-          </p:cNvPr>
-          <p:cNvPicPr>
-            <a:picLocks noChangeAspect="1"/>
-          </p:cNvPicPr>
-          <p:nvPr/>
-        </p:nvPicPr>
-        <p:blipFill>
-          <a:blip r:embed="rId7"/>
-          <a:stretch>
-            <a:fillRect/>
-          </a:stretch>
-        </p:blipFill>
-        <p:spPr>
-          <a:xfrm>
-            <a:off x="1188720" y="1689660"/>
-            <a:ext cx="8638973" cy="5103804"/>
-          </a:xfrm>
-          <a:prstGeom prst="rect">
-            <a:avLst/>
-          </a:prstGeom>
-        </p:spPr>
-      </p:pic>
-    </p:spTree>
-    <p:extLst>
-      <p:ext uri="{BB962C8B-B14F-4D97-AF65-F5344CB8AC3E}">
-        <p14:creationId xmlns:p14="http://schemas.microsoft.com/office/powerpoint/2010/main" val="314039388"/>
-      </p:ext>
-    </p:extLst>
-  </p:cSld>
-  <p:clrMapOvr>
-    <a:masterClrMapping/>
-  </p:clrMapOvr>
-</p:sld>
-</file>
-
-<file path=ppt/slides/slide23.xml><?xml version="1.0" encoding="utf-8"?>
-<p:sld xmlns:a="http://schemas.openxmlformats.org/drawingml/2006/main" xmlns:r="http://schemas.openxmlformats.org/officeDocument/2006/relationships" xmlns:p="http://schemas.openxmlformats.org/presentationml/2006/main">
-  <p:cSld>
-    <p:spTree>
-      <p:nvGrpSpPr>
-        <p:cNvPr id="1" name=""/>
-        <p:cNvGrpSpPr/>
-        <p:nvPr/>
-      </p:nvGrpSpPr>
-      <p:grpSpPr>
-        <a:xfrm>
-          <a:off x="0" y="0"/>
-          <a:ext cx="0" cy="0"/>
-          <a:chOff x="0" y="0"/>
-          <a:chExt cx="0" cy="0"/>
-        </a:xfrm>
-      </p:grpSpPr>
-      <p:sp>
-        <p:nvSpPr>
-          <p:cNvPr id="2" name="Title 1">
-            <a:extLst>
-              <a:ext uri="{FF2B5EF4-FFF2-40B4-BE49-F238E27FC236}">
-                <a16:creationId xmlns:a16="http://schemas.microsoft.com/office/drawing/2014/main" id="{10A6E79C-7337-425C-AD7E-D6AD9FF66A06}"/>
-              </a:ext>
-            </a:extLst>
-          </p:cNvPr>
-          <p:cNvSpPr>
-            <a:spLocks noGrp="1"/>
-          </p:cNvSpPr>
-          <p:nvPr>
-            <p:ph type="title"/>
-          </p:nvPr>
-        </p:nvSpPr>
-        <p:spPr/>
-        <p:txBody>
-          <a:bodyPr>
-            <a:normAutofit/>
-          </a:bodyPr>
-          <a:lstStyle/>
-          <a:p>
-            <a:r>
-              <a:rPr lang="en-GB" dirty="0"/>
               <a:t>Services – </a:t>
             </a:r>
             <a:br>
@@ -53318,7 +48714,7 @@
 </p:sld>
 </file>
 
-<file path=ppt/slides/slide24.xml><?xml version="1.0" encoding="utf-8"?>
+<file path=ppt/slides/slide21.xml><?xml version="1.0" encoding="utf-8"?>
 <p:sld xmlns:a="http://schemas.openxmlformats.org/drawingml/2006/main" xmlns:r="http://schemas.openxmlformats.org/officeDocument/2006/relationships" xmlns:p="http://schemas.openxmlformats.org/presentationml/2006/main">
   <p:cSld>
     <p:spTree>
@@ -53475,6 +48871,172 @@
     <p:extLst>
       <p:ext uri="{BB962C8B-B14F-4D97-AF65-F5344CB8AC3E}">
         <p14:creationId xmlns:p14="http://schemas.microsoft.com/office/powerpoint/2010/main" val="3710024370"/>
+      </p:ext>
+    </p:extLst>
+  </p:cSld>
+  <p:clrMapOvr>
+    <a:masterClrMapping/>
+  </p:clrMapOvr>
+</p:sld>
+</file>
+
+<file path=ppt/slides/slide22.xml><?xml version="1.0" encoding="utf-8"?>
+<p:sld xmlns:a="http://schemas.openxmlformats.org/drawingml/2006/main" xmlns:r="http://schemas.openxmlformats.org/officeDocument/2006/relationships" xmlns:p="http://schemas.openxmlformats.org/presentationml/2006/main">
+  <p:cSld>
+    <p:spTree>
+      <p:nvGrpSpPr>
+        <p:cNvPr id="1" name=""/>
+        <p:cNvGrpSpPr/>
+        <p:nvPr/>
+      </p:nvGrpSpPr>
+      <p:grpSpPr>
+        <a:xfrm>
+          <a:off x="0" y="0"/>
+          <a:ext cx="0" cy="0"/>
+          <a:chOff x="0" y="0"/>
+          <a:chExt cx="0" cy="0"/>
+        </a:xfrm>
+      </p:grpSpPr>
+      <p:sp>
+        <p:nvSpPr>
+          <p:cNvPr id="2" name="Title 1">
+            <a:extLst>
+              <a:ext uri="{FF2B5EF4-FFF2-40B4-BE49-F238E27FC236}">
+                <a16:creationId xmlns:a16="http://schemas.microsoft.com/office/drawing/2014/main" id="{10A6E79C-7337-425C-AD7E-D6AD9FF66A06}"/>
+              </a:ext>
+            </a:extLst>
+          </p:cNvPr>
+          <p:cNvSpPr>
+            <a:spLocks noGrp="1"/>
+          </p:cNvSpPr>
+          <p:nvPr>
+            <p:ph type="title"/>
+          </p:nvPr>
+        </p:nvSpPr>
+        <p:spPr/>
+        <p:txBody>
+          <a:bodyPr>
+            <a:normAutofit/>
+          </a:bodyPr>
+          <a:lstStyle/>
+          <a:p>
+            <a:r>
+              <a:rPr lang="en-GB" dirty="0"/>
+              <a:t>Services – </a:t>
+            </a:r>
+            <a:br>
+              <a:rPr lang="en-GB" dirty="0"/>
+            </a:br>
+            <a:r>
+              <a:rPr lang="en-GB" dirty="0"/>
+              <a:t>Mock technical interviews</a:t>
+            </a:r>
+            <a:endParaRPr lang="fr-FR" dirty="0"/>
+          </a:p>
+        </p:txBody>
+      </p:sp>
+      <p:graphicFrame>
+        <p:nvGraphicFramePr>
+          <p:cNvPr id="7" name="Content Placeholder 6">
+            <a:extLst>
+              <a:ext uri="{FF2B5EF4-FFF2-40B4-BE49-F238E27FC236}">
+                <a16:creationId xmlns:a16="http://schemas.microsoft.com/office/drawing/2014/main" id="{E11E0253-42B1-467D-851C-8D1ED8B716E7}"/>
+              </a:ext>
+            </a:extLst>
+          </p:cNvPr>
+          <p:cNvGraphicFramePr>
+            <a:graphicFrameLocks noGrp="1"/>
+          </p:cNvGraphicFramePr>
+          <p:nvPr>
+            <p:ph idx="1"/>
+          </p:nvPr>
+        </p:nvGraphicFramePr>
+        <p:xfrm>
+          <a:off x="1097280" y="1845734"/>
+          <a:ext cx="4663440" cy="631427"/>
+        </p:xfrm>
+        <a:graphic>
+          <a:graphicData uri="http://schemas.openxmlformats.org/drawingml/2006/diagram">
+            <dgm:relIds xmlns:dgm="http://schemas.openxmlformats.org/drawingml/2006/diagram" xmlns:r="http://schemas.openxmlformats.org/officeDocument/2006/relationships" r:dm="rId2" r:lo="rId3" r:qs="rId4" r:cs="rId5"/>
+          </a:graphicData>
+        </a:graphic>
+      </p:graphicFrame>
+      <p:sp>
+        <p:nvSpPr>
+          <p:cNvPr id="8" name="TextBox 7">
+            <a:extLst>
+              <a:ext uri="{FF2B5EF4-FFF2-40B4-BE49-F238E27FC236}">
+                <a16:creationId xmlns:a16="http://schemas.microsoft.com/office/drawing/2014/main" id="{4AF17F59-F6B8-4BA7-8A20-7D6DC6990005}"/>
+              </a:ext>
+            </a:extLst>
+          </p:cNvPr>
+          <p:cNvSpPr txBox="1"/>
+          <p:nvPr/>
+        </p:nvSpPr>
+        <p:spPr>
+          <a:xfrm>
+            <a:off x="1097280" y="6409081"/>
+            <a:ext cx="7115542" cy="369332"/>
+          </a:xfrm>
+          <a:prstGeom prst="rect">
+            <a:avLst/>
+          </a:prstGeom>
+          <a:noFill/>
+        </p:spPr>
+        <p:txBody>
+          <a:bodyPr wrap="square">
+            <a:spAutoFit/>
+          </a:bodyPr>
+          <a:lstStyle/>
+          <a:p>
+            <a:r>
+              <a:rPr lang="en-GB" dirty="0">
+                <a:solidFill>
+                  <a:schemeClr val="accent1">
+                    <a:lumMod val="50000"/>
+                  </a:schemeClr>
+                </a:solidFill>
+              </a:rPr>
+              <a:t>Freelance Sessions </a:t>
+            </a:r>
+            <a:endParaRPr lang="fr-FR" dirty="0"/>
+          </a:p>
+        </p:txBody>
+      </p:sp>
+      <p:pic>
+        <p:nvPicPr>
+          <p:cNvPr id="5" name="Picture 4">
+            <a:extLst>
+              <a:ext uri="{FF2B5EF4-FFF2-40B4-BE49-F238E27FC236}">
+                <a16:creationId xmlns:a16="http://schemas.microsoft.com/office/drawing/2014/main" id="{6F47F56D-64D0-4C98-BB36-1E133F7A2A68}"/>
+              </a:ext>
+            </a:extLst>
+          </p:cNvPr>
+          <p:cNvPicPr>
+            <a:picLocks noChangeAspect="1"/>
+          </p:cNvPicPr>
+          <p:nvPr/>
+        </p:nvPicPr>
+        <p:blipFill>
+          <a:blip r:embed="rId7"/>
+          <a:stretch>
+            <a:fillRect/>
+          </a:stretch>
+        </p:blipFill>
+        <p:spPr>
+          <a:xfrm>
+            <a:off x="1225867" y="1534692"/>
+            <a:ext cx="8344662" cy="4874389"/>
+          </a:xfrm>
+          <a:prstGeom prst="rect">
+            <a:avLst/>
+          </a:prstGeom>
+        </p:spPr>
+      </p:pic>
+    </p:spTree>
+    <p:extLst>
+      <p:ext uri="{BB962C8B-B14F-4D97-AF65-F5344CB8AC3E}">
+        <p14:creationId xmlns:p14="http://schemas.microsoft.com/office/powerpoint/2010/main" val="2854004218"/>
       </p:ext>
     </p:extLst>
   </p:cSld>
@@ -54005,163 +49567,6 @@
           <a:p>
             <a:r>
               <a:rPr lang="en-GB" dirty="0"/>
-              <a:t>Services – Desktop apps</a:t>
-            </a:r>
-            <a:endParaRPr lang="fr-FR" dirty="0"/>
-          </a:p>
-        </p:txBody>
-      </p:sp>
-      <p:graphicFrame>
-        <p:nvGraphicFramePr>
-          <p:cNvPr id="7" name="Content Placeholder 6">
-            <a:extLst>
-              <a:ext uri="{FF2B5EF4-FFF2-40B4-BE49-F238E27FC236}">
-                <a16:creationId xmlns:a16="http://schemas.microsoft.com/office/drawing/2014/main" id="{E11E0253-42B1-467D-851C-8D1ED8B716E7}"/>
-              </a:ext>
-            </a:extLst>
-          </p:cNvPr>
-          <p:cNvGraphicFramePr>
-            <a:graphicFrameLocks noGrp="1"/>
-          </p:cNvGraphicFramePr>
-          <p:nvPr>
-            <p:ph idx="1"/>
-          </p:nvPr>
-        </p:nvGraphicFramePr>
-        <p:xfrm>
-          <a:off x="1097280" y="1845734"/>
-          <a:ext cx="4663440" cy="631427"/>
-        </p:xfrm>
-        <a:graphic>
-          <a:graphicData uri="http://schemas.openxmlformats.org/drawingml/2006/diagram">
-            <dgm:relIds xmlns:dgm="http://schemas.openxmlformats.org/drawingml/2006/diagram" xmlns:r="http://schemas.openxmlformats.org/officeDocument/2006/relationships" r:dm="rId2" r:lo="rId3" r:qs="rId4" r:cs="rId5"/>
-          </a:graphicData>
-        </a:graphic>
-      </p:graphicFrame>
-      <p:sp>
-        <p:nvSpPr>
-          <p:cNvPr id="8" name="TextBox 7">
-            <a:extLst>
-              <a:ext uri="{FF2B5EF4-FFF2-40B4-BE49-F238E27FC236}">
-                <a16:creationId xmlns:a16="http://schemas.microsoft.com/office/drawing/2014/main" id="{4AF17F59-F6B8-4BA7-8A20-7D6DC6990005}"/>
-              </a:ext>
-            </a:extLst>
-          </p:cNvPr>
-          <p:cNvSpPr txBox="1"/>
-          <p:nvPr/>
-        </p:nvSpPr>
-        <p:spPr>
-          <a:xfrm>
-            <a:off x="1097280" y="6409081"/>
-            <a:ext cx="7115542" cy="369332"/>
-          </a:xfrm>
-          <a:prstGeom prst="rect">
-            <a:avLst/>
-          </a:prstGeom>
-          <a:noFill/>
-        </p:spPr>
-        <p:txBody>
-          <a:bodyPr wrap="square">
-            <a:spAutoFit/>
-          </a:bodyPr>
-          <a:lstStyle/>
-          <a:p>
-            <a:r>
-              <a:rPr lang="en-GB" dirty="0">
-                <a:solidFill>
-                  <a:schemeClr val="accent1">
-                    <a:lumMod val="50000"/>
-                  </a:schemeClr>
-                </a:solidFill>
-              </a:rPr>
-              <a:t>Freelance Sessions </a:t>
-            </a:r>
-            <a:endParaRPr lang="fr-FR" dirty="0"/>
-          </a:p>
-        </p:txBody>
-      </p:sp>
-      <p:pic>
-        <p:nvPicPr>
-          <p:cNvPr id="5" name="Picture 4">
-            <a:extLst>
-              <a:ext uri="{FF2B5EF4-FFF2-40B4-BE49-F238E27FC236}">
-                <a16:creationId xmlns:a16="http://schemas.microsoft.com/office/drawing/2014/main" id="{1E054750-E8E1-4B69-A17F-B45243275F36}"/>
-              </a:ext>
-            </a:extLst>
-          </p:cNvPr>
-          <p:cNvPicPr>
-            <a:picLocks noChangeAspect="1"/>
-          </p:cNvPicPr>
-          <p:nvPr/>
-        </p:nvPicPr>
-        <p:blipFill>
-          <a:blip r:embed="rId7"/>
-          <a:stretch>
-            <a:fillRect/>
-          </a:stretch>
-        </p:blipFill>
-        <p:spPr>
-          <a:xfrm>
-            <a:off x="1097280" y="2732221"/>
-            <a:ext cx="10058400" cy="3010320"/>
-          </a:xfrm>
-          <a:prstGeom prst="rect">
-            <a:avLst/>
-          </a:prstGeom>
-        </p:spPr>
-      </p:pic>
-    </p:spTree>
-    <p:extLst>
-      <p:ext uri="{BB962C8B-B14F-4D97-AF65-F5344CB8AC3E}">
-        <p14:creationId xmlns:p14="http://schemas.microsoft.com/office/powerpoint/2010/main" val="3667752681"/>
-      </p:ext>
-    </p:extLst>
-  </p:cSld>
-  <p:clrMapOvr>
-    <a:masterClrMapping/>
-  </p:clrMapOvr>
-</p:sld>
-</file>
-
-<file path=ppt/slides/slide7.xml><?xml version="1.0" encoding="utf-8"?>
-<p:sld xmlns:a="http://schemas.openxmlformats.org/drawingml/2006/main" xmlns:r="http://schemas.openxmlformats.org/officeDocument/2006/relationships" xmlns:p="http://schemas.openxmlformats.org/presentationml/2006/main">
-  <p:cSld>
-    <p:spTree>
-      <p:nvGrpSpPr>
-        <p:cNvPr id="1" name=""/>
-        <p:cNvGrpSpPr/>
-        <p:nvPr/>
-      </p:nvGrpSpPr>
-      <p:grpSpPr>
-        <a:xfrm>
-          <a:off x="0" y="0"/>
-          <a:ext cx="0" cy="0"/>
-          <a:chOff x="0" y="0"/>
-          <a:chExt cx="0" cy="0"/>
-        </a:xfrm>
-      </p:grpSpPr>
-      <p:sp>
-        <p:nvSpPr>
-          <p:cNvPr id="2" name="Title 1">
-            <a:extLst>
-              <a:ext uri="{FF2B5EF4-FFF2-40B4-BE49-F238E27FC236}">
-                <a16:creationId xmlns:a16="http://schemas.microsoft.com/office/drawing/2014/main" id="{10A6E79C-7337-425C-AD7E-D6AD9FF66A06}"/>
-              </a:ext>
-            </a:extLst>
-          </p:cNvPr>
-          <p:cNvSpPr>
-            <a:spLocks noGrp="1"/>
-          </p:cNvSpPr>
-          <p:nvPr>
-            <p:ph type="title"/>
-          </p:nvPr>
-        </p:nvSpPr>
-        <p:spPr/>
-        <p:txBody>
-          <a:bodyPr/>
-          <a:lstStyle/>
-          <a:p>
-            <a:r>
-              <a:rPr lang="en-GB" dirty="0"/>
               <a:t>Services –  End to End Web App</a:t>
             </a:r>
             <a:endParaRPr lang="fr-FR" dirty="0"/>
@@ -54284,7 +49689,7 @@
 </p:sld>
 </file>
 
-<file path=ppt/slides/slide8.xml><?xml version="1.0" encoding="utf-8"?>
+<file path=ppt/slides/slide7.xml><?xml version="1.0" encoding="utf-8"?>
 <p:sld xmlns:a="http://schemas.openxmlformats.org/drawingml/2006/main" xmlns:r="http://schemas.openxmlformats.org/officeDocument/2006/relationships" xmlns:p="http://schemas.openxmlformats.org/presentationml/2006/main">
   <p:cSld>
     <p:spTree>
@@ -54441,7 +49846,7 @@
 </p:sld>
 </file>
 
-<file path=ppt/slides/slide9.xml><?xml version="1.0" encoding="utf-8"?>
+<file path=ppt/slides/slide8.xml><?xml version="1.0" encoding="utf-8"?>
 <p:sld xmlns:a="http://schemas.openxmlformats.org/drawingml/2006/main" xmlns:r="http://schemas.openxmlformats.org/officeDocument/2006/relationships" xmlns:p="http://schemas.openxmlformats.org/presentationml/2006/main">
   <p:cSld>
     <p:spTree>
@@ -54589,6 +49994,165 @@
     <p:extLst>
       <p:ext uri="{BB962C8B-B14F-4D97-AF65-F5344CB8AC3E}">
         <p14:creationId xmlns:p14="http://schemas.microsoft.com/office/powerpoint/2010/main" val="998441724"/>
+      </p:ext>
+    </p:extLst>
+  </p:cSld>
+  <p:clrMapOvr>
+    <a:masterClrMapping/>
+  </p:clrMapOvr>
+</p:sld>
+</file>
+
+<file path=ppt/slides/slide9.xml><?xml version="1.0" encoding="utf-8"?>
+<p:sld xmlns:a="http://schemas.openxmlformats.org/drawingml/2006/main" xmlns:r="http://schemas.openxmlformats.org/officeDocument/2006/relationships" xmlns:p="http://schemas.openxmlformats.org/presentationml/2006/main">
+  <p:cSld>
+    <p:spTree>
+      <p:nvGrpSpPr>
+        <p:cNvPr id="1" name=""/>
+        <p:cNvGrpSpPr/>
+        <p:nvPr/>
+      </p:nvGrpSpPr>
+      <p:grpSpPr>
+        <a:xfrm>
+          <a:off x="0" y="0"/>
+          <a:ext cx="0" cy="0"/>
+          <a:chOff x="0" y="0"/>
+          <a:chExt cx="0" cy="0"/>
+        </a:xfrm>
+      </p:grpSpPr>
+      <p:sp>
+        <p:nvSpPr>
+          <p:cNvPr id="2" name="Title 1">
+            <a:extLst>
+              <a:ext uri="{FF2B5EF4-FFF2-40B4-BE49-F238E27FC236}">
+                <a16:creationId xmlns:a16="http://schemas.microsoft.com/office/drawing/2014/main" id="{10A6E79C-7337-425C-AD7E-D6AD9FF66A06}"/>
+              </a:ext>
+            </a:extLst>
+          </p:cNvPr>
+          <p:cNvSpPr>
+            <a:spLocks noGrp="1"/>
+          </p:cNvSpPr>
+          <p:nvPr>
+            <p:ph type="title"/>
+          </p:nvPr>
+        </p:nvSpPr>
+        <p:spPr/>
+        <p:txBody>
+          <a:bodyPr>
+            <a:normAutofit fontScale="90000"/>
+          </a:bodyPr>
+          <a:lstStyle/>
+          <a:p>
+            <a:r>
+              <a:rPr lang="en-GB" dirty="0"/>
+              <a:t>Services –  Planning Unique App development with tasks and components required</a:t>
+            </a:r>
+            <a:endParaRPr lang="fr-FR" dirty="0"/>
+          </a:p>
+        </p:txBody>
+      </p:sp>
+      <p:graphicFrame>
+        <p:nvGraphicFramePr>
+          <p:cNvPr id="7" name="Content Placeholder 6">
+            <a:extLst>
+              <a:ext uri="{FF2B5EF4-FFF2-40B4-BE49-F238E27FC236}">
+                <a16:creationId xmlns:a16="http://schemas.microsoft.com/office/drawing/2014/main" id="{E11E0253-42B1-467D-851C-8D1ED8B716E7}"/>
+              </a:ext>
+            </a:extLst>
+          </p:cNvPr>
+          <p:cNvGraphicFramePr>
+            <a:graphicFrameLocks noGrp="1"/>
+          </p:cNvGraphicFramePr>
+          <p:nvPr>
+            <p:ph idx="1"/>
+          </p:nvPr>
+        </p:nvGraphicFramePr>
+        <p:xfrm>
+          <a:off x="1097280" y="1845734"/>
+          <a:ext cx="4663440" cy="631427"/>
+        </p:xfrm>
+        <a:graphic>
+          <a:graphicData uri="http://schemas.openxmlformats.org/drawingml/2006/diagram">
+            <dgm:relIds xmlns:dgm="http://schemas.openxmlformats.org/drawingml/2006/diagram" xmlns:r="http://schemas.openxmlformats.org/officeDocument/2006/relationships" r:dm="rId2" r:lo="rId3" r:qs="rId4" r:cs="rId5"/>
+          </a:graphicData>
+        </a:graphic>
+      </p:graphicFrame>
+      <p:sp>
+        <p:nvSpPr>
+          <p:cNvPr id="8" name="TextBox 7">
+            <a:extLst>
+              <a:ext uri="{FF2B5EF4-FFF2-40B4-BE49-F238E27FC236}">
+                <a16:creationId xmlns:a16="http://schemas.microsoft.com/office/drawing/2014/main" id="{4AF17F59-F6B8-4BA7-8A20-7D6DC6990005}"/>
+              </a:ext>
+            </a:extLst>
+          </p:cNvPr>
+          <p:cNvSpPr txBox="1"/>
+          <p:nvPr/>
+        </p:nvSpPr>
+        <p:spPr>
+          <a:xfrm>
+            <a:off x="1097280" y="6409081"/>
+            <a:ext cx="7115542" cy="369332"/>
+          </a:xfrm>
+          <a:prstGeom prst="rect">
+            <a:avLst/>
+          </a:prstGeom>
+          <a:noFill/>
+        </p:spPr>
+        <p:txBody>
+          <a:bodyPr wrap="square">
+            <a:spAutoFit/>
+          </a:bodyPr>
+          <a:lstStyle/>
+          <a:p>
+            <a:r>
+              <a:rPr lang="en-GB" dirty="0">
+                <a:solidFill>
+                  <a:schemeClr val="accent1">
+                    <a:lumMod val="50000"/>
+                  </a:schemeClr>
+                </a:solidFill>
+              </a:rPr>
+              <a:t>Freelance Sessions </a:t>
+            </a:r>
+            <a:endParaRPr lang="fr-FR" dirty="0"/>
+          </a:p>
+        </p:txBody>
+      </p:sp>
+      <p:pic>
+        <p:nvPicPr>
+          <p:cNvPr id="4" name="Picture 3">
+            <a:extLst>
+              <a:ext uri="{FF2B5EF4-FFF2-40B4-BE49-F238E27FC236}">
+                <a16:creationId xmlns:a16="http://schemas.microsoft.com/office/drawing/2014/main" id="{2663EAD3-0834-49CB-8778-1A10CC3664C7}"/>
+              </a:ext>
+            </a:extLst>
+          </p:cNvPr>
+          <p:cNvPicPr>
+            <a:picLocks noChangeAspect="1"/>
+          </p:cNvPicPr>
+          <p:nvPr/>
+        </p:nvPicPr>
+        <p:blipFill>
+          <a:blip r:embed="rId7"/>
+          <a:stretch>
+            <a:fillRect/>
+          </a:stretch>
+        </p:blipFill>
+        <p:spPr>
+          <a:xfrm>
+            <a:off x="620261" y="1983817"/>
+            <a:ext cx="11012437" cy="3439005"/>
+          </a:xfrm>
+          <a:prstGeom prst="rect">
+            <a:avLst/>
+          </a:prstGeom>
+        </p:spPr>
+      </p:pic>
+    </p:spTree>
+    <p:extLst>
+      <p:ext uri="{BB962C8B-B14F-4D97-AF65-F5344CB8AC3E}">
+        <p14:creationId xmlns:p14="http://schemas.microsoft.com/office/powerpoint/2010/main" val="2736269896"/>
       </p:ext>
     </p:extLst>
   </p:cSld>
